--- a/Présentation Projet .pptx
+++ b/Présentation Projet .pptx
@@ -26,8 +26,8 @@
     <p:sldId id="278" r:id="rId17"/>
     <p:sldId id="290" r:id="rId18"/>
     <p:sldId id="277" r:id="rId19"/>
-    <p:sldId id="283" r:id="rId20"/>
-    <p:sldId id="284" r:id="rId21"/>
+    <p:sldId id="284" r:id="rId20"/>
+    <p:sldId id="283" r:id="rId21"/>
     <p:sldId id="285" r:id="rId22"/>
     <p:sldId id="265" r:id="rId23"/>
   </p:sldIdLst>
@@ -605,7 +605,7 @@
       </p:grpSpPr>
       <p:sp>
         <p:nvSpPr>
-          <p:cNvPr id="1510" name="PlaceHolder 1"/>
+          <p:cNvPr id="1507" name="PlaceHolder 1"/>
           <p:cNvSpPr>
             <a:spLocks noGrp="1" noRot="1" noChangeAspect="1"/>
           </p:cNvSpPr>
@@ -625,7 +625,7 @@
       </p:sp>
       <p:sp>
         <p:nvSpPr>
-          <p:cNvPr id="1511" name="PlaceHolder 2"/>
+          <p:cNvPr id="1508" name="PlaceHolder 2"/>
           <p:cNvSpPr>
             <a:spLocks noGrp="1"/>
           </p:cNvSpPr>
@@ -656,7 +656,7 @@
       </p:sp>
       <p:sp>
         <p:nvSpPr>
-          <p:cNvPr id="1512" name="TextShape 3"/>
+          <p:cNvPr id="1509" name="TextShape 3"/>
           <p:cNvSpPr txBox="1"/>
           <p:nvPr/>
         </p:nvSpPr>
@@ -684,7 +684,7 @@
                 <a:spcPct val="100000"/>
               </a:lnSpc>
             </a:pPr>
-            <a:fld id="{F119077A-A8BA-4B4B-A547-36E070DB7F2A}" type="slidenum">
+            <a:fld id="{837DE0A3-E842-408E-8208-9AD037EBA438}" type="slidenum">
               <a:rPr lang="en-GB" sz="1200" b="0" strike="noStrike" spc="-1">
                 <a:solidFill>
                   <a:srgbClr val="000000"/>
@@ -703,7 +703,7 @@
     </p:spTree>
     <p:extLst>
       <p:ext uri="{BB962C8B-B14F-4D97-AF65-F5344CB8AC3E}">
-        <p14:creationId xmlns:p14="http://schemas.microsoft.com/office/powerpoint/2010/main" val="3942192883"/>
+        <p14:creationId xmlns:p14="http://schemas.microsoft.com/office/powerpoint/2010/main" val="3598782422"/>
       </p:ext>
     </p:extLst>
   </p:cSld>
@@ -1824,7 +1824,7 @@
       </p:grpSpPr>
       <p:sp>
         <p:nvSpPr>
-          <p:cNvPr id="1507" name="PlaceHolder 1"/>
+          <p:cNvPr id="1510" name="PlaceHolder 1"/>
           <p:cNvSpPr>
             <a:spLocks noGrp="1" noRot="1" noChangeAspect="1"/>
           </p:cNvSpPr>
@@ -1844,7 +1844,7 @@
       </p:sp>
       <p:sp>
         <p:nvSpPr>
-          <p:cNvPr id="1508" name="PlaceHolder 2"/>
+          <p:cNvPr id="1511" name="PlaceHolder 2"/>
           <p:cNvSpPr>
             <a:spLocks noGrp="1"/>
           </p:cNvSpPr>
@@ -1875,7 +1875,7 @@
       </p:sp>
       <p:sp>
         <p:nvSpPr>
-          <p:cNvPr id="1509" name="TextShape 3"/>
+          <p:cNvPr id="1512" name="TextShape 3"/>
           <p:cNvSpPr txBox="1"/>
           <p:nvPr/>
         </p:nvSpPr>
@@ -1903,7 +1903,7 @@
                 <a:spcPct val="100000"/>
               </a:lnSpc>
             </a:pPr>
-            <a:fld id="{837DE0A3-E842-408E-8208-9AD037EBA438}" type="slidenum">
+            <a:fld id="{F119077A-A8BA-4B4B-A547-36E070DB7F2A}" type="slidenum">
               <a:rPr lang="en-GB" sz="1200" b="0" strike="noStrike" spc="-1">
                 <a:solidFill>
                   <a:srgbClr val="000000"/>
@@ -1922,7 +1922,7 @@
     </p:spTree>
     <p:extLst>
       <p:ext uri="{BB962C8B-B14F-4D97-AF65-F5344CB8AC3E}">
-        <p14:creationId xmlns:p14="http://schemas.microsoft.com/office/powerpoint/2010/main" val="3598782422"/>
+        <p14:creationId xmlns:p14="http://schemas.microsoft.com/office/powerpoint/2010/main" val="3942192883"/>
       </p:ext>
     </p:extLst>
   </p:cSld>
@@ -9093,7 +9093,7 @@
     <mc:Choice Requires="p14">
       <p:transition spd="slow" p14:dur="2000"/>
     </mc:Choice>
-    <mc:Fallback xmlns:p15="http://schemas.microsoft.com/office/powerpoint/2012/main" xmlns="">
+    <mc:Fallback xmlns="" xmlns:p15="http://schemas.microsoft.com/office/powerpoint/2012/main">
       <p:transition spd="slow"/>
     </mc:Fallback>
   </mc:AlternateContent>
@@ -9447,7 +9447,7 @@
     <mc:Choice Requires="p14">
       <p:transition spd="slow" p14:dur="2000"/>
     </mc:Choice>
-    <mc:Fallback xmlns="" xmlns:p15="http://schemas.microsoft.com/office/powerpoint/2012/main">
+    <mc:Fallback xmlns:p15="http://schemas.microsoft.com/office/powerpoint/2012/main" xmlns="">
       <p:transition spd="slow"/>
     </mc:Fallback>
   </mc:AlternateContent>
@@ -9757,6 +9757,36 @@
           </a:p>
         </p:txBody>
       </p:sp>
+      <p:pic>
+        <p:nvPicPr>
+          <p:cNvPr id="2" name="Image 1"/>
+          <p:cNvPicPr>
+            <a:picLocks noChangeAspect="1"/>
+          </p:cNvPicPr>
+          <p:nvPr/>
+        </p:nvPicPr>
+        <p:blipFill>
+          <a:blip r:embed="rId2">
+            <a:extLst>
+              <a:ext uri="{28A0092B-C50C-407E-A947-70E740481C1C}">
+                <a14:useLocalDpi xmlns:a14="http://schemas.microsoft.com/office/drawing/2010/main" val="0"/>
+              </a:ext>
+            </a:extLst>
+          </a:blip>
+          <a:stretch>
+            <a:fillRect/>
+          </a:stretch>
+        </p:blipFill>
+        <p:spPr>
+          <a:xfrm>
+            <a:off x="2377969" y="820514"/>
+            <a:ext cx="7435821" cy="5540599"/>
+          </a:xfrm>
+          <a:prstGeom prst="rect">
+            <a:avLst/>
+          </a:prstGeom>
+        </p:spPr>
+      </p:pic>
     </p:spTree>
     <p:extLst>
       <p:ext uri="{BB962C8B-B14F-4D97-AF65-F5344CB8AC3E}">
@@ -9771,7 +9801,7 @@
     <mc:Choice Requires="p14">
       <p:transition spd="slow" p14:dur="2000"/>
     </mc:Choice>
-    <mc:Fallback xmlns="" xmlns:p15="http://schemas.microsoft.com/office/powerpoint/2012/main">
+    <mc:Fallback xmlns:p15="http://schemas.microsoft.com/office/powerpoint/2012/main" xmlns="">
       <p:transition spd="slow"/>
     </mc:Fallback>
   </mc:AlternateContent>
@@ -10125,7 +10155,7 @@
     <mc:Choice Requires="p14">
       <p:transition spd="slow" p14:dur="2000"/>
     </mc:Choice>
-    <mc:Fallback xmlns="" xmlns:p15="http://schemas.microsoft.com/office/powerpoint/2012/main">
+    <mc:Fallback xmlns:p15="http://schemas.microsoft.com/office/powerpoint/2012/main" xmlns="">
       <p:transition spd="slow"/>
     </mc:Fallback>
   </mc:AlternateContent>
@@ -10477,7 +10507,7 @@
       </p:sp>
       <p:pic>
         <p:nvPicPr>
-          <p:cNvPr id="3" name="Image 2"/>
+          <p:cNvPr id="2" name="Image 1"/>
           <p:cNvPicPr>
             <a:picLocks noChangeAspect="1"/>
           </p:cNvPicPr>
@@ -10497,8 +10527,8 @@
         </p:blipFill>
         <p:spPr>
           <a:xfrm>
-            <a:off x="1820305" y="763510"/>
-            <a:ext cx="8550790" cy="5838785"/>
+            <a:off x="1808831" y="684160"/>
+            <a:ext cx="8574097" cy="5854700"/>
           </a:xfrm>
           <a:prstGeom prst="rect">
             <a:avLst/>
@@ -10519,7 +10549,7 @@
     <mc:Choice Requires="p14">
       <p:transition spd="slow" p14:dur="2000"/>
     </mc:Choice>
-    <mc:Fallback xmlns="" xmlns:p15="http://schemas.microsoft.com/office/powerpoint/2012/main">
+    <mc:Fallback xmlns:p15="http://schemas.microsoft.com/office/powerpoint/2012/main" xmlns="">
       <p:transition spd="slow"/>
     </mc:Fallback>
   </mc:AlternateContent>
@@ -10903,7 +10933,7 @@
     <mc:Choice Requires="p14">
       <p:transition spd="slow" p14:dur="2000"/>
     </mc:Choice>
-    <mc:Fallback xmlns="" xmlns:p15="http://schemas.microsoft.com/office/powerpoint/2012/main">
+    <mc:Fallback xmlns:p15="http://schemas.microsoft.com/office/powerpoint/2012/main" xmlns="">
       <p:transition spd="slow"/>
     </mc:Fallback>
   </mc:AlternateContent>
@@ -11248,7 +11278,7 @@
     <mc:Choice Requires="p14">
       <p:transition spd="slow" p14:dur="2000"/>
     </mc:Choice>
-    <mc:Fallback xmlns:p15="http://schemas.microsoft.com/office/powerpoint/2012/main" xmlns="">
+    <mc:Fallback xmlns="" xmlns:p15="http://schemas.microsoft.com/office/powerpoint/2012/main">
       <p:transition spd="slow"/>
     </mc:Fallback>
   </mc:AlternateContent>
@@ -11457,17 +11487,7 @@
                 <a:latin typeface="Century Gothic"/>
                 <a:ea typeface="Segoe UI Black"/>
               </a:rPr>
-              <a:t>VUE </a:t>
-            </a:r>
-            <a:r>
-              <a:rPr lang="en-GB" sz="3600" b="1" spc="-1" dirty="0" smtClean="0">
-                <a:solidFill>
-                  <a:srgbClr val="FFC000"/>
-                </a:solidFill>
-                <a:latin typeface="Century Gothic"/>
-                <a:ea typeface="Segoe UI Black"/>
-              </a:rPr>
-              <a:t>STATIQUE </a:t>
+              <a:t>VUE STATIQUE </a:t>
             </a:r>
             <a:endParaRPr lang="en-GB" sz="3600" b="0" strike="noStrike" spc="-1" dirty="0">
               <a:solidFill>
@@ -11612,7 +11632,7 @@
     <mc:Choice Requires="p14">
       <p:transition spd="slow" p14:dur="2000"/>
     </mc:Choice>
-    <mc:Fallback xmlns="" xmlns:p15="http://schemas.microsoft.com/office/powerpoint/2012/main">
+    <mc:Fallback xmlns:p15="http://schemas.microsoft.com/office/powerpoint/2012/main" xmlns="">
       <p:transition spd="slow"/>
     </mc:Fallback>
   </mc:AlternateContent>
@@ -11647,1747 +11667,6 @@
 </file>
 
 <file path=ppt/slides/slide17.xml><?xml version="1.0" encoding="utf-8"?>
-<p:sld xmlns:a="http://schemas.openxmlformats.org/drawingml/2006/main" xmlns:r="http://schemas.openxmlformats.org/officeDocument/2006/relationships" xmlns:p="http://schemas.openxmlformats.org/presentationml/2006/main">
-  <p:cSld>
-    <p:spTree>
-      <p:nvGrpSpPr>
-        <p:cNvPr id="1" name=""/>
-        <p:cNvGrpSpPr/>
-        <p:nvPr/>
-      </p:nvGrpSpPr>
-      <p:grpSpPr>
-        <a:xfrm>
-          <a:off x="0" y="0"/>
-          <a:ext cx="0" cy="0"/>
-          <a:chOff x="0" y="0"/>
-          <a:chExt cx="0" cy="0"/>
-        </a:xfrm>
-      </p:grpSpPr>
-      <p:grpSp>
-        <p:nvGrpSpPr>
-          <p:cNvPr id="1287" name="Group 7"/>
-          <p:cNvGrpSpPr/>
-          <p:nvPr/>
-        </p:nvGrpSpPr>
-        <p:grpSpPr>
-          <a:xfrm>
-            <a:off x="838080" y="1843920"/>
-            <a:ext cx="5872320" cy="4096800"/>
-            <a:chOff x="838080" y="1843920"/>
-            <a:chExt cx="5872320" cy="4096800"/>
-          </a:xfrm>
-        </p:grpSpPr>
-        <p:sp>
-          <p:nvSpPr>
-            <p:cNvPr id="1288" name="CustomShape 8"/>
-            <p:cNvSpPr/>
-            <p:nvPr/>
-          </p:nvSpPr>
-          <p:spPr>
-            <a:xfrm>
-              <a:off x="1301040" y="1843920"/>
-              <a:ext cx="4922640" cy="3765240"/>
-            </a:xfrm>
-            <a:prstGeom prst="roundRect">
-              <a:avLst>
-                <a:gd name="adj" fmla="val 4185"/>
-              </a:avLst>
-            </a:prstGeom>
-            <a:gradFill rotWithShape="0">
-              <a:gsLst>
-                <a:gs pos="0">
-                  <a:schemeClr val="tx1">
-                    <a:lumMod val="65000"/>
-                    <a:lumOff val="35000"/>
-                  </a:schemeClr>
-                </a:gs>
-                <a:gs pos="66000">
-                  <a:schemeClr val="bg1"/>
-                </a:gs>
-                <a:gs pos="100000">
-                  <a:schemeClr val="bg1">
-                    <a:lumMod val="85000"/>
-                  </a:schemeClr>
-                </a:gs>
-              </a:gsLst>
-              <a:lin ang="16200000"/>
-            </a:gradFill>
-            <a:ln>
-              <a:noFill/>
-            </a:ln>
-          </p:spPr>
-          <p:style>
-            <a:lnRef idx="2">
-              <a:schemeClr val="accent1">
-                <a:shade val="50000"/>
-              </a:schemeClr>
-            </a:lnRef>
-            <a:fillRef idx="1">
-              <a:schemeClr val="accent1"/>
-            </a:fillRef>
-            <a:effectRef idx="0">
-              <a:schemeClr val="accent1"/>
-            </a:effectRef>
-            <a:fontRef idx="minor"/>
-          </p:style>
-        </p:sp>
-        <p:sp>
-          <p:nvSpPr>
-            <p:cNvPr id="1289" name="CustomShape 9"/>
-            <p:cNvSpPr/>
-            <p:nvPr/>
-          </p:nvSpPr>
-          <p:spPr>
-            <a:xfrm>
-              <a:off x="1325520" y="1867320"/>
-              <a:ext cx="4881600" cy="3562920"/>
-            </a:xfrm>
-            <a:prstGeom prst="roundRect">
-              <a:avLst>
-                <a:gd name="adj" fmla="val 4031"/>
-              </a:avLst>
-            </a:prstGeom>
-            <a:gradFill rotWithShape="0">
-              <a:gsLst>
-                <a:gs pos="0">
-                  <a:schemeClr val="tx1"/>
-                </a:gs>
-                <a:gs pos="100000">
-                  <a:schemeClr val="tx1">
-                    <a:lumMod val="50000"/>
-                    <a:lumOff val="50000"/>
-                  </a:schemeClr>
-                </a:gs>
-              </a:gsLst>
-              <a:lin ang="16200000"/>
-            </a:gradFill>
-            <a:ln>
-              <a:noFill/>
-            </a:ln>
-          </p:spPr>
-          <p:style>
-            <a:lnRef idx="2">
-              <a:schemeClr val="accent1">
-                <a:shade val="50000"/>
-              </a:schemeClr>
-            </a:lnRef>
-            <a:fillRef idx="1">
-              <a:schemeClr val="accent1"/>
-            </a:fillRef>
-            <a:effectRef idx="0">
-              <a:schemeClr val="accent1"/>
-            </a:effectRef>
-            <a:fontRef idx="minor"/>
-          </p:style>
-        </p:sp>
-        <p:sp>
-          <p:nvSpPr>
-            <p:cNvPr id="1290" name="CustomShape 10"/>
-            <p:cNvSpPr/>
-            <p:nvPr/>
-          </p:nvSpPr>
-          <p:spPr>
-            <a:xfrm>
-              <a:off x="1433880" y="1963440"/>
-              <a:ext cx="4655160" cy="3089880"/>
-            </a:xfrm>
-            <a:prstGeom prst="roundRect">
-              <a:avLst>
-                <a:gd name="adj" fmla="val 2787"/>
-              </a:avLst>
-            </a:prstGeom>
-            <a:solidFill>
-              <a:schemeClr val="bg1">
-                <a:lumMod val="95000"/>
-              </a:schemeClr>
-            </a:solidFill>
-            <a:ln>
-              <a:noFill/>
-            </a:ln>
-          </p:spPr>
-          <p:style>
-            <a:lnRef idx="2">
-              <a:schemeClr val="accent1">
-                <a:shade val="50000"/>
-              </a:schemeClr>
-            </a:lnRef>
-            <a:fillRef idx="1">
-              <a:schemeClr val="accent1"/>
-            </a:fillRef>
-            <a:effectRef idx="0">
-              <a:schemeClr val="accent1"/>
-            </a:effectRef>
-            <a:fontRef idx="minor"/>
-          </p:style>
-        </p:sp>
-        <p:grpSp>
-          <p:nvGrpSpPr>
-            <p:cNvPr id="1291" name="Group 11"/>
-            <p:cNvGrpSpPr/>
-            <p:nvPr/>
-          </p:nvGrpSpPr>
-          <p:grpSpPr>
-            <a:xfrm>
-              <a:off x="838080" y="5096160"/>
-              <a:ext cx="5872320" cy="844560"/>
-              <a:chOff x="838080" y="5096160"/>
-              <a:chExt cx="5872320" cy="844560"/>
-            </a:xfrm>
-          </p:grpSpPr>
-          <p:sp>
-            <p:nvSpPr>
-              <p:cNvPr id="1292" name="CustomShape 12"/>
-              <p:cNvSpPr/>
-              <p:nvPr/>
-            </p:nvSpPr>
-            <p:spPr>
-              <a:xfrm>
-                <a:off x="852120" y="5298480"/>
-                <a:ext cx="5846040" cy="538560"/>
-              </a:xfrm>
-              <a:custGeom>
-                <a:avLst/>
-                <a:gdLst/>
-                <a:ahLst/>
-                <a:cxnLst/>
-                <a:rect l="l" t="t" r="r" b="b"/>
-                <a:pathLst>
-                  <a:path w="10038" h="10000">
-                    <a:moveTo>
-                      <a:pt x="15" y="10000"/>
-                    </a:moveTo>
-                    <a:lnTo>
-                      <a:pt x="9929" y="10000"/>
-                    </a:lnTo>
-                    <a:cubicBezTo>
-                      <a:pt x="9965" y="9704"/>
-                      <a:pt x="10002" y="9409"/>
-                      <a:pt x="10038" y="9113"/>
-                    </a:cubicBezTo>
-                    <a:cubicBezTo>
-                      <a:pt x="9765" y="6075"/>
-                      <a:pt x="9493" y="3038"/>
-                      <a:pt x="9220" y="0"/>
-                    </a:cubicBezTo>
-                    <a:lnTo>
-                      <a:pt x="765" y="0"/>
-                    </a:lnTo>
-                    <a:lnTo>
-                      <a:pt x="0" y="9196"/>
-                    </a:lnTo>
-                    <a:lnTo>
-                      <a:pt x="15" y="10000"/>
-                    </a:lnTo>
-                    <a:close/>
-                  </a:path>
-                </a:pathLst>
-              </a:custGeom>
-              <a:gradFill rotWithShape="0">
-                <a:gsLst>
-                  <a:gs pos="0">
-                    <a:schemeClr val="bg1">
-                      <a:lumMod val="50000"/>
-                    </a:schemeClr>
-                  </a:gs>
-                  <a:gs pos="34000">
-                    <a:schemeClr val="bg1">
-                      <a:lumMod val="75000"/>
-                    </a:schemeClr>
-                  </a:gs>
-                  <a:gs pos="70000">
-                    <a:schemeClr val="bg1"/>
-                  </a:gs>
-                  <a:gs pos="100000">
-                    <a:schemeClr val="bg1"/>
-                  </a:gs>
-                </a:gsLst>
-                <a:lin ang="5400000"/>
-              </a:gradFill>
-              <a:ln>
-                <a:noFill/>
-              </a:ln>
-            </p:spPr>
-            <p:style>
-              <a:lnRef idx="0">
-                <a:scrgbClr r="0" g="0" b="0"/>
-              </a:lnRef>
-              <a:fillRef idx="0">
-                <a:scrgbClr r="0" g="0" b="0"/>
-              </a:fillRef>
-              <a:effectRef idx="0">
-                <a:scrgbClr r="0" g="0" b="0"/>
-              </a:effectRef>
-              <a:fontRef idx="minor"/>
-            </p:style>
-          </p:sp>
-          <p:sp>
-            <p:nvSpPr>
-              <p:cNvPr id="1293" name="CustomShape 13"/>
-              <p:cNvSpPr/>
-              <p:nvPr/>
-            </p:nvSpPr>
-            <p:spPr>
-              <a:xfrm>
-                <a:off x="838080" y="5832360"/>
-                <a:ext cx="5872320" cy="108360"/>
-              </a:xfrm>
-              <a:custGeom>
-                <a:avLst/>
-                <a:gdLst/>
-                <a:ahLst/>
-                <a:cxnLst/>
-                <a:rect l="l" t="t" r="r" b="b"/>
-                <a:pathLst>
-                  <a:path w="10000" h="10000">
-                    <a:moveTo>
-                      <a:pt x="0" y="0"/>
-                    </a:moveTo>
-                    <a:lnTo>
-                      <a:pt x="10000" y="492"/>
-                    </a:lnTo>
-                    <a:cubicBezTo>
-                      <a:pt x="9998" y="710"/>
-                      <a:pt x="9996" y="929"/>
-                      <a:pt x="9994" y="1147"/>
-                    </a:cubicBezTo>
-                    <a:cubicBezTo>
-                      <a:pt x="9985" y="1639"/>
-                      <a:pt x="9959" y="2896"/>
-                      <a:pt x="9944" y="3442"/>
-                    </a:cubicBezTo>
-                    <a:cubicBezTo>
-                      <a:pt x="9931" y="3771"/>
-                      <a:pt x="9919" y="4098"/>
-                      <a:pt x="9906" y="4426"/>
-                    </a:cubicBezTo>
-                    <a:cubicBezTo>
-                      <a:pt x="9892" y="4755"/>
-                      <a:pt x="9879" y="5082"/>
-                      <a:pt x="9865" y="5410"/>
-                    </a:cubicBezTo>
-                    <a:cubicBezTo>
-                      <a:pt x="9849" y="5684"/>
-                      <a:pt x="9834" y="5956"/>
-                      <a:pt x="9818" y="6229"/>
-                    </a:cubicBezTo>
-                    <a:cubicBezTo>
-                      <a:pt x="9799" y="6448"/>
-                      <a:pt x="9781" y="6666"/>
-                      <a:pt x="9762" y="6885"/>
-                    </a:cubicBezTo>
-                    <a:cubicBezTo>
-                      <a:pt x="9741" y="7103"/>
-                      <a:pt x="9721" y="7323"/>
-                      <a:pt x="9700" y="7541"/>
-                    </a:cubicBezTo>
-                    <a:lnTo>
-                      <a:pt x="9574" y="8524"/>
-                    </a:lnTo>
-                    <a:cubicBezTo>
-                      <a:pt x="9529" y="8743"/>
-                      <a:pt x="9483" y="8962"/>
-                      <a:pt x="9438" y="9181"/>
-                    </a:cubicBezTo>
-                    <a:lnTo>
-                      <a:pt x="9303" y="9508"/>
-                    </a:lnTo>
-                    <a:lnTo>
-                      <a:pt x="9165" y="10000"/>
-                    </a:lnTo>
-                    <a:lnTo>
-                      <a:pt x="8645" y="10000"/>
-                    </a:lnTo>
-                    <a:lnTo>
-                      <a:pt x="8117" y="10000"/>
-                    </a:lnTo>
-                    <a:lnTo>
-                      <a:pt x="7597" y="10000"/>
-                    </a:lnTo>
-                    <a:lnTo>
-                      <a:pt x="7071" y="10000"/>
-                    </a:lnTo>
-                    <a:lnTo>
-                      <a:pt x="6547" y="10000"/>
-                    </a:lnTo>
-                    <a:lnTo>
-                      <a:pt x="6024" y="10000"/>
-                    </a:lnTo>
-                    <a:lnTo>
-                      <a:pt x="5497" y="10000"/>
-                    </a:lnTo>
-                    <a:lnTo>
-                      <a:pt x="4976" y="10000"/>
-                    </a:lnTo>
-                    <a:lnTo>
-                      <a:pt x="4450" y="10000"/>
-                    </a:lnTo>
-                    <a:lnTo>
-                      <a:pt x="3929" y="10000"/>
-                    </a:lnTo>
-                    <a:lnTo>
-                      <a:pt x="3403" y="10000"/>
-                    </a:lnTo>
-                    <a:lnTo>
-                      <a:pt x="2880" y="10000"/>
-                    </a:lnTo>
-                    <a:lnTo>
-                      <a:pt x="2356" y="10000"/>
-                    </a:lnTo>
-                    <a:lnTo>
-                      <a:pt x="1830" y="10000"/>
-                    </a:lnTo>
-                    <a:lnTo>
-                      <a:pt x="1308" y="10000"/>
-                    </a:lnTo>
-                    <a:lnTo>
-                      <a:pt x="782" y="10000"/>
-                    </a:lnTo>
-                    <a:lnTo>
-                      <a:pt x="650" y="9508"/>
-                    </a:lnTo>
-                    <a:cubicBezTo>
-                      <a:pt x="607" y="9399"/>
-                      <a:pt x="563" y="9290"/>
-                      <a:pt x="520" y="9181"/>
-                    </a:cubicBezTo>
-                    <a:lnTo>
-                      <a:pt x="400" y="8689"/>
-                    </a:lnTo>
-                    <a:cubicBezTo>
-                      <a:pt x="363" y="8361"/>
-                      <a:pt x="325" y="8033"/>
-                      <a:pt x="288" y="7705"/>
-                    </a:cubicBezTo>
-                    <a:cubicBezTo>
-                      <a:pt x="270" y="7487"/>
-                      <a:pt x="253" y="7268"/>
-                      <a:pt x="235" y="7049"/>
-                    </a:cubicBezTo>
-                    <a:cubicBezTo>
-                      <a:pt x="220" y="6831"/>
-                      <a:pt x="206" y="6612"/>
-                      <a:pt x="191" y="6394"/>
-                    </a:cubicBezTo>
-                    <a:cubicBezTo>
-                      <a:pt x="176" y="6121"/>
-                      <a:pt x="162" y="5847"/>
-                      <a:pt x="147" y="5574"/>
-                    </a:cubicBezTo>
-                    <a:cubicBezTo>
-                      <a:pt x="133" y="5300"/>
-                      <a:pt x="120" y="5028"/>
-                      <a:pt x="106" y="4755"/>
-                    </a:cubicBezTo>
-                    <a:cubicBezTo>
-                      <a:pt x="95" y="4426"/>
-                      <a:pt x="85" y="4099"/>
-                      <a:pt x="74" y="3771"/>
-                    </a:cubicBezTo>
-                    <a:cubicBezTo>
-                      <a:pt x="64" y="3389"/>
-                      <a:pt x="54" y="3005"/>
-                      <a:pt x="44" y="2623"/>
-                    </a:cubicBezTo>
-                    <a:cubicBezTo>
-                      <a:pt x="36" y="2241"/>
-                      <a:pt x="29" y="1858"/>
-                      <a:pt x="21" y="1476"/>
-                    </a:cubicBezTo>
-                    <a:lnTo>
-                      <a:pt x="0" y="0"/>
-                    </a:lnTo>
-                    <a:close/>
-                  </a:path>
-                </a:pathLst>
-              </a:custGeom>
-              <a:gradFill rotWithShape="0">
-                <a:gsLst>
-                  <a:gs pos="0">
-                    <a:schemeClr val="bg1">
-                      <a:lumMod val="65000"/>
-                      <a:shade val="30000"/>
-                      <a:satMod val="115000"/>
-                    </a:schemeClr>
-                  </a:gs>
-                  <a:gs pos="27000">
-                    <a:schemeClr val="bg1">
-                      <a:lumMod val="75000"/>
-                    </a:schemeClr>
-                  </a:gs>
-                  <a:gs pos="48758">
-                    <a:schemeClr val="tx1">
-                      <a:lumMod val="50000"/>
-                      <a:lumOff val="50000"/>
-                    </a:schemeClr>
-                  </a:gs>
-                  <a:gs pos="73000">
-                    <a:schemeClr val="bg1">
-                      <a:lumMod val="75000"/>
-                    </a:schemeClr>
-                  </a:gs>
-                  <a:gs pos="100000">
-                    <a:schemeClr val="bg1">
-                      <a:lumMod val="50000"/>
-                    </a:schemeClr>
-                  </a:gs>
-                </a:gsLst>
-                <a:lin ang="0"/>
-              </a:gradFill>
-              <a:ln>
-                <a:noFill/>
-              </a:ln>
-            </p:spPr>
-            <p:style>
-              <a:lnRef idx="0">
-                <a:scrgbClr r="0" g="0" b="0"/>
-              </a:lnRef>
-              <a:fillRef idx="0">
-                <a:scrgbClr r="0" g="0" b="0"/>
-              </a:fillRef>
-              <a:effectRef idx="0">
-                <a:scrgbClr r="0" g="0" b="0"/>
-              </a:effectRef>
-              <a:fontRef idx="minor"/>
-            </p:style>
-          </p:sp>
-          <p:sp>
-            <p:nvSpPr>
-              <p:cNvPr id="1294" name="CustomShape 14"/>
-              <p:cNvSpPr/>
-              <p:nvPr/>
-            </p:nvSpPr>
-            <p:spPr>
-              <a:xfrm>
-                <a:off x="3658320" y="5096160"/>
-                <a:ext cx="165960" cy="165960"/>
-              </a:xfrm>
-              <a:custGeom>
-                <a:avLst/>
-                <a:gdLst/>
-                <a:ahLst/>
-                <a:cxnLst/>
-                <a:rect l="l" t="t" r="r" b="b"/>
-                <a:pathLst>
-                  <a:path w="109" h="109">
-                    <a:moveTo>
-                      <a:pt x="54" y="0"/>
-                    </a:moveTo>
-                    <a:lnTo>
-                      <a:pt x="66" y="1"/>
-                    </a:lnTo>
-                    <a:lnTo>
-                      <a:pt x="75" y="5"/>
-                    </a:lnTo>
-                    <a:lnTo>
-                      <a:pt x="84" y="9"/>
-                    </a:lnTo>
-                    <a:lnTo>
-                      <a:pt x="93" y="16"/>
-                    </a:lnTo>
-                    <a:lnTo>
-                      <a:pt x="100" y="24"/>
-                    </a:lnTo>
-                    <a:lnTo>
-                      <a:pt x="105" y="34"/>
-                    </a:lnTo>
-                    <a:lnTo>
-                      <a:pt x="108" y="44"/>
-                    </a:lnTo>
-                    <a:lnTo>
-                      <a:pt x="109" y="55"/>
-                    </a:lnTo>
-                    <a:lnTo>
-                      <a:pt x="108" y="66"/>
-                    </a:lnTo>
-                    <a:lnTo>
-                      <a:pt x="105" y="77"/>
-                    </a:lnTo>
-                    <a:lnTo>
-                      <a:pt x="100" y="86"/>
-                    </a:lnTo>
-                    <a:lnTo>
-                      <a:pt x="93" y="94"/>
-                    </a:lnTo>
-                    <a:lnTo>
-                      <a:pt x="84" y="100"/>
-                    </a:lnTo>
-                    <a:lnTo>
-                      <a:pt x="75" y="106"/>
-                    </a:lnTo>
-                    <a:lnTo>
-                      <a:pt x="66" y="109"/>
-                    </a:lnTo>
-                    <a:lnTo>
-                      <a:pt x="54" y="109"/>
-                    </a:lnTo>
-                    <a:lnTo>
-                      <a:pt x="43" y="109"/>
-                    </a:lnTo>
-                    <a:lnTo>
-                      <a:pt x="33" y="106"/>
-                    </a:lnTo>
-                    <a:lnTo>
-                      <a:pt x="24" y="100"/>
-                    </a:lnTo>
-                    <a:lnTo>
-                      <a:pt x="16" y="94"/>
-                    </a:lnTo>
-                    <a:lnTo>
-                      <a:pt x="9" y="86"/>
-                    </a:lnTo>
-                    <a:lnTo>
-                      <a:pt x="3" y="77"/>
-                    </a:lnTo>
-                    <a:lnTo>
-                      <a:pt x="1" y="66"/>
-                    </a:lnTo>
-                    <a:lnTo>
-                      <a:pt x="0" y="55"/>
-                    </a:lnTo>
-                    <a:lnTo>
-                      <a:pt x="1" y="44"/>
-                    </a:lnTo>
-                    <a:lnTo>
-                      <a:pt x="3" y="34"/>
-                    </a:lnTo>
-                    <a:lnTo>
-                      <a:pt x="9" y="24"/>
-                    </a:lnTo>
-                    <a:lnTo>
-                      <a:pt x="16" y="16"/>
-                    </a:lnTo>
-                    <a:lnTo>
-                      <a:pt x="24" y="9"/>
-                    </a:lnTo>
-                    <a:lnTo>
-                      <a:pt x="33" y="5"/>
-                    </a:lnTo>
-                    <a:lnTo>
-                      <a:pt x="43" y="1"/>
-                    </a:lnTo>
-                    <a:lnTo>
-                      <a:pt x="54" y="0"/>
-                    </a:lnTo>
-                    <a:close/>
-                  </a:path>
-                </a:pathLst>
-              </a:custGeom>
-              <a:gradFill rotWithShape="0">
-                <a:gsLst>
-                  <a:gs pos="11000">
-                    <a:srgbClr val="003366"/>
-                  </a:gs>
-                  <a:gs pos="55000">
-                    <a:srgbClr val="3FADFF"/>
-                  </a:gs>
-                  <a:gs pos="92000">
-                    <a:srgbClr val="003366"/>
-                  </a:gs>
-                </a:gsLst>
-                <a:lin ang="16200000"/>
-              </a:gradFill>
-              <a:ln>
-                <a:noFill/>
-              </a:ln>
-            </p:spPr>
-            <p:style>
-              <a:lnRef idx="0">
-                <a:scrgbClr r="0" g="0" b="0"/>
-              </a:lnRef>
-              <a:fillRef idx="0">
-                <a:scrgbClr r="0" g="0" b="0"/>
-              </a:fillRef>
-              <a:effectRef idx="0">
-                <a:scrgbClr r="0" g="0" b="0"/>
-              </a:effectRef>
-              <a:fontRef idx="minor"/>
-            </p:style>
-          </p:sp>
-          <p:sp>
-            <p:nvSpPr>
-              <p:cNvPr id="1295" name="CustomShape 15"/>
-              <p:cNvSpPr/>
-              <p:nvPr/>
-            </p:nvSpPr>
-            <p:spPr>
-              <a:xfrm>
-                <a:off x="3686040" y="5123880"/>
-                <a:ext cx="110520" cy="110520"/>
-              </a:xfrm>
-              <a:custGeom>
-                <a:avLst/>
-                <a:gdLst/>
-                <a:ahLst/>
-                <a:cxnLst/>
-                <a:rect l="l" t="t" r="r" b="b"/>
-                <a:pathLst>
-                  <a:path w="91" h="91">
-                    <a:moveTo>
-                      <a:pt x="45" y="0"/>
-                    </a:moveTo>
-                    <a:lnTo>
-                      <a:pt x="55" y="2"/>
-                    </a:lnTo>
-                    <a:lnTo>
-                      <a:pt x="63" y="4"/>
-                    </a:lnTo>
-                    <a:lnTo>
-                      <a:pt x="71" y="8"/>
-                    </a:lnTo>
-                    <a:lnTo>
-                      <a:pt x="78" y="14"/>
-                    </a:lnTo>
-                    <a:lnTo>
-                      <a:pt x="82" y="20"/>
-                    </a:lnTo>
-                    <a:lnTo>
-                      <a:pt x="87" y="28"/>
-                    </a:lnTo>
-                    <a:lnTo>
-                      <a:pt x="89" y="36"/>
-                    </a:lnTo>
-                    <a:lnTo>
-                      <a:pt x="91" y="46"/>
-                    </a:lnTo>
-                    <a:lnTo>
-                      <a:pt x="89" y="55"/>
-                    </a:lnTo>
-                    <a:lnTo>
-                      <a:pt x="87" y="63"/>
-                    </a:lnTo>
-                    <a:lnTo>
-                      <a:pt x="82" y="71"/>
-                    </a:lnTo>
-                    <a:lnTo>
-                      <a:pt x="78" y="78"/>
-                    </a:lnTo>
-                    <a:lnTo>
-                      <a:pt x="71" y="84"/>
-                    </a:lnTo>
-                    <a:lnTo>
-                      <a:pt x="63" y="87"/>
-                    </a:lnTo>
-                    <a:lnTo>
-                      <a:pt x="55" y="90"/>
-                    </a:lnTo>
-                    <a:lnTo>
-                      <a:pt x="45" y="91"/>
-                    </a:lnTo>
-                    <a:lnTo>
-                      <a:pt x="36" y="90"/>
-                    </a:lnTo>
-                    <a:lnTo>
-                      <a:pt x="28" y="87"/>
-                    </a:lnTo>
-                    <a:lnTo>
-                      <a:pt x="20" y="84"/>
-                    </a:lnTo>
-                    <a:lnTo>
-                      <a:pt x="13" y="78"/>
-                    </a:lnTo>
-                    <a:lnTo>
-                      <a:pt x="8" y="71"/>
-                    </a:lnTo>
-                    <a:lnTo>
-                      <a:pt x="4" y="63"/>
-                    </a:lnTo>
-                    <a:lnTo>
-                      <a:pt x="1" y="55"/>
-                    </a:lnTo>
-                    <a:lnTo>
-                      <a:pt x="0" y="46"/>
-                    </a:lnTo>
-                    <a:lnTo>
-                      <a:pt x="1" y="36"/>
-                    </a:lnTo>
-                    <a:lnTo>
-                      <a:pt x="4" y="28"/>
-                    </a:lnTo>
-                    <a:lnTo>
-                      <a:pt x="8" y="20"/>
-                    </a:lnTo>
-                    <a:lnTo>
-                      <a:pt x="13" y="14"/>
-                    </a:lnTo>
-                    <a:lnTo>
-                      <a:pt x="20" y="8"/>
-                    </a:lnTo>
-                    <a:lnTo>
-                      <a:pt x="28" y="4"/>
-                    </a:lnTo>
-                    <a:lnTo>
-                      <a:pt x="36" y="2"/>
-                    </a:lnTo>
-                    <a:lnTo>
-                      <a:pt x="45" y="0"/>
-                    </a:lnTo>
-                    <a:close/>
-                  </a:path>
-                </a:pathLst>
-              </a:custGeom>
-              <a:solidFill>
-                <a:schemeClr val="tx1"/>
-              </a:solidFill>
-              <a:ln>
-                <a:noFill/>
-              </a:ln>
-            </p:spPr>
-            <p:style>
-              <a:lnRef idx="0">
-                <a:scrgbClr r="0" g="0" b="0"/>
-              </a:lnRef>
-              <a:fillRef idx="0">
-                <a:scrgbClr r="0" g="0" b="0"/>
-              </a:fillRef>
-              <a:effectRef idx="0">
-                <a:scrgbClr r="0" g="0" b="0"/>
-              </a:effectRef>
-              <a:fontRef idx="minor"/>
-            </p:style>
-          </p:sp>
-          <p:sp>
-            <p:nvSpPr>
-              <p:cNvPr id="1296" name="CustomShape 16"/>
-              <p:cNvSpPr/>
-              <p:nvPr/>
-            </p:nvSpPr>
-            <p:spPr>
-              <a:xfrm>
-                <a:off x="2441160" y="5222520"/>
-                <a:ext cx="504000" cy="82440"/>
-              </a:xfrm>
-              <a:prstGeom prst="rect">
-                <a:avLst/>
-              </a:prstGeom>
-              <a:gradFill rotWithShape="0">
-                <a:gsLst>
-                  <a:gs pos="0">
-                    <a:schemeClr val="bg1">
-                      <a:lumMod val="65000"/>
-                    </a:schemeClr>
-                  </a:gs>
-                  <a:gs pos="55000">
-                    <a:schemeClr val="bg1">
-                      <a:lumMod val="85000"/>
-                    </a:schemeClr>
-                  </a:gs>
-                  <a:gs pos="100000">
-                    <a:schemeClr val="bg1">
-                      <a:lumMod val="65000"/>
-                    </a:schemeClr>
-                  </a:gs>
-                </a:gsLst>
-                <a:lin ang="0"/>
-              </a:gradFill>
-              <a:ln>
-                <a:noFill/>
-              </a:ln>
-            </p:spPr>
-            <p:style>
-              <a:lnRef idx="0">
-                <a:scrgbClr r="0" g="0" b="0"/>
-              </a:lnRef>
-              <a:fillRef idx="0">
-                <a:scrgbClr r="0" g="0" b="0"/>
-              </a:fillRef>
-              <a:effectRef idx="0">
-                <a:scrgbClr r="0" g="0" b="0"/>
-              </a:effectRef>
-              <a:fontRef idx="minor"/>
-            </p:style>
-          </p:sp>
-          <p:sp>
-            <p:nvSpPr>
-              <p:cNvPr id="1297" name="CustomShape 17"/>
-              <p:cNvSpPr/>
-              <p:nvPr/>
-            </p:nvSpPr>
-            <p:spPr>
-              <a:xfrm>
-                <a:off x="4590000" y="5222520"/>
-                <a:ext cx="497160" cy="82440"/>
-              </a:xfrm>
-              <a:prstGeom prst="rect">
-                <a:avLst/>
-              </a:prstGeom>
-              <a:gradFill rotWithShape="0">
-                <a:gsLst>
-                  <a:gs pos="0">
-                    <a:schemeClr val="bg1">
-                      <a:lumMod val="65000"/>
-                    </a:schemeClr>
-                  </a:gs>
-                  <a:gs pos="55000">
-                    <a:schemeClr val="bg1">
-                      <a:lumMod val="85000"/>
-                    </a:schemeClr>
-                  </a:gs>
-                  <a:gs pos="100000">
-                    <a:schemeClr val="bg1">
-                      <a:lumMod val="65000"/>
-                    </a:schemeClr>
-                  </a:gs>
-                </a:gsLst>
-                <a:lin ang="0"/>
-              </a:gradFill>
-              <a:ln>
-                <a:noFill/>
-              </a:ln>
-            </p:spPr>
-            <p:style>
-              <a:lnRef idx="0">
-                <a:scrgbClr r="0" g="0" b="0"/>
-              </a:lnRef>
-              <a:fillRef idx="0">
-                <a:scrgbClr r="0" g="0" b="0"/>
-              </a:fillRef>
-              <a:effectRef idx="0">
-                <a:scrgbClr r="0" g="0" b="0"/>
-              </a:effectRef>
-              <a:fontRef idx="minor"/>
-            </p:style>
-          </p:sp>
-          <p:sp>
-            <p:nvSpPr>
-              <p:cNvPr id="1298" name="CustomShape 18"/>
-              <p:cNvSpPr/>
-              <p:nvPr/>
-            </p:nvSpPr>
-            <p:spPr>
-              <a:xfrm>
-                <a:off x="1397880" y="5388480"/>
-                <a:ext cx="4794480" cy="220680"/>
-              </a:xfrm>
-              <a:custGeom>
-                <a:avLst/>
-                <a:gdLst/>
-                <a:ahLst/>
-                <a:cxnLst/>
-                <a:rect l="l" t="t" r="r" b="b"/>
-                <a:pathLst>
-                  <a:path w="2778" h="128">
-                    <a:moveTo>
-                      <a:pt x="109" y="0"/>
-                    </a:moveTo>
-                    <a:lnTo>
-                      <a:pt x="2644" y="0"/>
-                    </a:lnTo>
-                    <a:lnTo>
-                      <a:pt x="2778" y="128"/>
-                    </a:lnTo>
-                    <a:lnTo>
-                      <a:pt x="0" y="128"/>
-                    </a:lnTo>
-                    <a:lnTo>
-                      <a:pt x="109" y="0"/>
-                    </a:lnTo>
-                    <a:close/>
-                  </a:path>
-                </a:pathLst>
-              </a:custGeom>
-              <a:gradFill rotWithShape="0">
-                <a:gsLst>
-                  <a:gs pos="0">
-                    <a:schemeClr val="tx1">
-                      <a:lumMod val="85000"/>
-                      <a:lumOff val="15000"/>
-                    </a:schemeClr>
-                  </a:gs>
-                  <a:gs pos="100000">
-                    <a:schemeClr val="tx1">
-                      <a:lumMod val="65000"/>
-                      <a:lumOff val="35000"/>
-                    </a:schemeClr>
-                  </a:gs>
-                </a:gsLst>
-                <a:lin ang="5400000"/>
-              </a:gradFill>
-              <a:ln>
-                <a:noFill/>
-              </a:ln>
-            </p:spPr>
-            <p:style>
-              <a:lnRef idx="0">
-                <a:scrgbClr r="0" g="0" b="0"/>
-              </a:lnRef>
-              <a:fillRef idx="0">
-                <a:scrgbClr r="0" g="0" b="0"/>
-              </a:fillRef>
-              <a:effectRef idx="0">
-                <a:scrgbClr r="0" g="0" b="0"/>
-              </a:effectRef>
-              <a:fontRef idx="minor"/>
-            </p:style>
-          </p:sp>
-          <p:sp>
-            <p:nvSpPr>
-              <p:cNvPr id="1299" name="CustomShape 19"/>
-              <p:cNvSpPr/>
-              <p:nvPr/>
-            </p:nvSpPr>
-            <p:spPr>
-              <a:xfrm>
-                <a:off x="838080" y="5775120"/>
-                <a:ext cx="5872320" cy="96480"/>
-              </a:xfrm>
-              <a:custGeom>
-                <a:avLst/>
-                <a:gdLst/>
-                <a:ahLst/>
-                <a:cxnLst/>
-                <a:rect l="l" t="t" r="r" b="b"/>
-                <a:pathLst>
-                  <a:path w="3402" h="58">
-                    <a:moveTo>
-                      <a:pt x="28" y="0"/>
-                    </a:moveTo>
-                    <a:lnTo>
-                      <a:pt x="3374" y="0"/>
-                    </a:lnTo>
-                    <a:lnTo>
-                      <a:pt x="3380" y="1"/>
-                    </a:lnTo>
-                    <a:lnTo>
-                      <a:pt x="3385" y="2"/>
-                    </a:lnTo>
-                    <a:lnTo>
-                      <a:pt x="3391" y="5"/>
-                    </a:lnTo>
-                    <a:lnTo>
-                      <a:pt x="3394" y="9"/>
-                    </a:lnTo>
-                    <a:lnTo>
-                      <a:pt x="3398" y="12"/>
-                    </a:lnTo>
-                    <a:lnTo>
-                      <a:pt x="3401" y="17"/>
-                    </a:lnTo>
-                    <a:lnTo>
-                      <a:pt x="3402" y="23"/>
-                    </a:lnTo>
-                    <a:lnTo>
-                      <a:pt x="3402" y="29"/>
-                    </a:lnTo>
-                    <a:lnTo>
-                      <a:pt x="3402" y="29"/>
-                    </a:lnTo>
-                    <a:lnTo>
-                      <a:pt x="3402" y="34"/>
-                    </a:lnTo>
-                    <a:lnTo>
-                      <a:pt x="3401" y="40"/>
-                    </a:lnTo>
-                    <a:lnTo>
-                      <a:pt x="3398" y="45"/>
-                    </a:lnTo>
-                    <a:lnTo>
-                      <a:pt x="3394" y="48"/>
-                    </a:lnTo>
-                    <a:lnTo>
-                      <a:pt x="3391" y="52"/>
-                    </a:lnTo>
-                    <a:lnTo>
-                      <a:pt x="3385" y="55"/>
-                    </a:lnTo>
-                    <a:lnTo>
-                      <a:pt x="3380" y="56"/>
-                    </a:lnTo>
-                    <a:lnTo>
-                      <a:pt x="3374" y="58"/>
-                    </a:lnTo>
-                    <a:lnTo>
-                      <a:pt x="28" y="58"/>
-                    </a:lnTo>
-                    <a:lnTo>
-                      <a:pt x="22" y="56"/>
-                    </a:lnTo>
-                    <a:lnTo>
-                      <a:pt x="17" y="55"/>
-                    </a:lnTo>
-                    <a:lnTo>
-                      <a:pt x="13" y="52"/>
-                    </a:lnTo>
-                    <a:lnTo>
-                      <a:pt x="8" y="48"/>
-                    </a:lnTo>
-                    <a:lnTo>
-                      <a:pt x="5" y="45"/>
-                    </a:lnTo>
-                    <a:lnTo>
-                      <a:pt x="2" y="40"/>
-                    </a:lnTo>
-                    <a:lnTo>
-                      <a:pt x="0" y="34"/>
-                    </a:lnTo>
-                    <a:lnTo>
-                      <a:pt x="0" y="29"/>
-                    </a:lnTo>
-                    <a:lnTo>
-                      <a:pt x="0" y="29"/>
-                    </a:lnTo>
-                    <a:lnTo>
-                      <a:pt x="0" y="23"/>
-                    </a:lnTo>
-                    <a:lnTo>
-                      <a:pt x="2" y="17"/>
-                    </a:lnTo>
-                    <a:lnTo>
-                      <a:pt x="5" y="12"/>
-                    </a:lnTo>
-                    <a:lnTo>
-                      <a:pt x="8" y="9"/>
-                    </a:lnTo>
-                    <a:lnTo>
-                      <a:pt x="13" y="5"/>
-                    </a:lnTo>
-                    <a:lnTo>
-                      <a:pt x="17" y="2"/>
-                    </a:lnTo>
-                    <a:lnTo>
-                      <a:pt x="22" y="1"/>
-                    </a:lnTo>
-                    <a:lnTo>
-                      <a:pt x="28" y="0"/>
-                    </a:lnTo>
-                    <a:close/>
-                  </a:path>
-                </a:pathLst>
-              </a:custGeom>
-              <a:solidFill>
-                <a:schemeClr val="bg1"/>
-              </a:solidFill>
-              <a:ln>
-                <a:noFill/>
-              </a:ln>
-            </p:spPr>
-            <p:style>
-              <a:lnRef idx="0">
-                <a:scrgbClr r="0" g="0" b="0"/>
-              </a:lnRef>
-              <a:fillRef idx="0">
-                <a:scrgbClr r="0" g="0" b="0"/>
-              </a:fillRef>
-              <a:effectRef idx="0">
-                <a:scrgbClr r="0" g="0" b="0"/>
-              </a:effectRef>
-              <a:fontRef idx="minor"/>
-            </p:style>
-          </p:sp>
-          <p:sp>
-            <p:nvSpPr>
-              <p:cNvPr id="1300" name="CustomShape 20"/>
-              <p:cNvSpPr/>
-              <p:nvPr/>
-            </p:nvSpPr>
-            <p:spPr>
-              <a:xfrm>
-                <a:off x="3145680" y="5647320"/>
-                <a:ext cx="1257120" cy="192960"/>
-              </a:xfrm>
-              <a:custGeom>
-                <a:avLst/>
-                <a:gdLst/>
-                <a:ahLst/>
-                <a:cxnLst/>
-                <a:rect l="l" t="t" r="r" b="b"/>
-                <a:pathLst>
-                  <a:path w="731" h="69">
-                    <a:moveTo>
-                      <a:pt x="9" y="0"/>
-                    </a:moveTo>
-                    <a:lnTo>
-                      <a:pt x="717" y="0"/>
-                    </a:lnTo>
-                    <a:lnTo>
-                      <a:pt x="731" y="69"/>
-                    </a:lnTo>
-                    <a:lnTo>
-                      <a:pt x="0" y="67"/>
-                    </a:lnTo>
-                    <a:lnTo>
-                      <a:pt x="9" y="0"/>
-                    </a:lnTo>
-                    <a:close/>
-                  </a:path>
-                </a:pathLst>
-              </a:custGeom>
-              <a:solidFill>
-                <a:schemeClr val="bg1">
-                  <a:lumMod val="75000"/>
-                </a:schemeClr>
-              </a:solidFill>
-              <a:ln>
-                <a:noFill/>
-              </a:ln>
-            </p:spPr>
-            <p:style>
-              <a:lnRef idx="0">
-                <a:scrgbClr r="0" g="0" b="0"/>
-              </a:lnRef>
-              <a:fillRef idx="0">
-                <a:scrgbClr r="0" g="0" b="0"/>
-              </a:fillRef>
-              <a:effectRef idx="0">
-                <a:scrgbClr r="0" g="0" b="0"/>
-              </a:effectRef>
-              <a:fontRef idx="minor"/>
-            </p:style>
-          </p:sp>
-        </p:grpSp>
-        <p:sp>
-          <p:nvSpPr>
-            <p:cNvPr id="1301" name="CustomShape 21"/>
-            <p:cNvSpPr/>
-            <p:nvPr/>
-          </p:nvSpPr>
-          <p:spPr>
-            <a:xfrm>
-              <a:off x="3863520" y="1843920"/>
-              <a:ext cx="2344320" cy="2886840"/>
-            </a:xfrm>
-            <a:custGeom>
-              <a:avLst/>
-              <a:gdLst/>
-              <a:ahLst/>
-              <a:cxnLst/>
-              <a:rect l="l" t="t" r="r" b="b"/>
-              <a:pathLst>
-                <a:path w="1997203" h="2758884">
-                  <a:moveTo>
-                    <a:pt x="1147198" y="1170"/>
-                  </a:moveTo>
-                  <a:lnTo>
-                    <a:pt x="1836097" y="1170"/>
-                  </a:lnTo>
-                  <a:cubicBezTo>
-                    <a:pt x="1935898" y="-10973"/>
-                    <a:pt x="1997203" y="73300"/>
-                    <a:pt x="1997203" y="162276"/>
-                  </a:cubicBezTo>
-                  <a:lnTo>
-                    <a:pt x="1997203" y="2758884"/>
-                  </a:lnTo>
-                  <a:lnTo>
-                    <a:pt x="1997203" y="2758884"/>
-                  </a:lnTo>
-                  <a:lnTo>
-                    <a:pt x="0" y="2733484"/>
-                  </a:lnTo>
-                  <a:lnTo>
-                    <a:pt x="1147198" y="1170"/>
-                  </a:lnTo>
-                  <a:close/>
-                </a:path>
-              </a:pathLst>
-            </a:custGeom>
-            <a:gradFill rotWithShape="0">
-              <a:gsLst>
-                <a:gs pos="21000">
-                  <a:schemeClr val="bg1">
-                    <a:alpha val="1000"/>
-                  </a:schemeClr>
-                </a:gs>
-                <a:gs pos="100000">
-                  <a:schemeClr val="bg1">
-                    <a:alpha val="30000"/>
-                  </a:schemeClr>
-                </a:gs>
-              </a:gsLst>
-              <a:lin ang="16200000"/>
-            </a:gradFill>
-            <a:ln>
-              <a:noFill/>
-            </a:ln>
-          </p:spPr>
-          <p:style>
-            <a:lnRef idx="2">
-              <a:schemeClr val="accent1">
-                <a:shade val="50000"/>
-              </a:schemeClr>
-            </a:lnRef>
-            <a:fillRef idx="1">
-              <a:schemeClr val="accent1"/>
-            </a:fillRef>
-            <a:effectRef idx="0">
-              <a:schemeClr val="accent1"/>
-            </a:effectRef>
-            <a:fontRef idx="minor"/>
-          </p:style>
-        </p:sp>
-      </p:grpSp>
-      <p:sp>
-        <p:nvSpPr>
-          <p:cNvPr id="1320" name="CustomShape 40"/>
-          <p:cNvSpPr/>
-          <p:nvPr/>
-        </p:nvSpPr>
-        <p:spPr>
-          <a:xfrm>
-            <a:off x="6477480" y="2943720"/>
-            <a:ext cx="4831200" cy="153888"/>
-          </a:xfrm>
-          <a:prstGeom prst="rect">
-            <a:avLst/>
-          </a:prstGeom>
-          <a:noFill/>
-          <a:ln w="6480">
-            <a:noFill/>
-          </a:ln>
-        </p:spPr>
-        <p:style>
-          <a:lnRef idx="0">
-            <a:scrgbClr r="0" g="0" b="0"/>
-          </a:lnRef>
-          <a:fillRef idx="0">
-            <a:scrgbClr r="0" g="0" b="0"/>
-          </a:fillRef>
-          <a:effectRef idx="0">
-            <a:scrgbClr r="0" g="0" b="0"/>
-          </a:effectRef>
-          <a:fontRef idx="minor"/>
-        </p:style>
-        <p:txBody>
-          <a:bodyPr lIns="0" tIns="0" rIns="0" bIns="0">
-            <a:spAutoFit/>
-          </a:bodyPr>
-          <a:lstStyle/>
-          <a:p>
-            <a:pPr>
-              <a:lnSpc>
-                <a:spcPct val="100000"/>
-              </a:lnSpc>
-            </a:pPr>
-            <a:r>
-              <a:rPr lang="en-GB" sz="1000" b="0" strike="noStrike" spc="-1" dirty="0" smtClean="0">
-                <a:solidFill>
-                  <a:srgbClr val="000000"/>
-                </a:solidFill>
-                <a:latin typeface="Calibri Light"/>
-              </a:rPr>
-              <a:t>.</a:t>
-            </a:r>
-            <a:endParaRPr lang="en-GB" sz="1000" b="0" strike="noStrike" spc="-1" dirty="0">
-              <a:latin typeface="Arial"/>
-            </a:endParaRPr>
-          </a:p>
-        </p:txBody>
-      </p:sp>
-      <p:sp>
-        <p:nvSpPr>
-          <p:cNvPr id="112" name="CustomShape 2"/>
-          <p:cNvSpPr/>
-          <p:nvPr/>
-        </p:nvSpPr>
-        <p:spPr>
-          <a:xfrm>
-            <a:off x="0" y="6775560"/>
-            <a:ext cx="2659680" cy="82080"/>
-          </a:xfrm>
-          <a:prstGeom prst="rect">
-            <a:avLst/>
-          </a:prstGeom>
-          <a:solidFill>
-            <a:srgbClr val="FFBE00"/>
-          </a:solidFill>
-          <a:ln>
-            <a:noFill/>
-          </a:ln>
-        </p:spPr>
-        <p:style>
-          <a:lnRef idx="2">
-            <a:schemeClr val="accent1">
-              <a:shade val="50000"/>
-            </a:schemeClr>
-          </a:lnRef>
-          <a:fillRef idx="1">
-            <a:schemeClr val="accent1"/>
-          </a:fillRef>
-          <a:effectRef idx="0">
-            <a:schemeClr val="accent1"/>
-          </a:effectRef>
-          <a:fontRef idx="minor"/>
-        </p:style>
-      </p:sp>
-      <p:sp>
-        <p:nvSpPr>
-          <p:cNvPr id="113" name="CustomShape 3"/>
-          <p:cNvSpPr/>
-          <p:nvPr/>
-        </p:nvSpPr>
-        <p:spPr>
-          <a:xfrm>
-            <a:off x="2802060" y="6762119"/>
-            <a:ext cx="6587640" cy="108360"/>
-          </a:xfrm>
-          <a:prstGeom prst="rect">
-            <a:avLst/>
-          </a:prstGeom>
-          <a:solidFill>
-            <a:srgbClr val="1C819E"/>
-          </a:solidFill>
-          <a:ln>
-            <a:noFill/>
-          </a:ln>
-        </p:spPr>
-        <p:style>
-          <a:lnRef idx="2">
-            <a:schemeClr val="accent1">
-              <a:shade val="50000"/>
-            </a:schemeClr>
-          </a:lnRef>
-          <a:fillRef idx="1">
-            <a:schemeClr val="accent1"/>
-          </a:fillRef>
-          <a:effectRef idx="0">
-            <a:schemeClr val="accent1"/>
-          </a:effectRef>
-          <a:fontRef idx="minor"/>
-        </p:style>
-      </p:sp>
-      <p:sp>
-        <p:nvSpPr>
-          <p:cNvPr id="114" name="CustomShape 4"/>
-          <p:cNvSpPr/>
-          <p:nvPr/>
-        </p:nvSpPr>
-        <p:spPr>
-          <a:xfrm>
-            <a:off x="9532080" y="6775560"/>
-            <a:ext cx="2659680" cy="82080"/>
-          </a:xfrm>
-          <a:prstGeom prst="rect">
-            <a:avLst/>
-          </a:prstGeom>
-          <a:solidFill>
-            <a:srgbClr val="FFBE00"/>
-          </a:solidFill>
-          <a:ln>
-            <a:noFill/>
-          </a:ln>
-        </p:spPr>
-        <p:style>
-          <a:lnRef idx="2">
-            <a:schemeClr val="accent1">
-              <a:shade val="50000"/>
-            </a:schemeClr>
-          </a:lnRef>
-          <a:fillRef idx="1">
-            <a:schemeClr val="accent1"/>
-          </a:fillRef>
-          <a:effectRef idx="0">
-            <a:schemeClr val="accent1"/>
-          </a:effectRef>
-          <a:fontRef idx="minor"/>
-        </p:style>
-      </p:sp>
-      <p:sp>
-        <p:nvSpPr>
-          <p:cNvPr id="115" name="TextShape 58"/>
-          <p:cNvSpPr txBox="1"/>
-          <p:nvPr/>
-        </p:nvSpPr>
-        <p:spPr>
-          <a:xfrm>
-            <a:off x="838080" y="6356520"/>
-            <a:ext cx="2742840" cy="364680"/>
-          </a:xfrm>
-          <a:prstGeom prst="rect">
-            <a:avLst/>
-          </a:prstGeom>
-          <a:noFill/>
-          <a:ln>
-            <a:noFill/>
-          </a:ln>
-        </p:spPr>
-        <p:txBody>
-          <a:bodyPr anchor="ctr">
-            <a:noAutofit/>
-          </a:bodyPr>
-          <a:lstStyle/>
-          <a:p>
-            <a:pPr>
-              <a:lnSpc>
-                <a:spcPct val="100000"/>
-              </a:lnSpc>
-            </a:pPr>
-            <a:fld id="{DFF7870E-DFBF-4CB7-A3F6-DA1E038144F0}" type="datetime1">
-              <a:rPr lang="en-GB" sz="1200" b="0" strike="noStrike" spc="-1">
-                <a:solidFill>
-                  <a:srgbClr val="8B8B8B"/>
-                </a:solidFill>
-                <a:latin typeface="Segoe UI"/>
-              </a:rPr>
-              <a:t>29/04/2019</a:t>
-            </a:fld>
-            <a:endParaRPr lang="en-GB" sz="1200" b="0" strike="noStrike" spc="-1">
-              <a:latin typeface="Times New Roman"/>
-            </a:endParaRPr>
-          </a:p>
-        </p:txBody>
-      </p:sp>
-      <p:sp>
-        <p:nvSpPr>
-          <p:cNvPr id="116" name="TextShape 59"/>
-          <p:cNvSpPr txBox="1"/>
-          <p:nvPr/>
-        </p:nvSpPr>
-        <p:spPr>
-          <a:xfrm>
-            <a:off x="8610480" y="6356520"/>
-            <a:ext cx="2742840" cy="364680"/>
-          </a:xfrm>
-          <a:prstGeom prst="rect">
-            <a:avLst/>
-          </a:prstGeom>
-          <a:noFill/>
-          <a:ln>
-            <a:noFill/>
-          </a:ln>
-        </p:spPr>
-        <p:txBody>
-          <a:bodyPr anchor="ctr">
-            <a:noAutofit/>
-          </a:bodyPr>
-          <a:lstStyle/>
-          <a:p>
-            <a:pPr algn="r">
-              <a:lnSpc>
-                <a:spcPct val="100000"/>
-              </a:lnSpc>
-            </a:pPr>
-            <a:fld id="{C6C43D75-D78C-4E45-AD84-28E61FB19D78}" type="slidenum">
-              <a:rPr lang="en-GB" sz="1200" b="0" strike="noStrike" spc="-1">
-                <a:solidFill>
-                  <a:srgbClr val="8B8B8B"/>
-                </a:solidFill>
-                <a:latin typeface="Segoe UI"/>
-              </a:rPr>
-              <a:t>17</a:t>
-            </a:fld>
-            <a:endParaRPr lang="en-GB" sz="1200" b="0" strike="noStrike" spc="-1" dirty="0">
-              <a:latin typeface="Times New Roman"/>
-            </a:endParaRPr>
-          </a:p>
-        </p:txBody>
-      </p:sp>
-      <p:sp>
-        <p:nvSpPr>
-          <p:cNvPr id="122" name="CustomShape 4"/>
-          <p:cNvSpPr/>
-          <p:nvPr/>
-        </p:nvSpPr>
-        <p:spPr>
-          <a:xfrm>
-            <a:off x="558720" y="514800"/>
-            <a:ext cx="11073960" cy="549000"/>
-          </a:xfrm>
-          <a:prstGeom prst="rect">
-            <a:avLst/>
-          </a:prstGeom>
-          <a:noFill/>
-          <a:ln>
-            <a:noFill/>
-          </a:ln>
-        </p:spPr>
-        <p:style>
-          <a:lnRef idx="0">
-            <a:scrgbClr r="0" g="0" b="0"/>
-          </a:lnRef>
-          <a:fillRef idx="0">
-            <a:scrgbClr r="0" g="0" b="0"/>
-          </a:fillRef>
-          <a:effectRef idx="0">
-            <a:scrgbClr r="0" g="0" b="0"/>
-          </a:effectRef>
-          <a:fontRef idx="minor"/>
-        </p:style>
-        <p:txBody>
-          <a:bodyPr lIns="0" tIns="0" rIns="0" bIns="0">
-            <a:spAutoFit/>
-          </a:bodyPr>
-          <a:lstStyle/>
-          <a:p>
-            <a:pPr algn="ctr">
-              <a:lnSpc>
-                <a:spcPct val="100000"/>
-              </a:lnSpc>
-            </a:pPr>
-            <a:r>
-              <a:rPr lang="en-GB" sz="3600" b="1" spc="-1" dirty="0" smtClean="0">
-                <a:solidFill>
-                  <a:srgbClr val="FFC000"/>
-                </a:solidFill>
-                <a:latin typeface="Century Gothic"/>
-                <a:ea typeface="Segoe UI Black"/>
-              </a:rPr>
-              <a:t>SITE </a:t>
-            </a:r>
-            <a:r>
-              <a:rPr lang="en-GB" sz="3600" b="1" spc="-1" dirty="0" smtClean="0">
-                <a:solidFill>
-                  <a:srgbClr val="FFC000"/>
-                </a:solidFill>
-                <a:latin typeface="Century Gothic"/>
-                <a:ea typeface="Segoe UI Black"/>
-              </a:rPr>
-              <a:t>WEB  </a:t>
-            </a:r>
-            <a:endParaRPr lang="en-GB" sz="3600" b="0" strike="noStrike" spc="-1" dirty="0">
-              <a:solidFill>
-                <a:srgbClr val="FFC000"/>
-              </a:solidFill>
-              <a:latin typeface="Arial"/>
-            </a:endParaRPr>
-          </a:p>
-        </p:txBody>
-      </p:sp>
-      <p:pic>
-        <p:nvPicPr>
-          <p:cNvPr id="2" name="Image 1"/>
-          <p:cNvPicPr>
-            <a:picLocks noChangeAspect="1"/>
-          </p:cNvPicPr>
-          <p:nvPr/>
-        </p:nvPicPr>
-        <p:blipFill>
-          <a:blip r:embed="rId3" cstate="print">
-            <a:extLst>
-              <a:ext uri="{28A0092B-C50C-407E-A947-70E740481C1C}">
-                <a14:useLocalDpi xmlns:a14="http://schemas.microsoft.com/office/drawing/2010/main" val="0"/>
-              </a:ext>
-            </a:extLst>
-          </a:blip>
-          <a:stretch>
-            <a:fillRect/>
-          </a:stretch>
-        </p:blipFill>
-        <p:spPr>
-          <a:xfrm>
-            <a:off x="1433880" y="1963440"/>
-            <a:ext cx="4655160" cy="3113280"/>
-          </a:xfrm>
-          <a:prstGeom prst="rect">
-            <a:avLst/>
-          </a:prstGeom>
-          <a:ln>
-            <a:noFill/>
-          </a:ln>
-          <a:effectLst>
-            <a:outerShdw blurRad="292100" dist="139700" dir="2700000" algn="tl" rotWithShape="0">
-              <a:srgbClr val="333333">
-                <a:alpha val="65000"/>
-              </a:srgbClr>
-            </a:outerShdw>
-          </a:effectLst>
-        </p:spPr>
-      </p:pic>
-      <p:sp>
-        <p:nvSpPr>
-          <p:cNvPr id="91" name="CustomShape 26"/>
-          <p:cNvSpPr/>
-          <p:nvPr/>
-        </p:nvSpPr>
-        <p:spPr>
-          <a:xfrm>
-            <a:off x="6757111" y="3150372"/>
-            <a:ext cx="2966221" cy="553998"/>
-          </a:xfrm>
-          <a:prstGeom prst="rect">
-            <a:avLst/>
-          </a:prstGeom>
-          <a:noFill/>
-          <a:ln>
-            <a:noFill/>
-          </a:ln>
-        </p:spPr>
-        <p:style>
-          <a:lnRef idx="0">
-            <a:scrgbClr r="0" g="0" b="0"/>
-          </a:lnRef>
-          <a:fillRef idx="0">
-            <a:scrgbClr r="0" g="0" b="0"/>
-          </a:fillRef>
-          <a:effectRef idx="0">
-            <a:scrgbClr r="0" g="0" b="0"/>
-          </a:effectRef>
-          <a:fontRef idx="minor"/>
-        </p:style>
-        <p:txBody>
-          <a:bodyPr wrap="square" lIns="0" tIns="0" rIns="0" bIns="0" anchor="ctr">
-            <a:spAutoFit/>
-          </a:bodyPr>
-          <a:lstStyle/>
-          <a:p>
-            <a:pPr>
-              <a:lnSpc>
-                <a:spcPct val="100000"/>
-              </a:lnSpc>
-            </a:pPr>
-            <a:r>
-              <a:rPr lang="en-GB" sz="3600" b="1" spc="-1" dirty="0" smtClean="0">
-                <a:solidFill>
-                  <a:srgbClr val="404040"/>
-                </a:solidFill>
-                <a:latin typeface="Century Gothic" panose="020B0502020202020204" pitchFamily="34" charset="0"/>
-                <a:ea typeface="Segoe UI Black"/>
-              </a:rPr>
-              <a:t>LIVE DEMO </a:t>
-            </a:r>
-            <a:endParaRPr lang="en-GB" sz="3600" b="0" strike="noStrike" spc="-1" dirty="0">
-              <a:latin typeface="Century Gothic" panose="020B0502020202020204" pitchFamily="34" charset="0"/>
-            </a:endParaRPr>
-          </a:p>
-        </p:txBody>
-      </p:sp>
-    </p:spTree>
-    <p:extLst>
-      <p:ext uri="{BB962C8B-B14F-4D97-AF65-F5344CB8AC3E}">
-        <p14:creationId xmlns:p14="http://schemas.microsoft.com/office/powerpoint/2010/main" val="3836972120"/>
-      </p:ext>
-    </p:extLst>
-  </p:cSld>
-  <p:clrMapOvr>
-    <a:masterClrMapping/>
-  </p:clrMapOvr>
-  <mc:AlternateContent xmlns:mc="http://schemas.openxmlformats.org/markup-compatibility/2006" xmlns:p14="http://schemas.microsoft.com/office/powerpoint/2010/main">
-    <mc:Choice Requires="p14">
-      <p:transition spd="slow" p14:dur="2000"/>
-    </mc:Choice>
-    <mc:Fallback xmlns="" xmlns:p15="http://schemas.microsoft.com/office/powerpoint/2012/main">
-      <p:transition spd="slow"/>
-    </mc:Fallback>
-  </mc:AlternateContent>
-  <p:timing>
-    <p:tnLst>
-      <p:par>
-        <p:cTn id="1" dur="indefinite" restart="never" nodeType="tmRoot">
-          <p:childTnLst>
-            <p:seq>
-              <p:cTn id="2" dur="indefinite" nodeType="mainSeq"/>
-              <p:prevCondLst>
-                <p:cond evt="onPrev" delay="0">
-                  <p:tgtEl>
-                    <p:sldTgt/>
-                  </p:tgtEl>
-                </p:cond>
-              </p:prevCondLst>
-              <p:nextCondLst>
-                <p:cond evt="onNext" delay="0">
-                  <p:tgtEl>
-                    <p:sldTgt/>
-                  </p:tgtEl>
-                </p:cond>
-              </p:nextCondLst>
-            </p:seq>
-          </p:childTnLst>
-        </p:cTn>
-      </p:par>
-    </p:tnLst>
-  </p:timing>
-</p:sld>
-</file>
-
-<file path=ppt/slides/slide18.xml><?xml version="1.0" encoding="utf-8"?>
 <p:sld xmlns:a="http://schemas.openxmlformats.org/drawingml/2006/main" xmlns:r="http://schemas.openxmlformats.org/officeDocument/2006/relationships" xmlns:p="http://schemas.openxmlformats.org/presentationml/2006/main">
   <p:cSld>
     <p:spTree>
@@ -20356,17 +18635,7 @@
                 <a:latin typeface="Century Gothic"/>
                 <a:ea typeface="Segoe UI Black"/>
               </a:rPr>
-              <a:t>APPLICATION </a:t>
-            </a:r>
-            <a:r>
-              <a:rPr lang="en-GB" sz="3600" b="1" spc="-1" dirty="0" smtClean="0">
-                <a:solidFill>
-                  <a:srgbClr val="FFC000"/>
-                </a:solidFill>
-                <a:latin typeface="Century Gothic"/>
-                <a:ea typeface="Segoe UI Black"/>
-              </a:rPr>
-              <a:t>MOBILE  </a:t>
+              <a:t>APPLICATION MOBILE  </a:t>
             </a:r>
             <a:endParaRPr lang="en-GB" sz="3600" b="0" strike="noStrike" spc="-1" dirty="0">
               <a:solidFill>
@@ -20567,7 +18836,7 @@
                 </a:solidFill>
                 <a:latin typeface="Segoe UI"/>
               </a:rPr>
-              <a:t>18</a:t>
+              <a:t>17</a:t>
             </a:fld>
             <a:endParaRPr lang="en-GB" sz="1200" b="0" strike="noStrike" spc="-1" dirty="0">
               <a:latin typeface="Times New Roman"/>
@@ -20677,7 +18946,1738 @@
     <mc:Choice Requires="p14">
       <p:transition spd="slow" p14:dur="2000"/>
     </mc:Choice>
-    <mc:Fallback xmlns="" xmlns:p15="http://schemas.microsoft.com/office/powerpoint/2012/main">
+    <mc:Fallback xmlns:p15="http://schemas.microsoft.com/office/powerpoint/2012/main" xmlns="">
+      <p:transition spd="slow"/>
+    </mc:Fallback>
+  </mc:AlternateContent>
+  <p:timing>
+    <p:tnLst>
+      <p:par>
+        <p:cTn id="1" dur="indefinite" restart="never" nodeType="tmRoot">
+          <p:childTnLst>
+            <p:seq>
+              <p:cTn id="2" dur="indefinite" nodeType="mainSeq"/>
+              <p:prevCondLst>
+                <p:cond evt="onPrev" delay="0">
+                  <p:tgtEl>
+                    <p:sldTgt/>
+                  </p:tgtEl>
+                </p:cond>
+              </p:prevCondLst>
+              <p:nextCondLst>
+                <p:cond evt="onNext" delay="0">
+                  <p:tgtEl>
+                    <p:sldTgt/>
+                  </p:tgtEl>
+                </p:cond>
+              </p:nextCondLst>
+            </p:seq>
+          </p:childTnLst>
+        </p:cTn>
+      </p:par>
+    </p:tnLst>
+  </p:timing>
+</p:sld>
+</file>
+
+<file path=ppt/slides/slide18.xml><?xml version="1.0" encoding="utf-8"?>
+<p:sld xmlns:a="http://schemas.openxmlformats.org/drawingml/2006/main" xmlns:r="http://schemas.openxmlformats.org/officeDocument/2006/relationships" xmlns:p="http://schemas.openxmlformats.org/presentationml/2006/main">
+  <p:cSld>
+    <p:spTree>
+      <p:nvGrpSpPr>
+        <p:cNvPr id="1" name=""/>
+        <p:cNvGrpSpPr/>
+        <p:nvPr/>
+      </p:nvGrpSpPr>
+      <p:grpSpPr>
+        <a:xfrm>
+          <a:off x="0" y="0"/>
+          <a:ext cx="0" cy="0"/>
+          <a:chOff x="0" y="0"/>
+          <a:chExt cx="0" cy="0"/>
+        </a:xfrm>
+      </p:grpSpPr>
+      <p:grpSp>
+        <p:nvGrpSpPr>
+          <p:cNvPr id="1287" name="Group 7"/>
+          <p:cNvGrpSpPr/>
+          <p:nvPr/>
+        </p:nvGrpSpPr>
+        <p:grpSpPr>
+          <a:xfrm>
+            <a:off x="838080" y="1843920"/>
+            <a:ext cx="5872320" cy="4096800"/>
+            <a:chOff x="838080" y="1843920"/>
+            <a:chExt cx="5872320" cy="4096800"/>
+          </a:xfrm>
+        </p:grpSpPr>
+        <p:sp>
+          <p:nvSpPr>
+            <p:cNvPr id="1288" name="CustomShape 8"/>
+            <p:cNvSpPr/>
+            <p:nvPr/>
+          </p:nvSpPr>
+          <p:spPr>
+            <a:xfrm>
+              <a:off x="1301040" y="1843920"/>
+              <a:ext cx="4922640" cy="3765240"/>
+            </a:xfrm>
+            <a:prstGeom prst="roundRect">
+              <a:avLst>
+                <a:gd name="adj" fmla="val 4185"/>
+              </a:avLst>
+            </a:prstGeom>
+            <a:gradFill rotWithShape="0">
+              <a:gsLst>
+                <a:gs pos="0">
+                  <a:schemeClr val="tx1">
+                    <a:lumMod val="65000"/>
+                    <a:lumOff val="35000"/>
+                  </a:schemeClr>
+                </a:gs>
+                <a:gs pos="66000">
+                  <a:schemeClr val="bg1"/>
+                </a:gs>
+                <a:gs pos="100000">
+                  <a:schemeClr val="bg1">
+                    <a:lumMod val="85000"/>
+                  </a:schemeClr>
+                </a:gs>
+              </a:gsLst>
+              <a:lin ang="16200000"/>
+            </a:gradFill>
+            <a:ln>
+              <a:noFill/>
+            </a:ln>
+          </p:spPr>
+          <p:style>
+            <a:lnRef idx="2">
+              <a:schemeClr val="accent1">
+                <a:shade val="50000"/>
+              </a:schemeClr>
+            </a:lnRef>
+            <a:fillRef idx="1">
+              <a:schemeClr val="accent1"/>
+            </a:fillRef>
+            <a:effectRef idx="0">
+              <a:schemeClr val="accent1"/>
+            </a:effectRef>
+            <a:fontRef idx="minor"/>
+          </p:style>
+        </p:sp>
+        <p:sp>
+          <p:nvSpPr>
+            <p:cNvPr id="1289" name="CustomShape 9"/>
+            <p:cNvSpPr/>
+            <p:nvPr/>
+          </p:nvSpPr>
+          <p:spPr>
+            <a:xfrm>
+              <a:off x="1325520" y="1867320"/>
+              <a:ext cx="4881600" cy="3562920"/>
+            </a:xfrm>
+            <a:prstGeom prst="roundRect">
+              <a:avLst>
+                <a:gd name="adj" fmla="val 4031"/>
+              </a:avLst>
+            </a:prstGeom>
+            <a:gradFill rotWithShape="0">
+              <a:gsLst>
+                <a:gs pos="0">
+                  <a:schemeClr val="tx1"/>
+                </a:gs>
+                <a:gs pos="100000">
+                  <a:schemeClr val="tx1">
+                    <a:lumMod val="50000"/>
+                    <a:lumOff val="50000"/>
+                  </a:schemeClr>
+                </a:gs>
+              </a:gsLst>
+              <a:lin ang="16200000"/>
+            </a:gradFill>
+            <a:ln>
+              <a:noFill/>
+            </a:ln>
+          </p:spPr>
+          <p:style>
+            <a:lnRef idx="2">
+              <a:schemeClr val="accent1">
+                <a:shade val="50000"/>
+              </a:schemeClr>
+            </a:lnRef>
+            <a:fillRef idx="1">
+              <a:schemeClr val="accent1"/>
+            </a:fillRef>
+            <a:effectRef idx="0">
+              <a:schemeClr val="accent1"/>
+            </a:effectRef>
+            <a:fontRef idx="minor"/>
+          </p:style>
+        </p:sp>
+        <p:sp>
+          <p:nvSpPr>
+            <p:cNvPr id="1290" name="CustomShape 10"/>
+            <p:cNvSpPr/>
+            <p:nvPr/>
+          </p:nvSpPr>
+          <p:spPr>
+            <a:xfrm>
+              <a:off x="1433880" y="1963440"/>
+              <a:ext cx="4655160" cy="3089880"/>
+            </a:xfrm>
+            <a:prstGeom prst="roundRect">
+              <a:avLst>
+                <a:gd name="adj" fmla="val 2787"/>
+              </a:avLst>
+            </a:prstGeom>
+            <a:solidFill>
+              <a:schemeClr val="bg1">
+                <a:lumMod val="95000"/>
+              </a:schemeClr>
+            </a:solidFill>
+            <a:ln>
+              <a:noFill/>
+            </a:ln>
+          </p:spPr>
+          <p:style>
+            <a:lnRef idx="2">
+              <a:schemeClr val="accent1">
+                <a:shade val="50000"/>
+              </a:schemeClr>
+            </a:lnRef>
+            <a:fillRef idx="1">
+              <a:schemeClr val="accent1"/>
+            </a:fillRef>
+            <a:effectRef idx="0">
+              <a:schemeClr val="accent1"/>
+            </a:effectRef>
+            <a:fontRef idx="minor"/>
+          </p:style>
+        </p:sp>
+        <p:grpSp>
+          <p:nvGrpSpPr>
+            <p:cNvPr id="1291" name="Group 11"/>
+            <p:cNvGrpSpPr/>
+            <p:nvPr/>
+          </p:nvGrpSpPr>
+          <p:grpSpPr>
+            <a:xfrm>
+              <a:off x="838080" y="5096160"/>
+              <a:ext cx="5872320" cy="844560"/>
+              <a:chOff x="838080" y="5096160"/>
+              <a:chExt cx="5872320" cy="844560"/>
+            </a:xfrm>
+          </p:grpSpPr>
+          <p:sp>
+            <p:nvSpPr>
+              <p:cNvPr id="1292" name="CustomShape 12"/>
+              <p:cNvSpPr/>
+              <p:nvPr/>
+            </p:nvSpPr>
+            <p:spPr>
+              <a:xfrm>
+                <a:off x="852120" y="5298480"/>
+                <a:ext cx="5846040" cy="538560"/>
+              </a:xfrm>
+              <a:custGeom>
+                <a:avLst/>
+                <a:gdLst/>
+                <a:ahLst/>
+                <a:cxnLst/>
+                <a:rect l="l" t="t" r="r" b="b"/>
+                <a:pathLst>
+                  <a:path w="10038" h="10000">
+                    <a:moveTo>
+                      <a:pt x="15" y="10000"/>
+                    </a:moveTo>
+                    <a:lnTo>
+                      <a:pt x="9929" y="10000"/>
+                    </a:lnTo>
+                    <a:cubicBezTo>
+                      <a:pt x="9965" y="9704"/>
+                      <a:pt x="10002" y="9409"/>
+                      <a:pt x="10038" y="9113"/>
+                    </a:cubicBezTo>
+                    <a:cubicBezTo>
+                      <a:pt x="9765" y="6075"/>
+                      <a:pt x="9493" y="3038"/>
+                      <a:pt x="9220" y="0"/>
+                    </a:cubicBezTo>
+                    <a:lnTo>
+                      <a:pt x="765" y="0"/>
+                    </a:lnTo>
+                    <a:lnTo>
+                      <a:pt x="0" y="9196"/>
+                    </a:lnTo>
+                    <a:lnTo>
+                      <a:pt x="15" y="10000"/>
+                    </a:lnTo>
+                    <a:close/>
+                  </a:path>
+                </a:pathLst>
+              </a:custGeom>
+              <a:gradFill rotWithShape="0">
+                <a:gsLst>
+                  <a:gs pos="0">
+                    <a:schemeClr val="bg1">
+                      <a:lumMod val="50000"/>
+                    </a:schemeClr>
+                  </a:gs>
+                  <a:gs pos="34000">
+                    <a:schemeClr val="bg1">
+                      <a:lumMod val="75000"/>
+                    </a:schemeClr>
+                  </a:gs>
+                  <a:gs pos="70000">
+                    <a:schemeClr val="bg1"/>
+                  </a:gs>
+                  <a:gs pos="100000">
+                    <a:schemeClr val="bg1"/>
+                  </a:gs>
+                </a:gsLst>
+                <a:lin ang="5400000"/>
+              </a:gradFill>
+              <a:ln>
+                <a:noFill/>
+              </a:ln>
+            </p:spPr>
+            <p:style>
+              <a:lnRef idx="0">
+                <a:scrgbClr r="0" g="0" b="0"/>
+              </a:lnRef>
+              <a:fillRef idx="0">
+                <a:scrgbClr r="0" g="0" b="0"/>
+              </a:fillRef>
+              <a:effectRef idx="0">
+                <a:scrgbClr r="0" g="0" b="0"/>
+              </a:effectRef>
+              <a:fontRef idx="minor"/>
+            </p:style>
+          </p:sp>
+          <p:sp>
+            <p:nvSpPr>
+              <p:cNvPr id="1293" name="CustomShape 13"/>
+              <p:cNvSpPr/>
+              <p:nvPr/>
+            </p:nvSpPr>
+            <p:spPr>
+              <a:xfrm>
+                <a:off x="838080" y="5832360"/>
+                <a:ext cx="5872320" cy="108360"/>
+              </a:xfrm>
+              <a:custGeom>
+                <a:avLst/>
+                <a:gdLst/>
+                <a:ahLst/>
+                <a:cxnLst/>
+                <a:rect l="l" t="t" r="r" b="b"/>
+                <a:pathLst>
+                  <a:path w="10000" h="10000">
+                    <a:moveTo>
+                      <a:pt x="0" y="0"/>
+                    </a:moveTo>
+                    <a:lnTo>
+                      <a:pt x="10000" y="492"/>
+                    </a:lnTo>
+                    <a:cubicBezTo>
+                      <a:pt x="9998" y="710"/>
+                      <a:pt x="9996" y="929"/>
+                      <a:pt x="9994" y="1147"/>
+                    </a:cubicBezTo>
+                    <a:cubicBezTo>
+                      <a:pt x="9985" y="1639"/>
+                      <a:pt x="9959" y="2896"/>
+                      <a:pt x="9944" y="3442"/>
+                    </a:cubicBezTo>
+                    <a:cubicBezTo>
+                      <a:pt x="9931" y="3771"/>
+                      <a:pt x="9919" y="4098"/>
+                      <a:pt x="9906" y="4426"/>
+                    </a:cubicBezTo>
+                    <a:cubicBezTo>
+                      <a:pt x="9892" y="4755"/>
+                      <a:pt x="9879" y="5082"/>
+                      <a:pt x="9865" y="5410"/>
+                    </a:cubicBezTo>
+                    <a:cubicBezTo>
+                      <a:pt x="9849" y="5684"/>
+                      <a:pt x="9834" y="5956"/>
+                      <a:pt x="9818" y="6229"/>
+                    </a:cubicBezTo>
+                    <a:cubicBezTo>
+                      <a:pt x="9799" y="6448"/>
+                      <a:pt x="9781" y="6666"/>
+                      <a:pt x="9762" y="6885"/>
+                    </a:cubicBezTo>
+                    <a:cubicBezTo>
+                      <a:pt x="9741" y="7103"/>
+                      <a:pt x="9721" y="7323"/>
+                      <a:pt x="9700" y="7541"/>
+                    </a:cubicBezTo>
+                    <a:lnTo>
+                      <a:pt x="9574" y="8524"/>
+                    </a:lnTo>
+                    <a:cubicBezTo>
+                      <a:pt x="9529" y="8743"/>
+                      <a:pt x="9483" y="8962"/>
+                      <a:pt x="9438" y="9181"/>
+                    </a:cubicBezTo>
+                    <a:lnTo>
+                      <a:pt x="9303" y="9508"/>
+                    </a:lnTo>
+                    <a:lnTo>
+                      <a:pt x="9165" y="10000"/>
+                    </a:lnTo>
+                    <a:lnTo>
+                      <a:pt x="8645" y="10000"/>
+                    </a:lnTo>
+                    <a:lnTo>
+                      <a:pt x="8117" y="10000"/>
+                    </a:lnTo>
+                    <a:lnTo>
+                      <a:pt x="7597" y="10000"/>
+                    </a:lnTo>
+                    <a:lnTo>
+                      <a:pt x="7071" y="10000"/>
+                    </a:lnTo>
+                    <a:lnTo>
+                      <a:pt x="6547" y="10000"/>
+                    </a:lnTo>
+                    <a:lnTo>
+                      <a:pt x="6024" y="10000"/>
+                    </a:lnTo>
+                    <a:lnTo>
+                      <a:pt x="5497" y="10000"/>
+                    </a:lnTo>
+                    <a:lnTo>
+                      <a:pt x="4976" y="10000"/>
+                    </a:lnTo>
+                    <a:lnTo>
+                      <a:pt x="4450" y="10000"/>
+                    </a:lnTo>
+                    <a:lnTo>
+                      <a:pt x="3929" y="10000"/>
+                    </a:lnTo>
+                    <a:lnTo>
+                      <a:pt x="3403" y="10000"/>
+                    </a:lnTo>
+                    <a:lnTo>
+                      <a:pt x="2880" y="10000"/>
+                    </a:lnTo>
+                    <a:lnTo>
+                      <a:pt x="2356" y="10000"/>
+                    </a:lnTo>
+                    <a:lnTo>
+                      <a:pt x="1830" y="10000"/>
+                    </a:lnTo>
+                    <a:lnTo>
+                      <a:pt x="1308" y="10000"/>
+                    </a:lnTo>
+                    <a:lnTo>
+                      <a:pt x="782" y="10000"/>
+                    </a:lnTo>
+                    <a:lnTo>
+                      <a:pt x="650" y="9508"/>
+                    </a:lnTo>
+                    <a:cubicBezTo>
+                      <a:pt x="607" y="9399"/>
+                      <a:pt x="563" y="9290"/>
+                      <a:pt x="520" y="9181"/>
+                    </a:cubicBezTo>
+                    <a:lnTo>
+                      <a:pt x="400" y="8689"/>
+                    </a:lnTo>
+                    <a:cubicBezTo>
+                      <a:pt x="363" y="8361"/>
+                      <a:pt x="325" y="8033"/>
+                      <a:pt x="288" y="7705"/>
+                    </a:cubicBezTo>
+                    <a:cubicBezTo>
+                      <a:pt x="270" y="7487"/>
+                      <a:pt x="253" y="7268"/>
+                      <a:pt x="235" y="7049"/>
+                    </a:cubicBezTo>
+                    <a:cubicBezTo>
+                      <a:pt x="220" y="6831"/>
+                      <a:pt x="206" y="6612"/>
+                      <a:pt x="191" y="6394"/>
+                    </a:cubicBezTo>
+                    <a:cubicBezTo>
+                      <a:pt x="176" y="6121"/>
+                      <a:pt x="162" y="5847"/>
+                      <a:pt x="147" y="5574"/>
+                    </a:cubicBezTo>
+                    <a:cubicBezTo>
+                      <a:pt x="133" y="5300"/>
+                      <a:pt x="120" y="5028"/>
+                      <a:pt x="106" y="4755"/>
+                    </a:cubicBezTo>
+                    <a:cubicBezTo>
+                      <a:pt x="95" y="4426"/>
+                      <a:pt x="85" y="4099"/>
+                      <a:pt x="74" y="3771"/>
+                    </a:cubicBezTo>
+                    <a:cubicBezTo>
+                      <a:pt x="64" y="3389"/>
+                      <a:pt x="54" y="3005"/>
+                      <a:pt x="44" y="2623"/>
+                    </a:cubicBezTo>
+                    <a:cubicBezTo>
+                      <a:pt x="36" y="2241"/>
+                      <a:pt x="29" y="1858"/>
+                      <a:pt x="21" y="1476"/>
+                    </a:cubicBezTo>
+                    <a:lnTo>
+                      <a:pt x="0" y="0"/>
+                    </a:lnTo>
+                    <a:close/>
+                  </a:path>
+                </a:pathLst>
+              </a:custGeom>
+              <a:gradFill rotWithShape="0">
+                <a:gsLst>
+                  <a:gs pos="0">
+                    <a:schemeClr val="bg1">
+                      <a:lumMod val="65000"/>
+                      <a:shade val="30000"/>
+                      <a:satMod val="115000"/>
+                    </a:schemeClr>
+                  </a:gs>
+                  <a:gs pos="27000">
+                    <a:schemeClr val="bg1">
+                      <a:lumMod val="75000"/>
+                    </a:schemeClr>
+                  </a:gs>
+                  <a:gs pos="48758">
+                    <a:schemeClr val="tx1">
+                      <a:lumMod val="50000"/>
+                      <a:lumOff val="50000"/>
+                    </a:schemeClr>
+                  </a:gs>
+                  <a:gs pos="73000">
+                    <a:schemeClr val="bg1">
+                      <a:lumMod val="75000"/>
+                    </a:schemeClr>
+                  </a:gs>
+                  <a:gs pos="100000">
+                    <a:schemeClr val="bg1">
+                      <a:lumMod val="50000"/>
+                    </a:schemeClr>
+                  </a:gs>
+                </a:gsLst>
+                <a:lin ang="0"/>
+              </a:gradFill>
+              <a:ln>
+                <a:noFill/>
+              </a:ln>
+            </p:spPr>
+            <p:style>
+              <a:lnRef idx="0">
+                <a:scrgbClr r="0" g="0" b="0"/>
+              </a:lnRef>
+              <a:fillRef idx="0">
+                <a:scrgbClr r="0" g="0" b="0"/>
+              </a:fillRef>
+              <a:effectRef idx="0">
+                <a:scrgbClr r="0" g="0" b="0"/>
+              </a:effectRef>
+              <a:fontRef idx="minor"/>
+            </p:style>
+          </p:sp>
+          <p:sp>
+            <p:nvSpPr>
+              <p:cNvPr id="1294" name="CustomShape 14"/>
+              <p:cNvSpPr/>
+              <p:nvPr/>
+            </p:nvSpPr>
+            <p:spPr>
+              <a:xfrm>
+                <a:off x="3658320" y="5096160"/>
+                <a:ext cx="165960" cy="165960"/>
+              </a:xfrm>
+              <a:custGeom>
+                <a:avLst/>
+                <a:gdLst/>
+                <a:ahLst/>
+                <a:cxnLst/>
+                <a:rect l="l" t="t" r="r" b="b"/>
+                <a:pathLst>
+                  <a:path w="109" h="109">
+                    <a:moveTo>
+                      <a:pt x="54" y="0"/>
+                    </a:moveTo>
+                    <a:lnTo>
+                      <a:pt x="66" y="1"/>
+                    </a:lnTo>
+                    <a:lnTo>
+                      <a:pt x="75" y="5"/>
+                    </a:lnTo>
+                    <a:lnTo>
+                      <a:pt x="84" y="9"/>
+                    </a:lnTo>
+                    <a:lnTo>
+                      <a:pt x="93" y="16"/>
+                    </a:lnTo>
+                    <a:lnTo>
+                      <a:pt x="100" y="24"/>
+                    </a:lnTo>
+                    <a:lnTo>
+                      <a:pt x="105" y="34"/>
+                    </a:lnTo>
+                    <a:lnTo>
+                      <a:pt x="108" y="44"/>
+                    </a:lnTo>
+                    <a:lnTo>
+                      <a:pt x="109" y="55"/>
+                    </a:lnTo>
+                    <a:lnTo>
+                      <a:pt x="108" y="66"/>
+                    </a:lnTo>
+                    <a:lnTo>
+                      <a:pt x="105" y="77"/>
+                    </a:lnTo>
+                    <a:lnTo>
+                      <a:pt x="100" y="86"/>
+                    </a:lnTo>
+                    <a:lnTo>
+                      <a:pt x="93" y="94"/>
+                    </a:lnTo>
+                    <a:lnTo>
+                      <a:pt x="84" y="100"/>
+                    </a:lnTo>
+                    <a:lnTo>
+                      <a:pt x="75" y="106"/>
+                    </a:lnTo>
+                    <a:lnTo>
+                      <a:pt x="66" y="109"/>
+                    </a:lnTo>
+                    <a:lnTo>
+                      <a:pt x="54" y="109"/>
+                    </a:lnTo>
+                    <a:lnTo>
+                      <a:pt x="43" y="109"/>
+                    </a:lnTo>
+                    <a:lnTo>
+                      <a:pt x="33" y="106"/>
+                    </a:lnTo>
+                    <a:lnTo>
+                      <a:pt x="24" y="100"/>
+                    </a:lnTo>
+                    <a:lnTo>
+                      <a:pt x="16" y="94"/>
+                    </a:lnTo>
+                    <a:lnTo>
+                      <a:pt x="9" y="86"/>
+                    </a:lnTo>
+                    <a:lnTo>
+                      <a:pt x="3" y="77"/>
+                    </a:lnTo>
+                    <a:lnTo>
+                      <a:pt x="1" y="66"/>
+                    </a:lnTo>
+                    <a:lnTo>
+                      <a:pt x="0" y="55"/>
+                    </a:lnTo>
+                    <a:lnTo>
+                      <a:pt x="1" y="44"/>
+                    </a:lnTo>
+                    <a:lnTo>
+                      <a:pt x="3" y="34"/>
+                    </a:lnTo>
+                    <a:lnTo>
+                      <a:pt x="9" y="24"/>
+                    </a:lnTo>
+                    <a:lnTo>
+                      <a:pt x="16" y="16"/>
+                    </a:lnTo>
+                    <a:lnTo>
+                      <a:pt x="24" y="9"/>
+                    </a:lnTo>
+                    <a:lnTo>
+                      <a:pt x="33" y="5"/>
+                    </a:lnTo>
+                    <a:lnTo>
+                      <a:pt x="43" y="1"/>
+                    </a:lnTo>
+                    <a:lnTo>
+                      <a:pt x="54" y="0"/>
+                    </a:lnTo>
+                    <a:close/>
+                  </a:path>
+                </a:pathLst>
+              </a:custGeom>
+              <a:gradFill rotWithShape="0">
+                <a:gsLst>
+                  <a:gs pos="11000">
+                    <a:srgbClr val="003366"/>
+                  </a:gs>
+                  <a:gs pos="55000">
+                    <a:srgbClr val="3FADFF"/>
+                  </a:gs>
+                  <a:gs pos="92000">
+                    <a:srgbClr val="003366"/>
+                  </a:gs>
+                </a:gsLst>
+                <a:lin ang="16200000"/>
+              </a:gradFill>
+              <a:ln>
+                <a:noFill/>
+              </a:ln>
+            </p:spPr>
+            <p:style>
+              <a:lnRef idx="0">
+                <a:scrgbClr r="0" g="0" b="0"/>
+              </a:lnRef>
+              <a:fillRef idx="0">
+                <a:scrgbClr r="0" g="0" b="0"/>
+              </a:fillRef>
+              <a:effectRef idx="0">
+                <a:scrgbClr r="0" g="0" b="0"/>
+              </a:effectRef>
+              <a:fontRef idx="minor"/>
+            </p:style>
+          </p:sp>
+          <p:sp>
+            <p:nvSpPr>
+              <p:cNvPr id="1295" name="CustomShape 15"/>
+              <p:cNvSpPr/>
+              <p:nvPr/>
+            </p:nvSpPr>
+            <p:spPr>
+              <a:xfrm>
+                <a:off x="3686040" y="5123880"/>
+                <a:ext cx="110520" cy="110520"/>
+              </a:xfrm>
+              <a:custGeom>
+                <a:avLst/>
+                <a:gdLst/>
+                <a:ahLst/>
+                <a:cxnLst/>
+                <a:rect l="l" t="t" r="r" b="b"/>
+                <a:pathLst>
+                  <a:path w="91" h="91">
+                    <a:moveTo>
+                      <a:pt x="45" y="0"/>
+                    </a:moveTo>
+                    <a:lnTo>
+                      <a:pt x="55" y="2"/>
+                    </a:lnTo>
+                    <a:lnTo>
+                      <a:pt x="63" y="4"/>
+                    </a:lnTo>
+                    <a:lnTo>
+                      <a:pt x="71" y="8"/>
+                    </a:lnTo>
+                    <a:lnTo>
+                      <a:pt x="78" y="14"/>
+                    </a:lnTo>
+                    <a:lnTo>
+                      <a:pt x="82" y="20"/>
+                    </a:lnTo>
+                    <a:lnTo>
+                      <a:pt x="87" y="28"/>
+                    </a:lnTo>
+                    <a:lnTo>
+                      <a:pt x="89" y="36"/>
+                    </a:lnTo>
+                    <a:lnTo>
+                      <a:pt x="91" y="46"/>
+                    </a:lnTo>
+                    <a:lnTo>
+                      <a:pt x="89" y="55"/>
+                    </a:lnTo>
+                    <a:lnTo>
+                      <a:pt x="87" y="63"/>
+                    </a:lnTo>
+                    <a:lnTo>
+                      <a:pt x="82" y="71"/>
+                    </a:lnTo>
+                    <a:lnTo>
+                      <a:pt x="78" y="78"/>
+                    </a:lnTo>
+                    <a:lnTo>
+                      <a:pt x="71" y="84"/>
+                    </a:lnTo>
+                    <a:lnTo>
+                      <a:pt x="63" y="87"/>
+                    </a:lnTo>
+                    <a:lnTo>
+                      <a:pt x="55" y="90"/>
+                    </a:lnTo>
+                    <a:lnTo>
+                      <a:pt x="45" y="91"/>
+                    </a:lnTo>
+                    <a:lnTo>
+                      <a:pt x="36" y="90"/>
+                    </a:lnTo>
+                    <a:lnTo>
+                      <a:pt x="28" y="87"/>
+                    </a:lnTo>
+                    <a:lnTo>
+                      <a:pt x="20" y="84"/>
+                    </a:lnTo>
+                    <a:lnTo>
+                      <a:pt x="13" y="78"/>
+                    </a:lnTo>
+                    <a:lnTo>
+                      <a:pt x="8" y="71"/>
+                    </a:lnTo>
+                    <a:lnTo>
+                      <a:pt x="4" y="63"/>
+                    </a:lnTo>
+                    <a:lnTo>
+                      <a:pt x="1" y="55"/>
+                    </a:lnTo>
+                    <a:lnTo>
+                      <a:pt x="0" y="46"/>
+                    </a:lnTo>
+                    <a:lnTo>
+                      <a:pt x="1" y="36"/>
+                    </a:lnTo>
+                    <a:lnTo>
+                      <a:pt x="4" y="28"/>
+                    </a:lnTo>
+                    <a:lnTo>
+                      <a:pt x="8" y="20"/>
+                    </a:lnTo>
+                    <a:lnTo>
+                      <a:pt x="13" y="14"/>
+                    </a:lnTo>
+                    <a:lnTo>
+                      <a:pt x="20" y="8"/>
+                    </a:lnTo>
+                    <a:lnTo>
+                      <a:pt x="28" y="4"/>
+                    </a:lnTo>
+                    <a:lnTo>
+                      <a:pt x="36" y="2"/>
+                    </a:lnTo>
+                    <a:lnTo>
+                      <a:pt x="45" y="0"/>
+                    </a:lnTo>
+                    <a:close/>
+                  </a:path>
+                </a:pathLst>
+              </a:custGeom>
+              <a:solidFill>
+                <a:schemeClr val="tx1"/>
+              </a:solidFill>
+              <a:ln>
+                <a:noFill/>
+              </a:ln>
+            </p:spPr>
+            <p:style>
+              <a:lnRef idx="0">
+                <a:scrgbClr r="0" g="0" b="0"/>
+              </a:lnRef>
+              <a:fillRef idx="0">
+                <a:scrgbClr r="0" g="0" b="0"/>
+              </a:fillRef>
+              <a:effectRef idx="0">
+                <a:scrgbClr r="0" g="0" b="0"/>
+              </a:effectRef>
+              <a:fontRef idx="minor"/>
+            </p:style>
+          </p:sp>
+          <p:sp>
+            <p:nvSpPr>
+              <p:cNvPr id="1296" name="CustomShape 16"/>
+              <p:cNvSpPr/>
+              <p:nvPr/>
+            </p:nvSpPr>
+            <p:spPr>
+              <a:xfrm>
+                <a:off x="2441160" y="5222520"/>
+                <a:ext cx="504000" cy="82440"/>
+              </a:xfrm>
+              <a:prstGeom prst="rect">
+                <a:avLst/>
+              </a:prstGeom>
+              <a:gradFill rotWithShape="0">
+                <a:gsLst>
+                  <a:gs pos="0">
+                    <a:schemeClr val="bg1">
+                      <a:lumMod val="65000"/>
+                    </a:schemeClr>
+                  </a:gs>
+                  <a:gs pos="55000">
+                    <a:schemeClr val="bg1">
+                      <a:lumMod val="85000"/>
+                    </a:schemeClr>
+                  </a:gs>
+                  <a:gs pos="100000">
+                    <a:schemeClr val="bg1">
+                      <a:lumMod val="65000"/>
+                    </a:schemeClr>
+                  </a:gs>
+                </a:gsLst>
+                <a:lin ang="0"/>
+              </a:gradFill>
+              <a:ln>
+                <a:noFill/>
+              </a:ln>
+            </p:spPr>
+            <p:style>
+              <a:lnRef idx="0">
+                <a:scrgbClr r="0" g="0" b="0"/>
+              </a:lnRef>
+              <a:fillRef idx="0">
+                <a:scrgbClr r="0" g="0" b="0"/>
+              </a:fillRef>
+              <a:effectRef idx="0">
+                <a:scrgbClr r="0" g="0" b="0"/>
+              </a:effectRef>
+              <a:fontRef idx="minor"/>
+            </p:style>
+          </p:sp>
+          <p:sp>
+            <p:nvSpPr>
+              <p:cNvPr id="1297" name="CustomShape 17"/>
+              <p:cNvSpPr/>
+              <p:nvPr/>
+            </p:nvSpPr>
+            <p:spPr>
+              <a:xfrm>
+                <a:off x="4590000" y="5222520"/>
+                <a:ext cx="497160" cy="82440"/>
+              </a:xfrm>
+              <a:prstGeom prst="rect">
+                <a:avLst/>
+              </a:prstGeom>
+              <a:gradFill rotWithShape="0">
+                <a:gsLst>
+                  <a:gs pos="0">
+                    <a:schemeClr val="bg1">
+                      <a:lumMod val="65000"/>
+                    </a:schemeClr>
+                  </a:gs>
+                  <a:gs pos="55000">
+                    <a:schemeClr val="bg1">
+                      <a:lumMod val="85000"/>
+                    </a:schemeClr>
+                  </a:gs>
+                  <a:gs pos="100000">
+                    <a:schemeClr val="bg1">
+                      <a:lumMod val="65000"/>
+                    </a:schemeClr>
+                  </a:gs>
+                </a:gsLst>
+                <a:lin ang="0"/>
+              </a:gradFill>
+              <a:ln>
+                <a:noFill/>
+              </a:ln>
+            </p:spPr>
+            <p:style>
+              <a:lnRef idx="0">
+                <a:scrgbClr r="0" g="0" b="0"/>
+              </a:lnRef>
+              <a:fillRef idx="0">
+                <a:scrgbClr r="0" g="0" b="0"/>
+              </a:fillRef>
+              <a:effectRef idx="0">
+                <a:scrgbClr r="0" g="0" b="0"/>
+              </a:effectRef>
+              <a:fontRef idx="minor"/>
+            </p:style>
+          </p:sp>
+          <p:sp>
+            <p:nvSpPr>
+              <p:cNvPr id="1298" name="CustomShape 18"/>
+              <p:cNvSpPr/>
+              <p:nvPr/>
+            </p:nvSpPr>
+            <p:spPr>
+              <a:xfrm>
+                <a:off x="1397880" y="5388480"/>
+                <a:ext cx="4794480" cy="220680"/>
+              </a:xfrm>
+              <a:custGeom>
+                <a:avLst/>
+                <a:gdLst/>
+                <a:ahLst/>
+                <a:cxnLst/>
+                <a:rect l="l" t="t" r="r" b="b"/>
+                <a:pathLst>
+                  <a:path w="2778" h="128">
+                    <a:moveTo>
+                      <a:pt x="109" y="0"/>
+                    </a:moveTo>
+                    <a:lnTo>
+                      <a:pt x="2644" y="0"/>
+                    </a:lnTo>
+                    <a:lnTo>
+                      <a:pt x="2778" y="128"/>
+                    </a:lnTo>
+                    <a:lnTo>
+                      <a:pt x="0" y="128"/>
+                    </a:lnTo>
+                    <a:lnTo>
+                      <a:pt x="109" y="0"/>
+                    </a:lnTo>
+                    <a:close/>
+                  </a:path>
+                </a:pathLst>
+              </a:custGeom>
+              <a:gradFill rotWithShape="0">
+                <a:gsLst>
+                  <a:gs pos="0">
+                    <a:schemeClr val="tx1">
+                      <a:lumMod val="85000"/>
+                      <a:lumOff val="15000"/>
+                    </a:schemeClr>
+                  </a:gs>
+                  <a:gs pos="100000">
+                    <a:schemeClr val="tx1">
+                      <a:lumMod val="65000"/>
+                      <a:lumOff val="35000"/>
+                    </a:schemeClr>
+                  </a:gs>
+                </a:gsLst>
+                <a:lin ang="5400000"/>
+              </a:gradFill>
+              <a:ln>
+                <a:noFill/>
+              </a:ln>
+            </p:spPr>
+            <p:style>
+              <a:lnRef idx="0">
+                <a:scrgbClr r="0" g="0" b="0"/>
+              </a:lnRef>
+              <a:fillRef idx="0">
+                <a:scrgbClr r="0" g="0" b="0"/>
+              </a:fillRef>
+              <a:effectRef idx="0">
+                <a:scrgbClr r="0" g="0" b="0"/>
+              </a:effectRef>
+              <a:fontRef idx="minor"/>
+            </p:style>
+          </p:sp>
+          <p:sp>
+            <p:nvSpPr>
+              <p:cNvPr id="1299" name="CustomShape 19"/>
+              <p:cNvSpPr/>
+              <p:nvPr/>
+            </p:nvSpPr>
+            <p:spPr>
+              <a:xfrm>
+                <a:off x="838080" y="5775120"/>
+                <a:ext cx="5872320" cy="96480"/>
+              </a:xfrm>
+              <a:custGeom>
+                <a:avLst/>
+                <a:gdLst/>
+                <a:ahLst/>
+                <a:cxnLst/>
+                <a:rect l="l" t="t" r="r" b="b"/>
+                <a:pathLst>
+                  <a:path w="3402" h="58">
+                    <a:moveTo>
+                      <a:pt x="28" y="0"/>
+                    </a:moveTo>
+                    <a:lnTo>
+                      <a:pt x="3374" y="0"/>
+                    </a:lnTo>
+                    <a:lnTo>
+                      <a:pt x="3380" y="1"/>
+                    </a:lnTo>
+                    <a:lnTo>
+                      <a:pt x="3385" y="2"/>
+                    </a:lnTo>
+                    <a:lnTo>
+                      <a:pt x="3391" y="5"/>
+                    </a:lnTo>
+                    <a:lnTo>
+                      <a:pt x="3394" y="9"/>
+                    </a:lnTo>
+                    <a:lnTo>
+                      <a:pt x="3398" y="12"/>
+                    </a:lnTo>
+                    <a:lnTo>
+                      <a:pt x="3401" y="17"/>
+                    </a:lnTo>
+                    <a:lnTo>
+                      <a:pt x="3402" y="23"/>
+                    </a:lnTo>
+                    <a:lnTo>
+                      <a:pt x="3402" y="29"/>
+                    </a:lnTo>
+                    <a:lnTo>
+                      <a:pt x="3402" y="29"/>
+                    </a:lnTo>
+                    <a:lnTo>
+                      <a:pt x="3402" y="34"/>
+                    </a:lnTo>
+                    <a:lnTo>
+                      <a:pt x="3401" y="40"/>
+                    </a:lnTo>
+                    <a:lnTo>
+                      <a:pt x="3398" y="45"/>
+                    </a:lnTo>
+                    <a:lnTo>
+                      <a:pt x="3394" y="48"/>
+                    </a:lnTo>
+                    <a:lnTo>
+                      <a:pt x="3391" y="52"/>
+                    </a:lnTo>
+                    <a:lnTo>
+                      <a:pt x="3385" y="55"/>
+                    </a:lnTo>
+                    <a:lnTo>
+                      <a:pt x="3380" y="56"/>
+                    </a:lnTo>
+                    <a:lnTo>
+                      <a:pt x="3374" y="58"/>
+                    </a:lnTo>
+                    <a:lnTo>
+                      <a:pt x="28" y="58"/>
+                    </a:lnTo>
+                    <a:lnTo>
+                      <a:pt x="22" y="56"/>
+                    </a:lnTo>
+                    <a:lnTo>
+                      <a:pt x="17" y="55"/>
+                    </a:lnTo>
+                    <a:lnTo>
+                      <a:pt x="13" y="52"/>
+                    </a:lnTo>
+                    <a:lnTo>
+                      <a:pt x="8" y="48"/>
+                    </a:lnTo>
+                    <a:lnTo>
+                      <a:pt x="5" y="45"/>
+                    </a:lnTo>
+                    <a:lnTo>
+                      <a:pt x="2" y="40"/>
+                    </a:lnTo>
+                    <a:lnTo>
+                      <a:pt x="0" y="34"/>
+                    </a:lnTo>
+                    <a:lnTo>
+                      <a:pt x="0" y="29"/>
+                    </a:lnTo>
+                    <a:lnTo>
+                      <a:pt x="0" y="29"/>
+                    </a:lnTo>
+                    <a:lnTo>
+                      <a:pt x="0" y="23"/>
+                    </a:lnTo>
+                    <a:lnTo>
+                      <a:pt x="2" y="17"/>
+                    </a:lnTo>
+                    <a:lnTo>
+                      <a:pt x="5" y="12"/>
+                    </a:lnTo>
+                    <a:lnTo>
+                      <a:pt x="8" y="9"/>
+                    </a:lnTo>
+                    <a:lnTo>
+                      <a:pt x="13" y="5"/>
+                    </a:lnTo>
+                    <a:lnTo>
+                      <a:pt x="17" y="2"/>
+                    </a:lnTo>
+                    <a:lnTo>
+                      <a:pt x="22" y="1"/>
+                    </a:lnTo>
+                    <a:lnTo>
+                      <a:pt x="28" y="0"/>
+                    </a:lnTo>
+                    <a:close/>
+                  </a:path>
+                </a:pathLst>
+              </a:custGeom>
+              <a:solidFill>
+                <a:schemeClr val="bg1"/>
+              </a:solidFill>
+              <a:ln>
+                <a:noFill/>
+              </a:ln>
+            </p:spPr>
+            <p:style>
+              <a:lnRef idx="0">
+                <a:scrgbClr r="0" g="0" b="0"/>
+              </a:lnRef>
+              <a:fillRef idx="0">
+                <a:scrgbClr r="0" g="0" b="0"/>
+              </a:fillRef>
+              <a:effectRef idx="0">
+                <a:scrgbClr r="0" g="0" b="0"/>
+              </a:effectRef>
+              <a:fontRef idx="minor"/>
+            </p:style>
+          </p:sp>
+          <p:sp>
+            <p:nvSpPr>
+              <p:cNvPr id="1300" name="CustomShape 20"/>
+              <p:cNvSpPr/>
+              <p:nvPr/>
+            </p:nvSpPr>
+            <p:spPr>
+              <a:xfrm>
+                <a:off x="3145680" y="5647320"/>
+                <a:ext cx="1257120" cy="192960"/>
+              </a:xfrm>
+              <a:custGeom>
+                <a:avLst/>
+                <a:gdLst/>
+                <a:ahLst/>
+                <a:cxnLst/>
+                <a:rect l="l" t="t" r="r" b="b"/>
+                <a:pathLst>
+                  <a:path w="731" h="69">
+                    <a:moveTo>
+                      <a:pt x="9" y="0"/>
+                    </a:moveTo>
+                    <a:lnTo>
+                      <a:pt x="717" y="0"/>
+                    </a:lnTo>
+                    <a:lnTo>
+                      <a:pt x="731" y="69"/>
+                    </a:lnTo>
+                    <a:lnTo>
+                      <a:pt x="0" y="67"/>
+                    </a:lnTo>
+                    <a:lnTo>
+                      <a:pt x="9" y="0"/>
+                    </a:lnTo>
+                    <a:close/>
+                  </a:path>
+                </a:pathLst>
+              </a:custGeom>
+              <a:solidFill>
+                <a:schemeClr val="bg1">
+                  <a:lumMod val="75000"/>
+                </a:schemeClr>
+              </a:solidFill>
+              <a:ln>
+                <a:noFill/>
+              </a:ln>
+            </p:spPr>
+            <p:style>
+              <a:lnRef idx="0">
+                <a:scrgbClr r="0" g="0" b="0"/>
+              </a:lnRef>
+              <a:fillRef idx="0">
+                <a:scrgbClr r="0" g="0" b="0"/>
+              </a:fillRef>
+              <a:effectRef idx="0">
+                <a:scrgbClr r="0" g="0" b="0"/>
+              </a:effectRef>
+              <a:fontRef idx="minor"/>
+            </p:style>
+          </p:sp>
+        </p:grpSp>
+        <p:sp>
+          <p:nvSpPr>
+            <p:cNvPr id="1301" name="CustomShape 21"/>
+            <p:cNvSpPr/>
+            <p:nvPr/>
+          </p:nvSpPr>
+          <p:spPr>
+            <a:xfrm>
+              <a:off x="3863520" y="1843920"/>
+              <a:ext cx="2344320" cy="2886840"/>
+            </a:xfrm>
+            <a:custGeom>
+              <a:avLst/>
+              <a:gdLst/>
+              <a:ahLst/>
+              <a:cxnLst/>
+              <a:rect l="l" t="t" r="r" b="b"/>
+              <a:pathLst>
+                <a:path w="1997203" h="2758884">
+                  <a:moveTo>
+                    <a:pt x="1147198" y="1170"/>
+                  </a:moveTo>
+                  <a:lnTo>
+                    <a:pt x="1836097" y="1170"/>
+                  </a:lnTo>
+                  <a:cubicBezTo>
+                    <a:pt x="1935898" y="-10973"/>
+                    <a:pt x="1997203" y="73300"/>
+                    <a:pt x="1997203" y="162276"/>
+                  </a:cubicBezTo>
+                  <a:lnTo>
+                    <a:pt x="1997203" y="2758884"/>
+                  </a:lnTo>
+                  <a:lnTo>
+                    <a:pt x="1997203" y="2758884"/>
+                  </a:lnTo>
+                  <a:lnTo>
+                    <a:pt x="0" y="2733484"/>
+                  </a:lnTo>
+                  <a:lnTo>
+                    <a:pt x="1147198" y="1170"/>
+                  </a:lnTo>
+                  <a:close/>
+                </a:path>
+              </a:pathLst>
+            </a:custGeom>
+            <a:gradFill rotWithShape="0">
+              <a:gsLst>
+                <a:gs pos="21000">
+                  <a:schemeClr val="bg1">
+                    <a:alpha val="1000"/>
+                  </a:schemeClr>
+                </a:gs>
+                <a:gs pos="100000">
+                  <a:schemeClr val="bg1">
+                    <a:alpha val="30000"/>
+                  </a:schemeClr>
+                </a:gs>
+              </a:gsLst>
+              <a:lin ang="16200000"/>
+            </a:gradFill>
+            <a:ln>
+              <a:noFill/>
+            </a:ln>
+          </p:spPr>
+          <p:style>
+            <a:lnRef idx="2">
+              <a:schemeClr val="accent1">
+                <a:shade val="50000"/>
+              </a:schemeClr>
+            </a:lnRef>
+            <a:fillRef idx="1">
+              <a:schemeClr val="accent1"/>
+            </a:fillRef>
+            <a:effectRef idx="0">
+              <a:schemeClr val="accent1"/>
+            </a:effectRef>
+            <a:fontRef idx="minor"/>
+          </p:style>
+        </p:sp>
+      </p:grpSp>
+      <p:sp>
+        <p:nvSpPr>
+          <p:cNvPr id="1320" name="CustomShape 40"/>
+          <p:cNvSpPr/>
+          <p:nvPr/>
+        </p:nvSpPr>
+        <p:spPr>
+          <a:xfrm>
+            <a:off x="6477480" y="2943720"/>
+            <a:ext cx="4831200" cy="153888"/>
+          </a:xfrm>
+          <a:prstGeom prst="rect">
+            <a:avLst/>
+          </a:prstGeom>
+          <a:noFill/>
+          <a:ln w="6480">
+            <a:noFill/>
+          </a:ln>
+        </p:spPr>
+        <p:style>
+          <a:lnRef idx="0">
+            <a:scrgbClr r="0" g="0" b="0"/>
+          </a:lnRef>
+          <a:fillRef idx="0">
+            <a:scrgbClr r="0" g="0" b="0"/>
+          </a:fillRef>
+          <a:effectRef idx="0">
+            <a:scrgbClr r="0" g="0" b="0"/>
+          </a:effectRef>
+          <a:fontRef idx="minor"/>
+        </p:style>
+        <p:txBody>
+          <a:bodyPr lIns="0" tIns="0" rIns="0" bIns="0">
+            <a:spAutoFit/>
+          </a:bodyPr>
+          <a:lstStyle/>
+          <a:p>
+            <a:pPr>
+              <a:lnSpc>
+                <a:spcPct val="100000"/>
+              </a:lnSpc>
+            </a:pPr>
+            <a:r>
+              <a:rPr lang="en-GB" sz="1000" b="0" strike="noStrike" spc="-1" dirty="0" smtClean="0">
+                <a:solidFill>
+                  <a:srgbClr val="000000"/>
+                </a:solidFill>
+                <a:latin typeface="Calibri Light"/>
+              </a:rPr>
+              <a:t>.</a:t>
+            </a:r>
+            <a:endParaRPr lang="en-GB" sz="1000" b="0" strike="noStrike" spc="-1" dirty="0">
+              <a:latin typeface="Arial"/>
+            </a:endParaRPr>
+          </a:p>
+        </p:txBody>
+      </p:sp>
+      <p:sp>
+        <p:nvSpPr>
+          <p:cNvPr id="112" name="CustomShape 2"/>
+          <p:cNvSpPr/>
+          <p:nvPr/>
+        </p:nvSpPr>
+        <p:spPr>
+          <a:xfrm>
+            <a:off x="0" y="6775560"/>
+            <a:ext cx="2659680" cy="82080"/>
+          </a:xfrm>
+          <a:prstGeom prst="rect">
+            <a:avLst/>
+          </a:prstGeom>
+          <a:solidFill>
+            <a:srgbClr val="FFBE00"/>
+          </a:solidFill>
+          <a:ln>
+            <a:noFill/>
+          </a:ln>
+        </p:spPr>
+        <p:style>
+          <a:lnRef idx="2">
+            <a:schemeClr val="accent1">
+              <a:shade val="50000"/>
+            </a:schemeClr>
+          </a:lnRef>
+          <a:fillRef idx="1">
+            <a:schemeClr val="accent1"/>
+          </a:fillRef>
+          <a:effectRef idx="0">
+            <a:schemeClr val="accent1"/>
+          </a:effectRef>
+          <a:fontRef idx="minor"/>
+        </p:style>
+      </p:sp>
+      <p:sp>
+        <p:nvSpPr>
+          <p:cNvPr id="113" name="CustomShape 3"/>
+          <p:cNvSpPr/>
+          <p:nvPr/>
+        </p:nvSpPr>
+        <p:spPr>
+          <a:xfrm>
+            <a:off x="2802060" y="6762119"/>
+            <a:ext cx="6587640" cy="108360"/>
+          </a:xfrm>
+          <a:prstGeom prst="rect">
+            <a:avLst/>
+          </a:prstGeom>
+          <a:solidFill>
+            <a:srgbClr val="1C819E"/>
+          </a:solidFill>
+          <a:ln>
+            <a:noFill/>
+          </a:ln>
+        </p:spPr>
+        <p:style>
+          <a:lnRef idx="2">
+            <a:schemeClr val="accent1">
+              <a:shade val="50000"/>
+            </a:schemeClr>
+          </a:lnRef>
+          <a:fillRef idx="1">
+            <a:schemeClr val="accent1"/>
+          </a:fillRef>
+          <a:effectRef idx="0">
+            <a:schemeClr val="accent1"/>
+          </a:effectRef>
+          <a:fontRef idx="minor"/>
+        </p:style>
+      </p:sp>
+      <p:sp>
+        <p:nvSpPr>
+          <p:cNvPr id="114" name="CustomShape 4"/>
+          <p:cNvSpPr/>
+          <p:nvPr/>
+        </p:nvSpPr>
+        <p:spPr>
+          <a:xfrm>
+            <a:off x="9532080" y="6775560"/>
+            <a:ext cx="2659680" cy="82080"/>
+          </a:xfrm>
+          <a:prstGeom prst="rect">
+            <a:avLst/>
+          </a:prstGeom>
+          <a:solidFill>
+            <a:srgbClr val="FFBE00"/>
+          </a:solidFill>
+          <a:ln>
+            <a:noFill/>
+          </a:ln>
+        </p:spPr>
+        <p:style>
+          <a:lnRef idx="2">
+            <a:schemeClr val="accent1">
+              <a:shade val="50000"/>
+            </a:schemeClr>
+          </a:lnRef>
+          <a:fillRef idx="1">
+            <a:schemeClr val="accent1"/>
+          </a:fillRef>
+          <a:effectRef idx="0">
+            <a:schemeClr val="accent1"/>
+          </a:effectRef>
+          <a:fontRef idx="minor"/>
+        </p:style>
+      </p:sp>
+      <p:sp>
+        <p:nvSpPr>
+          <p:cNvPr id="115" name="TextShape 58"/>
+          <p:cNvSpPr txBox="1"/>
+          <p:nvPr/>
+        </p:nvSpPr>
+        <p:spPr>
+          <a:xfrm>
+            <a:off x="838080" y="6356520"/>
+            <a:ext cx="2742840" cy="364680"/>
+          </a:xfrm>
+          <a:prstGeom prst="rect">
+            <a:avLst/>
+          </a:prstGeom>
+          <a:noFill/>
+          <a:ln>
+            <a:noFill/>
+          </a:ln>
+        </p:spPr>
+        <p:txBody>
+          <a:bodyPr anchor="ctr">
+            <a:noAutofit/>
+          </a:bodyPr>
+          <a:lstStyle/>
+          <a:p>
+            <a:pPr>
+              <a:lnSpc>
+                <a:spcPct val="100000"/>
+              </a:lnSpc>
+            </a:pPr>
+            <a:fld id="{DFF7870E-DFBF-4CB7-A3F6-DA1E038144F0}" type="datetime1">
+              <a:rPr lang="en-GB" sz="1200" b="0" strike="noStrike" spc="-1">
+                <a:solidFill>
+                  <a:srgbClr val="8B8B8B"/>
+                </a:solidFill>
+                <a:latin typeface="Segoe UI"/>
+              </a:rPr>
+              <a:t>29/04/2019</a:t>
+            </a:fld>
+            <a:endParaRPr lang="en-GB" sz="1200" b="0" strike="noStrike" spc="-1">
+              <a:latin typeface="Times New Roman"/>
+            </a:endParaRPr>
+          </a:p>
+        </p:txBody>
+      </p:sp>
+      <p:sp>
+        <p:nvSpPr>
+          <p:cNvPr id="116" name="TextShape 59"/>
+          <p:cNvSpPr txBox="1"/>
+          <p:nvPr/>
+        </p:nvSpPr>
+        <p:spPr>
+          <a:xfrm>
+            <a:off x="8610480" y="6356520"/>
+            <a:ext cx="2742840" cy="364680"/>
+          </a:xfrm>
+          <a:prstGeom prst="rect">
+            <a:avLst/>
+          </a:prstGeom>
+          <a:noFill/>
+          <a:ln>
+            <a:noFill/>
+          </a:ln>
+        </p:spPr>
+        <p:txBody>
+          <a:bodyPr anchor="ctr">
+            <a:noAutofit/>
+          </a:bodyPr>
+          <a:lstStyle/>
+          <a:p>
+            <a:pPr algn="r">
+              <a:lnSpc>
+                <a:spcPct val="100000"/>
+              </a:lnSpc>
+            </a:pPr>
+            <a:fld id="{C6C43D75-D78C-4E45-AD84-28E61FB19D78}" type="slidenum">
+              <a:rPr lang="en-GB" sz="1200" b="0" strike="noStrike" spc="-1">
+                <a:solidFill>
+                  <a:srgbClr val="8B8B8B"/>
+                </a:solidFill>
+                <a:latin typeface="Segoe UI"/>
+              </a:rPr>
+              <a:t>18</a:t>
+            </a:fld>
+            <a:endParaRPr lang="en-GB" sz="1200" b="0" strike="noStrike" spc="-1" dirty="0">
+              <a:latin typeface="Times New Roman"/>
+            </a:endParaRPr>
+          </a:p>
+        </p:txBody>
+      </p:sp>
+      <p:sp>
+        <p:nvSpPr>
+          <p:cNvPr id="122" name="CustomShape 4"/>
+          <p:cNvSpPr/>
+          <p:nvPr/>
+        </p:nvSpPr>
+        <p:spPr>
+          <a:xfrm>
+            <a:off x="558720" y="514800"/>
+            <a:ext cx="11073960" cy="549000"/>
+          </a:xfrm>
+          <a:prstGeom prst="rect">
+            <a:avLst/>
+          </a:prstGeom>
+          <a:noFill/>
+          <a:ln>
+            <a:noFill/>
+          </a:ln>
+        </p:spPr>
+        <p:style>
+          <a:lnRef idx="0">
+            <a:scrgbClr r="0" g="0" b="0"/>
+          </a:lnRef>
+          <a:fillRef idx="0">
+            <a:scrgbClr r="0" g="0" b="0"/>
+          </a:fillRef>
+          <a:effectRef idx="0">
+            <a:scrgbClr r="0" g="0" b="0"/>
+          </a:effectRef>
+          <a:fontRef idx="minor"/>
+        </p:style>
+        <p:txBody>
+          <a:bodyPr lIns="0" tIns="0" rIns="0" bIns="0">
+            <a:spAutoFit/>
+          </a:bodyPr>
+          <a:lstStyle/>
+          <a:p>
+            <a:pPr algn="ctr">
+              <a:lnSpc>
+                <a:spcPct val="100000"/>
+              </a:lnSpc>
+            </a:pPr>
+            <a:r>
+              <a:rPr lang="en-GB" sz="3600" b="1" spc="-1" dirty="0" smtClean="0">
+                <a:solidFill>
+                  <a:srgbClr val="FFC000"/>
+                </a:solidFill>
+                <a:latin typeface="Century Gothic"/>
+                <a:ea typeface="Segoe UI Black"/>
+              </a:rPr>
+              <a:t>SITE WEB  </a:t>
+            </a:r>
+            <a:endParaRPr lang="en-GB" sz="3600" b="0" strike="noStrike" spc="-1" dirty="0">
+              <a:solidFill>
+                <a:srgbClr val="FFC000"/>
+              </a:solidFill>
+              <a:latin typeface="Arial"/>
+            </a:endParaRPr>
+          </a:p>
+        </p:txBody>
+      </p:sp>
+      <p:pic>
+        <p:nvPicPr>
+          <p:cNvPr id="2" name="Image 1"/>
+          <p:cNvPicPr>
+            <a:picLocks noChangeAspect="1"/>
+          </p:cNvPicPr>
+          <p:nvPr/>
+        </p:nvPicPr>
+        <p:blipFill>
+          <a:blip r:embed="rId3" cstate="print">
+            <a:extLst>
+              <a:ext uri="{28A0092B-C50C-407E-A947-70E740481C1C}">
+                <a14:useLocalDpi xmlns:a14="http://schemas.microsoft.com/office/drawing/2010/main" val="0"/>
+              </a:ext>
+            </a:extLst>
+          </a:blip>
+          <a:stretch>
+            <a:fillRect/>
+          </a:stretch>
+        </p:blipFill>
+        <p:spPr>
+          <a:xfrm>
+            <a:off x="1433880" y="1963440"/>
+            <a:ext cx="4655160" cy="3113280"/>
+          </a:xfrm>
+          <a:prstGeom prst="rect">
+            <a:avLst/>
+          </a:prstGeom>
+          <a:ln>
+            <a:noFill/>
+          </a:ln>
+          <a:effectLst>
+            <a:outerShdw blurRad="292100" dist="139700" dir="2700000" algn="tl" rotWithShape="0">
+              <a:srgbClr val="333333">
+                <a:alpha val="65000"/>
+              </a:srgbClr>
+            </a:outerShdw>
+          </a:effectLst>
+        </p:spPr>
+      </p:pic>
+      <p:sp>
+        <p:nvSpPr>
+          <p:cNvPr id="91" name="CustomShape 26"/>
+          <p:cNvSpPr/>
+          <p:nvPr/>
+        </p:nvSpPr>
+        <p:spPr>
+          <a:xfrm>
+            <a:off x="6757111" y="3150372"/>
+            <a:ext cx="2966221" cy="553998"/>
+          </a:xfrm>
+          <a:prstGeom prst="rect">
+            <a:avLst/>
+          </a:prstGeom>
+          <a:noFill/>
+          <a:ln>
+            <a:noFill/>
+          </a:ln>
+        </p:spPr>
+        <p:style>
+          <a:lnRef idx="0">
+            <a:scrgbClr r="0" g="0" b="0"/>
+          </a:lnRef>
+          <a:fillRef idx="0">
+            <a:scrgbClr r="0" g="0" b="0"/>
+          </a:fillRef>
+          <a:effectRef idx="0">
+            <a:scrgbClr r="0" g="0" b="0"/>
+          </a:effectRef>
+          <a:fontRef idx="minor"/>
+        </p:style>
+        <p:txBody>
+          <a:bodyPr wrap="square" lIns="0" tIns="0" rIns="0" bIns="0" anchor="ctr">
+            <a:spAutoFit/>
+          </a:bodyPr>
+          <a:lstStyle/>
+          <a:p>
+            <a:pPr>
+              <a:lnSpc>
+                <a:spcPct val="100000"/>
+              </a:lnSpc>
+            </a:pPr>
+            <a:r>
+              <a:rPr lang="en-GB" sz="3600" b="1" spc="-1" dirty="0" smtClean="0">
+                <a:solidFill>
+                  <a:srgbClr val="404040"/>
+                </a:solidFill>
+                <a:latin typeface="Century Gothic" panose="020B0502020202020204" pitchFamily="34" charset="0"/>
+                <a:ea typeface="Segoe UI Black"/>
+              </a:rPr>
+              <a:t>LIVE DEMO </a:t>
+            </a:r>
+            <a:endParaRPr lang="en-GB" sz="3600" b="0" strike="noStrike" spc="-1" dirty="0">
+              <a:latin typeface="Century Gothic" panose="020B0502020202020204" pitchFamily="34" charset="0"/>
+            </a:endParaRPr>
+          </a:p>
+        </p:txBody>
+      </p:sp>
+    </p:spTree>
+    <p:extLst>
+      <p:ext uri="{BB962C8B-B14F-4D97-AF65-F5344CB8AC3E}">
+        <p14:creationId xmlns:p14="http://schemas.microsoft.com/office/powerpoint/2010/main" val="3836972120"/>
+      </p:ext>
+    </p:extLst>
+  </p:cSld>
+  <p:clrMapOvr>
+    <a:masterClrMapping/>
+  </p:clrMapOvr>
+  <mc:AlternateContent xmlns:mc="http://schemas.openxmlformats.org/markup-compatibility/2006" xmlns:p14="http://schemas.microsoft.com/office/powerpoint/2010/main">
+    <mc:Choice Requires="p14">
+      <p:transition spd="slow" p14:dur="2000"/>
+    </mc:Choice>
+    <mc:Fallback xmlns:p15="http://schemas.microsoft.com/office/powerpoint/2012/main" xmlns="">
       <p:transition spd="slow"/>
     </mc:Fallback>
   </mc:AlternateContent>
@@ -21022,7 +21022,7 @@
     <mc:Choice Requires="p14">
       <p:transition spd="slow" p14:dur="2000"/>
     </mc:Choice>
-    <mc:Fallback xmlns:p15="http://schemas.microsoft.com/office/powerpoint/2012/main" xmlns="">
+    <mc:Fallback xmlns="" xmlns:p15="http://schemas.microsoft.com/office/powerpoint/2012/main">
       <p:transition spd="slow"/>
     </mc:Fallback>
   </mc:AlternateContent>
@@ -27543,7 +27543,7 @@
     <mc:Choice Requires="p14">
       <p:transition spd="slow" p14:dur="2000"/>
     </mc:Choice>
-    <mc:Fallback xmlns:p15="http://schemas.microsoft.com/office/powerpoint/2012/main" xmlns="">
+    <mc:Fallback xmlns="" xmlns:p15="http://schemas.microsoft.com/office/powerpoint/2012/main">
       <p:transition spd="slow"/>
     </mc:Fallback>
   </mc:AlternateContent>
@@ -27820,17 +27820,7 @@
                 <a:latin typeface="Century Gothic"/>
                 <a:ea typeface="Segoe UI Black"/>
               </a:rPr>
-              <a:t>v</a:t>
-            </a:r>
-            <a:r>
-              <a:rPr lang="fr-FR" sz="6000" b="1" spc="-1" dirty="0" smtClean="0">
-                <a:solidFill>
-                  <a:srgbClr val="1C819E"/>
-                </a:solidFill>
-                <a:latin typeface="Century Gothic"/>
-                <a:ea typeface="Segoe UI Black"/>
-              </a:rPr>
-              <a:t>otre attention</a:t>
+              <a:t>votre attention</a:t>
             </a:r>
             <a:endParaRPr lang="fr-FR" sz="6000" b="0" strike="noStrike" spc="-1" dirty="0">
               <a:solidFill>
@@ -31856,7 +31846,7 @@
     <mc:Choice Requires="p14">
       <p:transition spd="slow" p14:dur="2000"/>
     </mc:Choice>
-    <mc:Fallback xmlns:p15="http://schemas.microsoft.com/office/powerpoint/2012/main" xmlns="">
+    <mc:Fallback xmlns="" xmlns:p15="http://schemas.microsoft.com/office/powerpoint/2012/main">
       <p:transition spd="slow"/>
     </mc:Fallback>
   </mc:AlternateContent>
@@ -32201,7 +32191,7 @@
     <mc:Choice Requires="p14">
       <p:transition spd="slow" p14:dur="2000"/>
     </mc:Choice>
-    <mc:Fallback xmlns:p15="http://schemas.microsoft.com/office/powerpoint/2012/main" xmlns="">
+    <mc:Fallback xmlns="" xmlns:p15="http://schemas.microsoft.com/office/powerpoint/2012/main">
       <p:transition spd="slow"/>
     </mc:Fallback>
   </mc:AlternateContent>
@@ -35575,17 +35565,7 @@
                 <a:latin typeface="Century Gothic" panose="020B0502020202020204" pitchFamily="34" charset="0"/>
                 <a:ea typeface="Segoe UI Black"/>
               </a:rPr>
-              <a:t>C’EST </a:t>
-            </a:r>
-            <a:r>
-              <a:rPr lang="en-GB" sz="3600" b="1" spc="-1" dirty="0" smtClean="0">
-                <a:solidFill>
-                  <a:srgbClr val="FFC000"/>
-                </a:solidFill>
-                <a:latin typeface="Century Gothic" panose="020B0502020202020204" pitchFamily="34" charset="0"/>
-                <a:ea typeface="Segoe UI Black"/>
-              </a:rPr>
-              <a:t>QUOI LA DOMOTIQUE</a:t>
+              <a:t>C’EST QUOI LA DOMOTIQUE</a:t>
             </a:r>
             <a:endParaRPr lang="en-GB" sz="3600" b="0" strike="noStrike" spc="-1" dirty="0">
               <a:solidFill>
@@ -35695,7 +35675,7 @@
     <mc:Choice Requires="p14">
       <p:transition spd="slow" p14:dur="2000"/>
     </mc:Choice>
-    <mc:Fallback xmlns="" xmlns:p15="http://schemas.microsoft.com/office/powerpoint/2012/main">
+    <mc:Fallback xmlns:p15="http://schemas.microsoft.com/office/powerpoint/2012/main" xmlns="">
       <p:transition spd="slow"/>
     </mc:Fallback>
   </mc:AlternateContent>
@@ -42872,7 +42852,7 @@
     <mc:Choice Requires="p14">
       <p:transition spd="slow" p14:dur="2000"/>
     </mc:Choice>
-    <mc:Fallback xmlns="" xmlns:p15="http://schemas.microsoft.com/office/powerpoint/2012/main">
+    <mc:Fallback xmlns:p15="http://schemas.microsoft.com/office/powerpoint/2012/main" xmlns="">
       <p:transition spd="slow"/>
     </mc:Fallback>
   </mc:AlternateContent>
@@ -43217,7 +43197,7 @@
     <mc:Choice Requires="p14">
       <p:transition spd="slow" p14:dur="2000"/>
     </mc:Choice>
-    <mc:Fallback xmlns:p15="http://schemas.microsoft.com/office/powerpoint/2012/main" xmlns="">
+    <mc:Fallback xmlns="" xmlns:p15="http://schemas.microsoft.com/office/powerpoint/2012/main">
       <p:transition spd="slow"/>
     </mc:Fallback>
   </mc:AlternateContent>
@@ -43356,7 +43336,7 @@
         </p:nvSpPr>
         <p:spPr>
           <a:xfrm>
-            <a:off x="278640" y="328680"/>
+            <a:off x="278640" y="341380"/>
             <a:ext cx="11634480" cy="6200280"/>
           </a:xfrm>
           <a:prstGeom prst="rect">
@@ -44534,6 +44514,16 @@
               </a:lnSpc>
             </a:pPr>
             <a:r>
+              <a:rPr lang="fr-FR" b="1" dirty="0" smtClean="0">
+                <a:solidFill>
+                  <a:srgbClr val="404040"/>
+                </a:solidFill>
+                <a:latin typeface="Century Gothic" panose="020B0502020202020204" pitchFamily="34" charset="0"/>
+                <a:cs typeface="Segoe UI" panose="020B0502040204020203" pitchFamily="34" charset="0"/>
+              </a:rPr>
+              <a:t>Supervision </a:t>
+            </a:r>
+            <a:r>
               <a:rPr lang="fr-FR" b="1" dirty="0">
                 <a:solidFill>
                   <a:srgbClr val="404040"/>
@@ -44541,7 +44531,7 @@
                 <a:latin typeface="Century Gothic" panose="020B0502020202020204" pitchFamily="34" charset="0"/>
                 <a:cs typeface="Segoe UI" panose="020B0502040204020203" pitchFamily="34" charset="0"/>
               </a:rPr>
-              <a:t>Gestion des consommations énergétiques </a:t>
+              <a:t>des consommations énergétiques </a:t>
             </a:r>
             <a:endParaRPr lang="en-GB" sz="1400" b="0" strike="noStrike" spc="-1" dirty="0">
               <a:solidFill>
@@ -44585,7 +44575,7 @@
           <a:fontRef idx="minor"/>
         </p:style>
         <p:txBody>
-          <a:bodyPr lIns="0" tIns="0" rIns="0" bIns="0" anchor="ctr">
+          <a:bodyPr wrap="square" lIns="0" tIns="0" rIns="0" bIns="0" anchor="ctr">
             <a:spAutoFit/>
           </a:bodyPr>
           <a:lstStyle/>
@@ -44602,7 +44592,7 @@
                 </a:solidFill>
                 <a:latin typeface="Century Gothic" panose="020B0502020202020204" pitchFamily="34" charset="0"/>
               </a:rPr>
-              <a:t>Contrôle des éclairages, Mise en valeur du </a:t>
+              <a:t>Contrôle des </a:t>
             </a:r>
             <a:r>
               <a:rPr lang="fr-FR" b="1" dirty="0" smtClean="0">
@@ -44611,7 +44601,7 @@
                 </a:solidFill>
                 <a:latin typeface="Century Gothic" panose="020B0502020202020204" pitchFamily="34" charset="0"/>
               </a:rPr>
-              <a:t>bâtiment</a:t>
+              <a:t>éclairages </a:t>
             </a:r>
             <a:endParaRPr lang="fr-FR" b="1" dirty="0">
               <a:solidFill>
@@ -44672,8 +44662,25 @@
                 <a:latin typeface="Century Gothic" panose="020B0502020202020204" pitchFamily="34" charset="0"/>
                 <a:cs typeface="Segoe UI" panose="020B0502040204020203" pitchFamily="34" charset="0"/>
               </a:rPr>
-              <a:t>Gestion des apports naturels, Façade bioclimatique et dynamique </a:t>
+              <a:t>Gestion </a:t>
             </a:r>
+            <a:r>
+              <a:rPr lang="fr-FR" b="1" dirty="0" smtClean="0">
+                <a:solidFill>
+                  <a:srgbClr val="404040"/>
+                </a:solidFill>
+                <a:latin typeface="Century Gothic" panose="020B0502020202020204" pitchFamily="34" charset="0"/>
+                <a:cs typeface="Segoe UI" panose="020B0502040204020203" pitchFamily="34" charset="0"/>
+              </a:rPr>
+              <a:t>des volets électriques </a:t>
+            </a:r>
+            <a:endParaRPr lang="fr-FR" b="1" dirty="0">
+              <a:solidFill>
+                <a:srgbClr val="404040"/>
+              </a:solidFill>
+              <a:latin typeface="Century Gothic" panose="020B0502020202020204" pitchFamily="34" charset="0"/>
+              <a:cs typeface="Segoe UI" panose="020B0502040204020203" pitchFamily="34" charset="0"/>
+            </a:endParaRPr>
           </a:p>
         </p:txBody>
       </p:sp>
@@ -47119,7 +47126,7 @@
     <mc:Choice Requires="p14">
       <p:transition spd="slow" p14:dur="2000"/>
     </mc:Choice>
-    <mc:Fallback xmlns:p15="http://schemas.microsoft.com/office/powerpoint/2012/main" xmlns="">
+    <mc:Fallback xmlns="" xmlns:p15="http://schemas.microsoft.com/office/powerpoint/2012/main">
       <p:transition spd="slow"/>
     </mc:Fallback>
   </mc:AlternateContent>
@@ -48295,6 +48302,16 @@
               <a:t>Régulation </a:t>
             </a:r>
             <a:r>
+              <a:rPr lang="fr-FR" b="1" dirty="0" smtClean="0">
+                <a:solidFill>
+                  <a:srgbClr val="404040"/>
+                </a:solidFill>
+                <a:latin typeface="Century Gothic" panose="020B0502020202020204" pitchFamily="34" charset="0"/>
+                <a:cs typeface="Segoe UI" panose="020B0502040204020203" pitchFamily="34" charset="0"/>
+              </a:rPr>
+              <a:t>de </a:t>
+            </a:r>
+            <a:r>
               <a:rPr lang="fr-FR" b="1" dirty="0">
                 <a:solidFill>
                   <a:srgbClr val="404040"/>
@@ -48302,7 +48319,7 @@
                 <a:latin typeface="Century Gothic" panose="020B0502020202020204" pitchFamily="34" charset="0"/>
                 <a:cs typeface="Segoe UI" panose="020B0502040204020203" pitchFamily="34" charset="0"/>
               </a:rPr>
-              <a:t>et Optimisation de la </a:t>
+              <a:t>la </a:t>
             </a:r>
             <a:r>
               <a:rPr lang="fr-FR" b="1" dirty="0" smtClean="0">
@@ -48367,16 +48384,6 @@
               </a:lnSpc>
             </a:pPr>
             <a:r>
-              <a:rPr lang="fr-FR" b="1" dirty="0">
-                <a:solidFill>
-                  <a:srgbClr val="404040"/>
-                </a:solidFill>
-                <a:latin typeface="Century Gothic" panose="020B0502020202020204" pitchFamily="34" charset="0"/>
-                <a:cs typeface="Segoe UI" panose="020B0502040204020203" pitchFamily="34" charset="0"/>
-              </a:rPr>
-              <a:t>Mesures thermiques et </a:t>
-            </a:r>
-            <a:r>
               <a:rPr lang="fr-FR" b="1" dirty="0" smtClean="0">
                 <a:solidFill>
                   <a:srgbClr val="404040"/>
@@ -48384,7 +48391,7 @@
                 <a:latin typeface="Century Gothic" panose="020B0502020202020204" pitchFamily="34" charset="0"/>
                 <a:cs typeface="Segoe UI" panose="020B0502040204020203" pitchFamily="34" charset="0"/>
               </a:rPr>
-              <a:t>climatiques </a:t>
+              <a:t>Informatisation du système arrosage	 </a:t>
             </a:r>
             <a:endParaRPr lang="en-GB" sz="1400" b="0" strike="noStrike" spc="-1" dirty="0">
               <a:solidFill>
@@ -48404,8 +48411,8 @@
         </p:nvSpPr>
         <p:spPr>
           <a:xfrm>
-            <a:off x="3255840" y="5585310"/>
-            <a:ext cx="5789160" cy="249299"/>
+            <a:off x="3255840" y="5460661"/>
+            <a:ext cx="5789160" cy="498598"/>
           </a:xfrm>
           <a:prstGeom prst="rect">
             <a:avLst/>
@@ -48439,13 +48446,13 @@
               </a:lnSpc>
             </a:pPr>
             <a:r>
-              <a:rPr lang="fr-FR" b="1" dirty="0">
+              <a:rPr lang="fr-FR" b="1" dirty="0" smtClean="0">
                 <a:solidFill>
                   <a:srgbClr val="404040"/>
                 </a:solidFill>
                 <a:latin typeface="Century Gothic" panose="020B0502020202020204" pitchFamily="34" charset="0"/>
               </a:rPr>
-              <a:t>Contrôle </a:t>
+              <a:t>Système de sécurité performant </a:t>
             </a:r>
             <a:r>
               <a:rPr lang="fr-FR" b="1" dirty="0" smtClean="0">
@@ -48454,7 +48461,16 @@
                 </a:solidFill>
                 <a:latin typeface="Century Gothic" panose="020B0502020202020204" pitchFamily="34" charset="0"/>
               </a:rPr>
-              <a:t>des accès et Commande à distance </a:t>
+              <a:t>et </a:t>
+            </a:r>
+            <a:r>
+              <a:rPr lang="fr-FR" b="1" dirty="0" smtClean="0">
+                <a:solidFill>
+                  <a:srgbClr val="404040"/>
+                </a:solidFill>
+                <a:latin typeface="Century Gothic" panose="020B0502020202020204" pitchFamily="34" charset="0"/>
+              </a:rPr>
+              <a:t>Commande à distance </a:t>
             </a:r>
             <a:endParaRPr lang="fr-FR" b="1" dirty="0">
               <a:solidFill>
@@ -50873,45 +50889,12 @@
       </p:pic>
       <p:pic>
         <p:nvPicPr>
-          <p:cNvPr id="34" name="Image 33" descr="http://www.d2i-technology.fr/domotique/wp-content/uploads/2015/05/picto-immo-06.png"/>
+          <p:cNvPr id="35" name="Image 34" descr="http://www.d2i-technology.fr/domotique/wp-content/uploads/2015/05/surveillance-04.png"/>
           <p:cNvPicPr/>
           <p:nvPr/>
         </p:nvPicPr>
         <p:blipFill>
           <a:blip r:embed="rId4">
-            <a:extLst>
-              <a:ext uri="{28A0092B-C50C-407E-A947-70E740481C1C}">
-                <a14:useLocalDpi xmlns:a14="http://schemas.microsoft.com/office/drawing/2010/main" val="0"/>
-              </a:ext>
-            </a:extLst>
-          </a:blip>
-          <a:srcRect/>
-          <a:stretch>
-            <a:fillRect/>
-          </a:stretch>
-        </p:blipFill>
-        <p:spPr bwMode="auto">
-          <a:xfrm>
-            <a:off x="2093759" y="2911077"/>
-            <a:ext cx="687021" cy="604855"/>
-          </a:xfrm>
-          <a:prstGeom prst="rect">
-            <a:avLst/>
-          </a:prstGeom>
-          <a:noFill/>
-          <a:ln>
-            <a:noFill/>
-          </a:ln>
-        </p:spPr>
-      </p:pic>
-      <p:pic>
-        <p:nvPicPr>
-          <p:cNvPr id="35" name="Image 34" descr="http://www.d2i-technology.fr/domotique/wp-content/uploads/2015/05/surveillance-04.png"/>
-          <p:cNvPicPr/>
-          <p:nvPr/>
-        </p:nvPicPr>
-        <p:blipFill>
-          <a:blip r:embed="rId5">
             <a:extLst>
               <a:ext uri="{28A0092B-C50C-407E-A947-70E740481C1C}">
                 <a14:useLocalDpi xmlns:a14="http://schemas.microsoft.com/office/drawing/2010/main" val="0"/>
@@ -52746,6 +52729,36 @@
           </p:style>
         </p:sp>
       </p:grpSp>
+      <p:pic>
+        <p:nvPicPr>
+          <p:cNvPr id="5" name="Image 4"/>
+          <p:cNvPicPr>
+            <a:picLocks noChangeAspect="1"/>
+          </p:cNvPicPr>
+          <p:nvPr/>
+        </p:nvPicPr>
+        <p:blipFill>
+          <a:blip r:embed="rId5" cstate="print">
+            <a:extLst>
+              <a:ext uri="{28A0092B-C50C-407E-A947-70E740481C1C}">
+                <a14:useLocalDpi xmlns:a14="http://schemas.microsoft.com/office/drawing/2010/main" val="0"/>
+              </a:ext>
+            </a:extLst>
+          </a:blip>
+          <a:stretch>
+            <a:fillRect/>
+          </a:stretch>
+        </p:blipFill>
+        <p:spPr>
+          <a:xfrm>
+            <a:off x="2173024" y="2944174"/>
+            <a:ext cx="527826" cy="575810"/>
+          </a:xfrm>
+          <a:prstGeom prst="rect">
+            <a:avLst/>
+          </a:prstGeom>
+        </p:spPr>
+      </p:pic>
     </p:spTree>
     <p:extLst>
       <p:ext uri="{BB962C8B-B14F-4D97-AF65-F5344CB8AC3E}">
@@ -52760,7 +52773,7 @@
     <mc:Choice Requires="p14">
       <p:transition spd="slow" p14:dur="2000"/>
     </mc:Choice>
-    <mc:Fallback xmlns:p15="http://schemas.microsoft.com/office/powerpoint/2012/main" xmlns="">
+    <mc:Fallback xmlns="" xmlns:p15="http://schemas.microsoft.com/office/powerpoint/2012/main">
       <p:transition spd="slow"/>
     </mc:Fallback>
   </mc:AlternateContent>
@@ -53105,7 +53118,7 @@
     <mc:Choice Requires="p14">
       <p:transition spd="slow" p14:dur="2000"/>
     </mc:Choice>
-    <mc:Fallback xmlns:p15="http://schemas.microsoft.com/office/powerpoint/2012/main" xmlns="">
+    <mc:Fallback xmlns="" xmlns:p15="http://schemas.microsoft.com/office/powerpoint/2012/main">
       <p:transition spd="slow"/>
     </mc:Fallback>
   </mc:AlternateContent>

--- a/Présentation Projet .pptx
+++ b/Présentation Projet .pptx
@@ -26,8 +26,8 @@
     <p:sldId id="278" r:id="rId17"/>
     <p:sldId id="290" r:id="rId18"/>
     <p:sldId id="277" r:id="rId19"/>
-    <p:sldId id="284" r:id="rId20"/>
-    <p:sldId id="283" r:id="rId21"/>
+    <p:sldId id="283" r:id="rId20"/>
+    <p:sldId id="284" r:id="rId21"/>
     <p:sldId id="285" r:id="rId22"/>
     <p:sldId id="265" r:id="rId23"/>
   </p:sldIdLst>
@@ -605,7 +605,7 @@
       </p:grpSpPr>
       <p:sp>
         <p:nvSpPr>
-          <p:cNvPr id="1507" name="PlaceHolder 1"/>
+          <p:cNvPr id="1510" name="PlaceHolder 1"/>
           <p:cNvSpPr>
             <a:spLocks noGrp="1" noRot="1" noChangeAspect="1"/>
           </p:cNvSpPr>
@@ -625,7 +625,7 @@
       </p:sp>
       <p:sp>
         <p:nvSpPr>
-          <p:cNvPr id="1508" name="PlaceHolder 2"/>
+          <p:cNvPr id="1511" name="PlaceHolder 2"/>
           <p:cNvSpPr>
             <a:spLocks noGrp="1"/>
           </p:cNvSpPr>
@@ -656,7 +656,7 @@
       </p:sp>
       <p:sp>
         <p:nvSpPr>
-          <p:cNvPr id="1509" name="TextShape 3"/>
+          <p:cNvPr id="1512" name="TextShape 3"/>
           <p:cNvSpPr txBox="1"/>
           <p:nvPr/>
         </p:nvSpPr>
@@ -684,7 +684,7 @@
                 <a:spcPct val="100000"/>
               </a:lnSpc>
             </a:pPr>
-            <a:fld id="{837DE0A3-E842-408E-8208-9AD037EBA438}" type="slidenum">
+            <a:fld id="{F119077A-A8BA-4B4B-A547-36E070DB7F2A}" type="slidenum">
               <a:rPr lang="en-GB" sz="1200" b="0" strike="noStrike" spc="-1">
                 <a:solidFill>
                   <a:srgbClr val="000000"/>
@@ -703,7 +703,7 @@
     </p:spTree>
     <p:extLst>
       <p:ext uri="{BB962C8B-B14F-4D97-AF65-F5344CB8AC3E}">
-        <p14:creationId xmlns:p14="http://schemas.microsoft.com/office/powerpoint/2010/main" val="3598782422"/>
+        <p14:creationId xmlns:p14="http://schemas.microsoft.com/office/powerpoint/2010/main" val="3942192883"/>
       </p:ext>
     </p:extLst>
   </p:cSld>
@@ -1824,7 +1824,7 @@
       </p:grpSpPr>
       <p:sp>
         <p:nvSpPr>
-          <p:cNvPr id="1510" name="PlaceHolder 1"/>
+          <p:cNvPr id="1507" name="PlaceHolder 1"/>
           <p:cNvSpPr>
             <a:spLocks noGrp="1" noRot="1" noChangeAspect="1"/>
           </p:cNvSpPr>
@@ -1844,7 +1844,7 @@
       </p:sp>
       <p:sp>
         <p:nvSpPr>
-          <p:cNvPr id="1511" name="PlaceHolder 2"/>
+          <p:cNvPr id="1508" name="PlaceHolder 2"/>
           <p:cNvSpPr>
             <a:spLocks noGrp="1"/>
           </p:cNvSpPr>
@@ -1875,7 +1875,7 @@
       </p:sp>
       <p:sp>
         <p:nvSpPr>
-          <p:cNvPr id="1512" name="TextShape 3"/>
+          <p:cNvPr id="1509" name="TextShape 3"/>
           <p:cNvSpPr txBox="1"/>
           <p:nvPr/>
         </p:nvSpPr>
@@ -1903,7 +1903,7 @@
                 <a:spcPct val="100000"/>
               </a:lnSpc>
             </a:pPr>
-            <a:fld id="{F119077A-A8BA-4B4B-A547-36E070DB7F2A}" type="slidenum">
+            <a:fld id="{837DE0A3-E842-408E-8208-9AD037EBA438}" type="slidenum">
               <a:rPr lang="en-GB" sz="1200" b="0" strike="noStrike" spc="-1">
                 <a:solidFill>
                   <a:srgbClr val="000000"/>
@@ -1922,7 +1922,7 @@
     </p:spTree>
     <p:extLst>
       <p:ext uri="{BB962C8B-B14F-4D97-AF65-F5344CB8AC3E}">
-        <p14:creationId xmlns:p14="http://schemas.microsoft.com/office/powerpoint/2010/main" val="3942192883"/>
+        <p14:creationId xmlns:p14="http://schemas.microsoft.com/office/powerpoint/2010/main" val="3598782422"/>
       </p:ext>
     </p:extLst>
   </p:cSld>
@@ -6554,7 +6554,7 @@
                 </a:solidFill>
                 <a:latin typeface="Segoe UI"/>
               </a:rPr>
-              <a:t>29/04/2019</a:t>
+              <a:t>30/04/2019</a:t>
             </a:fld>
             <a:endParaRPr lang="en-GB" sz="1200" b="0" strike="noStrike" spc="-1">
               <a:latin typeface="Times New Roman"/>
@@ -7217,7 +7217,7 @@
                 </a:solidFill>
                 <a:latin typeface="Calibri Light"/>
               </a:rPr>
-              <a:t>29/04/2019</a:t>
+              <a:t>30/04/2019</a:t>
             </a:fld>
             <a:endParaRPr lang="en-GB" sz="1200" b="0" strike="noStrike" spc="-1">
               <a:latin typeface="Times New Roman"/>
@@ -8074,7 +8074,7 @@
                 </a:solidFill>
                 <a:latin typeface="Calibri Light"/>
               </a:rPr>
-              <a:t>29/04/2019</a:t>
+              <a:t>30/04/2019</a:t>
             </a:fld>
             <a:endParaRPr lang="en-GB" sz="1200" b="0" strike="noStrike" spc="-1">
               <a:latin typeface="Times New Roman"/>
@@ -9093,7 +9093,7 @@
     <mc:Choice Requires="p14">
       <p:transition spd="slow" p14:dur="2000"/>
     </mc:Choice>
-    <mc:Fallback xmlns="" xmlns:p15="http://schemas.microsoft.com/office/powerpoint/2012/main">
+    <mc:Fallback xmlns:p15="http://schemas.microsoft.com/office/powerpoint/2012/main" xmlns="">
       <p:transition spd="slow"/>
     </mc:Fallback>
   </mc:AlternateContent>
@@ -9289,7 +9289,7 @@
                 </a:solidFill>
                 <a:latin typeface="Segoe UI"/>
               </a:rPr>
-              <a:t>29/04/2019</a:t>
+              <a:t>30/04/2019</a:t>
             </a:fld>
             <a:endParaRPr lang="en-GB" sz="1200" b="0" strike="noStrike" spc="-1">
               <a:latin typeface="Times New Roman"/>
@@ -9447,7 +9447,7 @@
     <mc:Choice Requires="p14">
       <p:transition spd="slow" p14:dur="2000"/>
     </mc:Choice>
-    <mc:Fallback xmlns:p15="http://schemas.microsoft.com/office/powerpoint/2012/main" xmlns="">
+    <mc:Fallback xmlns="" xmlns:p15="http://schemas.microsoft.com/office/powerpoint/2012/main">
       <p:transition spd="slow"/>
     </mc:Fallback>
   </mc:AlternateContent>
@@ -9643,7 +9643,7 @@
                 </a:solidFill>
                 <a:latin typeface="Segoe UI"/>
               </a:rPr>
-              <a:t>29/04/2019</a:t>
+              <a:t>30/04/2019</a:t>
             </a:fld>
             <a:endParaRPr lang="en-GB" sz="1200" b="0" strike="noStrike" spc="-1">
               <a:latin typeface="Times New Roman"/>
@@ -9746,7 +9746,7 @@
                 <a:latin typeface="Century Gothic"/>
                 <a:ea typeface="Segoe UI Black"/>
               </a:rPr>
-              <a:t>PARTICIPANTS  </a:t>
+              <a:t>CLASSES PARTICIPANTES  </a:t>
             </a:r>
             <a:endParaRPr lang="en-GB" sz="3600" b="0" strike="noStrike" spc="-1" dirty="0">
               <a:solidFill>
@@ -9801,7 +9801,7 @@
     <mc:Choice Requires="p14">
       <p:transition spd="slow" p14:dur="2000"/>
     </mc:Choice>
-    <mc:Fallback xmlns:p15="http://schemas.microsoft.com/office/powerpoint/2012/main" xmlns="">
+    <mc:Fallback xmlns="" xmlns:p15="http://schemas.microsoft.com/office/powerpoint/2012/main">
       <p:transition spd="slow"/>
     </mc:Fallback>
   </mc:AlternateContent>
@@ -9997,7 +9997,7 @@
                 </a:solidFill>
                 <a:latin typeface="Segoe UI"/>
               </a:rPr>
-              <a:t>29/04/2019</a:t>
+              <a:t>30/04/2019</a:t>
             </a:fld>
             <a:endParaRPr lang="en-GB" sz="1200" b="0" strike="noStrike" spc="-1">
               <a:latin typeface="Times New Roman"/>
@@ -10155,7 +10155,7 @@
     <mc:Choice Requires="p14">
       <p:transition spd="slow" p14:dur="2000"/>
     </mc:Choice>
-    <mc:Fallback xmlns:p15="http://schemas.microsoft.com/office/powerpoint/2012/main" xmlns="">
+    <mc:Fallback xmlns="" xmlns:p15="http://schemas.microsoft.com/office/powerpoint/2012/main">
       <p:transition spd="slow"/>
     </mc:Fallback>
   </mc:AlternateContent>
@@ -10351,7 +10351,7 @@
                 </a:solidFill>
                 <a:latin typeface="Segoe UI"/>
               </a:rPr>
-              <a:t>29/04/2019</a:t>
+              <a:t>30/04/2019</a:t>
             </a:fld>
             <a:endParaRPr lang="en-GB" sz="1200" b="0" strike="noStrike" spc="-1">
               <a:latin typeface="Times New Roman"/>
@@ -10549,7 +10549,7 @@
     <mc:Choice Requires="p14">
       <p:transition spd="slow" p14:dur="2000"/>
     </mc:Choice>
-    <mc:Fallback xmlns:p15="http://schemas.microsoft.com/office/powerpoint/2012/main" xmlns="">
+    <mc:Fallback xmlns="" xmlns:p15="http://schemas.microsoft.com/office/powerpoint/2012/main">
       <p:transition spd="slow"/>
     </mc:Fallback>
   </mc:AlternateContent>
@@ -10745,7 +10745,7 @@
                 </a:solidFill>
                 <a:latin typeface="Segoe UI"/>
               </a:rPr>
-              <a:t>29/04/2019</a:t>
+              <a:t>30/04/2019</a:t>
             </a:fld>
             <a:endParaRPr lang="en-GB" sz="1200" b="0" strike="noStrike" spc="-1">
               <a:latin typeface="Times New Roman"/>
@@ -10933,7 +10933,7 @@
     <mc:Choice Requires="p14">
       <p:transition spd="slow" p14:dur="2000"/>
     </mc:Choice>
-    <mc:Fallback xmlns:p15="http://schemas.microsoft.com/office/powerpoint/2012/main" xmlns="">
+    <mc:Fallback xmlns="" xmlns:p15="http://schemas.microsoft.com/office/powerpoint/2012/main">
       <p:transition spd="slow"/>
     </mc:Fallback>
   </mc:AlternateContent>
@@ -11140,7 +11140,7 @@
                 </a:solidFill>
                 <a:latin typeface="Segoe UI"/>
               </a:rPr>
-              <a:t>29/04/2019</a:t>
+              <a:t>30/04/2019</a:t>
             </a:fld>
             <a:endParaRPr lang="en-GB" sz="1200" b="0" strike="noStrike" spc="-1">
               <a:latin typeface="Times New Roman"/>
@@ -11278,7 +11278,7 @@
     <mc:Choice Requires="p14">
       <p:transition spd="slow" p14:dur="2000"/>
     </mc:Choice>
-    <mc:Fallback xmlns="" xmlns:p15="http://schemas.microsoft.com/office/powerpoint/2012/main">
+    <mc:Fallback xmlns:p15="http://schemas.microsoft.com/office/powerpoint/2012/main" xmlns="">
       <p:transition spd="slow"/>
     </mc:Fallback>
   </mc:AlternateContent>
@@ -11535,7 +11535,7 @@
                 </a:solidFill>
                 <a:latin typeface="Segoe UI"/>
               </a:rPr>
-              <a:t>29/04/2019</a:t>
+              <a:t>30/04/2019</a:t>
             </a:fld>
             <a:endParaRPr lang="en-GB" sz="1200" b="0" strike="noStrike" spc="-1">
               <a:latin typeface="Times New Roman"/>
@@ -11632,7 +11632,7 @@
     <mc:Choice Requires="p14">
       <p:transition spd="slow" p14:dur="2000"/>
     </mc:Choice>
-    <mc:Fallback xmlns:p15="http://schemas.microsoft.com/office/powerpoint/2012/main" xmlns="">
+    <mc:Fallback xmlns="" xmlns:p15="http://schemas.microsoft.com/office/powerpoint/2012/main">
       <p:transition spd="slow"/>
     </mc:Fallback>
   </mc:AlternateContent>
@@ -11667,6 +11667,1737 @@
 </file>
 
 <file path=ppt/slides/slide17.xml><?xml version="1.0" encoding="utf-8"?>
+<p:sld xmlns:a="http://schemas.openxmlformats.org/drawingml/2006/main" xmlns:r="http://schemas.openxmlformats.org/officeDocument/2006/relationships" xmlns:p="http://schemas.openxmlformats.org/presentationml/2006/main">
+  <p:cSld>
+    <p:spTree>
+      <p:nvGrpSpPr>
+        <p:cNvPr id="1" name=""/>
+        <p:cNvGrpSpPr/>
+        <p:nvPr/>
+      </p:nvGrpSpPr>
+      <p:grpSpPr>
+        <a:xfrm>
+          <a:off x="0" y="0"/>
+          <a:ext cx="0" cy="0"/>
+          <a:chOff x="0" y="0"/>
+          <a:chExt cx="0" cy="0"/>
+        </a:xfrm>
+      </p:grpSpPr>
+      <p:grpSp>
+        <p:nvGrpSpPr>
+          <p:cNvPr id="1287" name="Group 7"/>
+          <p:cNvGrpSpPr/>
+          <p:nvPr/>
+        </p:nvGrpSpPr>
+        <p:grpSpPr>
+          <a:xfrm>
+            <a:off x="838080" y="1843920"/>
+            <a:ext cx="5872320" cy="4096800"/>
+            <a:chOff x="838080" y="1843920"/>
+            <a:chExt cx="5872320" cy="4096800"/>
+          </a:xfrm>
+        </p:grpSpPr>
+        <p:sp>
+          <p:nvSpPr>
+            <p:cNvPr id="1288" name="CustomShape 8"/>
+            <p:cNvSpPr/>
+            <p:nvPr/>
+          </p:nvSpPr>
+          <p:spPr>
+            <a:xfrm>
+              <a:off x="1301040" y="1843920"/>
+              <a:ext cx="4922640" cy="3765240"/>
+            </a:xfrm>
+            <a:prstGeom prst="roundRect">
+              <a:avLst>
+                <a:gd name="adj" fmla="val 4185"/>
+              </a:avLst>
+            </a:prstGeom>
+            <a:gradFill rotWithShape="0">
+              <a:gsLst>
+                <a:gs pos="0">
+                  <a:schemeClr val="tx1">
+                    <a:lumMod val="65000"/>
+                    <a:lumOff val="35000"/>
+                  </a:schemeClr>
+                </a:gs>
+                <a:gs pos="66000">
+                  <a:schemeClr val="bg1"/>
+                </a:gs>
+                <a:gs pos="100000">
+                  <a:schemeClr val="bg1">
+                    <a:lumMod val="85000"/>
+                  </a:schemeClr>
+                </a:gs>
+              </a:gsLst>
+              <a:lin ang="16200000"/>
+            </a:gradFill>
+            <a:ln>
+              <a:noFill/>
+            </a:ln>
+          </p:spPr>
+          <p:style>
+            <a:lnRef idx="2">
+              <a:schemeClr val="accent1">
+                <a:shade val="50000"/>
+              </a:schemeClr>
+            </a:lnRef>
+            <a:fillRef idx="1">
+              <a:schemeClr val="accent1"/>
+            </a:fillRef>
+            <a:effectRef idx="0">
+              <a:schemeClr val="accent1"/>
+            </a:effectRef>
+            <a:fontRef idx="minor"/>
+          </p:style>
+        </p:sp>
+        <p:sp>
+          <p:nvSpPr>
+            <p:cNvPr id="1289" name="CustomShape 9"/>
+            <p:cNvSpPr/>
+            <p:nvPr/>
+          </p:nvSpPr>
+          <p:spPr>
+            <a:xfrm>
+              <a:off x="1325520" y="1867320"/>
+              <a:ext cx="4881600" cy="3562920"/>
+            </a:xfrm>
+            <a:prstGeom prst="roundRect">
+              <a:avLst>
+                <a:gd name="adj" fmla="val 4031"/>
+              </a:avLst>
+            </a:prstGeom>
+            <a:gradFill rotWithShape="0">
+              <a:gsLst>
+                <a:gs pos="0">
+                  <a:schemeClr val="tx1"/>
+                </a:gs>
+                <a:gs pos="100000">
+                  <a:schemeClr val="tx1">
+                    <a:lumMod val="50000"/>
+                    <a:lumOff val="50000"/>
+                  </a:schemeClr>
+                </a:gs>
+              </a:gsLst>
+              <a:lin ang="16200000"/>
+            </a:gradFill>
+            <a:ln>
+              <a:noFill/>
+            </a:ln>
+          </p:spPr>
+          <p:style>
+            <a:lnRef idx="2">
+              <a:schemeClr val="accent1">
+                <a:shade val="50000"/>
+              </a:schemeClr>
+            </a:lnRef>
+            <a:fillRef idx="1">
+              <a:schemeClr val="accent1"/>
+            </a:fillRef>
+            <a:effectRef idx="0">
+              <a:schemeClr val="accent1"/>
+            </a:effectRef>
+            <a:fontRef idx="minor"/>
+          </p:style>
+        </p:sp>
+        <p:sp>
+          <p:nvSpPr>
+            <p:cNvPr id="1290" name="CustomShape 10"/>
+            <p:cNvSpPr/>
+            <p:nvPr/>
+          </p:nvSpPr>
+          <p:spPr>
+            <a:xfrm>
+              <a:off x="1433880" y="1963440"/>
+              <a:ext cx="4655160" cy="3089880"/>
+            </a:xfrm>
+            <a:prstGeom prst="roundRect">
+              <a:avLst>
+                <a:gd name="adj" fmla="val 2787"/>
+              </a:avLst>
+            </a:prstGeom>
+            <a:solidFill>
+              <a:schemeClr val="bg1">
+                <a:lumMod val="95000"/>
+              </a:schemeClr>
+            </a:solidFill>
+            <a:ln>
+              <a:noFill/>
+            </a:ln>
+          </p:spPr>
+          <p:style>
+            <a:lnRef idx="2">
+              <a:schemeClr val="accent1">
+                <a:shade val="50000"/>
+              </a:schemeClr>
+            </a:lnRef>
+            <a:fillRef idx="1">
+              <a:schemeClr val="accent1"/>
+            </a:fillRef>
+            <a:effectRef idx="0">
+              <a:schemeClr val="accent1"/>
+            </a:effectRef>
+            <a:fontRef idx="minor"/>
+          </p:style>
+        </p:sp>
+        <p:grpSp>
+          <p:nvGrpSpPr>
+            <p:cNvPr id="1291" name="Group 11"/>
+            <p:cNvGrpSpPr/>
+            <p:nvPr/>
+          </p:nvGrpSpPr>
+          <p:grpSpPr>
+            <a:xfrm>
+              <a:off x="838080" y="5096160"/>
+              <a:ext cx="5872320" cy="844560"/>
+              <a:chOff x="838080" y="5096160"/>
+              <a:chExt cx="5872320" cy="844560"/>
+            </a:xfrm>
+          </p:grpSpPr>
+          <p:sp>
+            <p:nvSpPr>
+              <p:cNvPr id="1292" name="CustomShape 12"/>
+              <p:cNvSpPr/>
+              <p:nvPr/>
+            </p:nvSpPr>
+            <p:spPr>
+              <a:xfrm>
+                <a:off x="852120" y="5298480"/>
+                <a:ext cx="5846040" cy="538560"/>
+              </a:xfrm>
+              <a:custGeom>
+                <a:avLst/>
+                <a:gdLst/>
+                <a:ahLst/>
+                <a:cxnLst/>
+                <a:rect l="l" t="t" r="r" b="b"/>
+                <a:pathLst>
+                  <a:path w="10038" h="10000">
+                    <a:moveTo>
+                      <a:pt x="15" y="10000"/>
+                    </a:moveTo>
+                    <a:lnTo>
+                      <a:pt x="9929" y="10000"/>
+                    </a:lnTo>
+                    <a:cubicBezTo>
+                      <a:pt x="9965" y="9704"/>
+                      <a:pt x="10002" y="9409"/>
+                      <a:pt x="10038" y="9113"/>
+                    </a:cubicBezTo>
+                    <a:cubicBezTo>
+                      <a:pt x="9765" y="6075"/>
+                      <a:pt x="9493" y="3038"/>
+                      <a:pt x="9220" y="0"/>
+                    </a:cubicBezTo>
+                    <a:lnTo>
+                      <a:pt x="765" y="0"/>
+                    </a:lnTo>
+                    <a:lnTo>
+                      <a:pt x="0" y="9196"/>
+                    </a:lnTo>
+                    <a:lnTo>
+                      <a:pt x="15" y="10000"/>
+                    </a:lnTo>
+                    <a:close/>
+                  </a:path>
+                </a:pathLst>
+              </a:custGeom>
+              <a:gradFill rotWithShape="0">
+                <a:gsLst>
+                  <a:gs pos="0">
+                    <a:schemeClr val="bg1">
+                      <a:lumMod val="50000"/>
+                    </a:schemeClr>
+                  </a:gs>
+                  <a:gs pos="34000">
+                    <a:schemeClr val="bg1">
+                      <a:lumMod val="75000"/>
+                    </a:schemeClr>
+                  </a:gs>
+                  <a:gs pos="70000">
+                    <a:schemeClr val="bg1"/>
+                  </a:gs>
+                  <a:gs pos="100000">
+                    <a:schemeClr val="bg1"/>
+                  </a:gs>
+                </a:gsLst>
+                <a:lin ang="5400000"/>
+              </a:gradFill>
+              <a:ln>
+                <a:noFill/>
+              </a:ln>
+            </p:spPr>
+            <p:style>
+              <a:lnRef idx="0">
+                <a:scrgbClr r="0" g="0" b="0"/>
+              </a:lnRef>
+              <a:fillRef idx="0">
+                <a:scrgbClr r="0" g="0" b="0"/>
+              </a:fillRef>
+              <a:effectRef idx="0">
+                <a:scrgbClr r="0" g="0" b="0"/>
+              </a:effectRef>
+              <a:fontRef idx="minor"/>
+            </p:style>
+          </p:sp>
+          <p:sp>
+            <p:nvSpPr>
+              <p:cNvPr id="1293" name="CustomShape 13"/>
+              <p:cNvSpPr/>
+              <p:nvPr/>
+            </p:nvSpPr>
+            <p:spPr>
+              <a:xfrm>
+                <a:off x="838080" y="5832360"/>
+                <a:ext cx="5872320" cy="108360"/>
+              </a:xfrm>
+              <a:custGeom>
+                <a:avLst/>
+                <a:gdLst/>
+                <a:ahLst/>
+                <a:cxnLst/>
+                <a:rect l="l" t="t" r="r" b="b"/>
+                <a:pathLst>
+                  <a:path w="10000" h="10000">
+                    <a:moveTo>
+                      <a:pt x="0" y="0"/>
+                    </a:moveTo>
+                    <a:lnTo>
+                      <a:pt x="10000" y="492"/>
+                    </a:lnTo>
+                    <a:cubicBezTo>
+                      <a:pt x="9998" y="710"/>
+                      <a:pt x="9996" y="929"/>
+                      <a:pt x="9994" y="1147"/>
+                    </a:cubicBezTo>
+                    <a:cubicBezTo>
+                      <a:pt x="9985" y="1639"/>
+                      <a:pt x="9959" y="2896"/>
+                      <a:pt x="9944" y="3442"/>
+                    </a:cubicBezTo>
+                    <a:cubicBezTo>
+                      <a:pt x="9931" y="3771"/>
+                      <a:pt x="9919" y="4098"/>
+                      <a:pt x="9906" y="4426"/>
+                    </a:cubicBezTo>
+                    <a:cubicBezTo>
+                      <a:pt x="9892" y="4755"/>
+                      <a:pt x="9879" y="5082"/>
+                      <a:pt x="9865" y="5410"/>
+                    </a:cubicBezTo>
+                    <a:cubicBezTo>
+                      <a:pt x="9849" y="5684"/>
+                      <a:pt x="9834" y="5956"/>
+                      <a:pt x="9818" y="6229"/>
+                    </a:cubicBezTo>
+                    <a:cubicBezTo>
+                      <a:pt x="9799" y="6448"/>
+                      <a:pt x="9781" y="6666"/>
+                      <a:pt x="9762" y="6885"/>
+                    </a:cubicBezTo>
+                    <a:cubicBezTo>
+                      <a:pt x="9741" y="7103"/>
+                      <a:pt x="9721" y="7323"/>
+                      <a:pt x="9700" y="7541"/>
+                    </a:cubicBezTo>
+                    <a:lnTo>
+                      <a:pt x="9574" y="8524"/>
+                    </a:lnTo>
+                    <a:cubicBezTo>
+                      <a:pt x="9529" y="8743"/>
+                      <a:pt x="9483" y="8962"/>
+                      <a:pt x="9438" y="9181"/>
+                    </a:cubicBezTo>
+                    <a:lnTo>
+                      <a:pt x="9303" y="9508"/>
+                    </a:lnTo>
+                    <a:lnTo>
+                      <a:pt x="9165" y="10000"/>
+                    </a:lnTo>
+                    <a:lnTo>
+                      <a:pt x="8645" y="10000"/>
+                    </a:lnTo>
+                    <a:lnTo>
+                      <a:pt x="8117" y="10000"/>
+                    </a:lnTo>
+                    <a:lnTo>
+                      <a:pt x="7597" y="10000"/>
+                    </a:lnTo>
+                    <a:lnTo>
+                      <a:pt x="7071" y="10000"/>
+                    </a:lnTo>
+                    <a:lnTo>
+                      <a:pt x="6547" y="10000"/>
+                    </a:lnTo>
+                    <a:lnTo>
+                      <a:pt x="6024" y="10000"/>
+                    </a:lnTo>
+                    <a:lnTo>
+                      <a:pt x="5497" y="10000"/>
+                    </a:lnTo>
+                    <a:lnTo>
+                      <a:pt x="4976" y="10000"/>
+                    </a:lnTo>
+                    <a:lnTo>
+                      <a:pt x="4450" y="10000"/>
+                    </a:lnTo>
+                    <a:lnTo>
+                      <a:pt x="3929" y="10000"/>
+                    </a:lnTo>
+                    <a:lnTo>
+                      <a:pt x="3403" y="10000"/>
+                    </a:lnTo>
+                    <a:lnTo>
+                      <a:pt x="2880" y="10000"/>
+                    </a:lnTo>
+                    <a:lnTo>
+                      <a:pt x="2356" y="10000"/>
+                    </a:lnTo>
+                    <a:lnTo>
+                      <a:pt x="1830" y="10000"/>
+                    </a:lnTo>
+                    <a:lnTo>
+                      <a:pt x="1308" y="10000"/>
+                    </a:lnTo>
+                    <a:lnTo>
+                      <a:pt x="782" y="10000"/>
+                    </a:lnTo>
+                    <a:lnTo>
+                      <a:pt x="650" y="9508"/>
+                    </a:lnTo>
+                    <a:cubicBezTo>
+                      <a:pt x="607" y="9399"/>
+                      <a:pt x="563" y="9290"/>
+                      <a:pt x="520" y="9181"/>
+                    </a:cubicBezTo>
+                    <a:lnTo>
+                      <a:pt x="400" y="8689"/>
+                    </a:lnTo>
+                    <a:cubicBezTo>
+                      <a:pt x="363" y="8361"/>
+                      <a:pt x="325" y="8033"/>
+                      <a:pt x="288" y="7705"/>
+                    </a:cubicBezTo>
+                    <a:cubicBezTo>
+                      <a:pt x="270" y="7487"/>
+                      <a:pt x="253" y="7268"/>
+                      <a:pt x="235" y="7049"/>
+                    </a:cubicBezTo>
+                    <a:cubicBezTo>
+                      <a:pt x="220" y="6831"/>
+                      <a:pt x="206" y="6612"/>
+                      <a:pt x="191" y="6394"/>
+                    </a:cubicBezTo>
+                    <a:cubicBezTo>
+                      <a:pt x="176" y="6121"/>
+                      <a:pt x="162" y="5847"/>
+                      <a:pt x="147" y="5574"/>
+                    </a:cubicBezTo>
+                    <a:cubicBezTo>
+                      <a:pt x="133" y="5300"/>
+                      <a:pt x="120" y="5028"/>
+                      <a:pt x="106" y="4755"/>
+                    </a:cubicBezTo>
+                    <a:cubicBezTo>
+                      <a:pt x="95" y="4426"/>
+                      <a:pt x="85" y="4099"/>
+                      <a:pt x="74" y="3771"/>
+                    </a:cubicBezTo>
+                    <a:cubicBezTo>
+                      <a:pt x="64" y="3389"/>
+                      <a:pt x="54" y="3005"/>
+                      <a:pt x="44" y="2623"/>
+                    </a:cubicBezTo>
+                    <a:cubicBezTo>
+                      <a:pt x="36" y="2241"/>
+                      <a:pt x="29" y="1858"/>
+                      <a:pt x="21" y="1476"/>
+                    </a:cubicBezTo>
+                    <a:lnTo>
+                      <a:pt x="0" y="0"/>
+                    </a:lnTo>
+                    <a:close/>
+                  </a:path>
+                </a:pathLst>
+              </a:custGeom>
+              <a:gradFill rotWithShape="0">
+                <a:gsLst>
+                  <a:gs pos="0">
+                    <a:schemeClr val="bg1">
+                      <a:lumMod val="65000"/>
+                      <a:shade val="30000"/>
+                      <a:satMod val="115000"/>
+                    </a:schemeClr>
+                  </a:gs>
+                  <a:gs pos="27000">
+                    <a:schemeClr val="bg1">
+                      <a:lumMod val="75000"/>
+                    </a:schemeClr>
+                  </a:gs>
+                  <a:gs pos="48758">
+                    <a:schemeClr val="tx1">
+                      <a:lumMod val="50000"/>
+                      <a:lumOff val="50000"/>
+                    </a:schemeClr>
+                  </a:gs>
+                  <a:gs pos="73000">
+                    <a:schemeClr val="bg1">
+                      <a:lumMod val="75000"/>
+                    </a:schemeClr>
+                  </a:gs>
+                  <a:gs pos="100000">
+                    <a:schemeClr val="bg1">
+                      <a:lumMod val="50000"/>
+                    </a:schemeClr>
+                  </a:gs>
+                </a:gsLst>
+                <a:lin ang="0"/>
+              </a:gradFill>
+              <a:ln>
+                <a:noFill/>
+              </a:ln>
+            </p:spPr>
+            <p:style>
+              <a:lnRef idx="0">
+                <a:scrgbClr r="0" g="0" b="0"/>
+              </a:lnRef>
+              <a:fillRef idx="0">
+                <a:scrgbClr r="0" g="0" b="0"/>
+              </a:fillRef>
+              <a:effectRef idx="0">
+                <a:scrgbClr r="0" g="0" b="0"/>
+              </a:effectRef>
+              <a:fontRef idx="minor"/>
+            </p:style>
+          </p:sp>
+          <p:sp>
+            <p:nvSpPr>
+              <p:cNvPr id="1294" name="CustomShape 14"/>
+              <p:cNvSpPr/>
+              <p:nvPr/>
+            </p:nvSpPr>
+            <p:spPr>
+              <a:xfrm>
+                <a:off x="3658320" y="5096160"/>
+                <a:ext cx="165960" cy="165960"/>
+              </a:xfrm>
+              <a:custGeom>
+                <a:avLst/>
+                <a:gdLst/>
+                <a:ahLst/>
+                <a:cxnLst/>
+                <a:rect l="l" t="t" r="r" b="b"/>
+                <a:pathLst>
+                  <a:path w="109" h="109">
+                    <a:moveTo>
+                      <a:pt x="54" y="0"/>
+                    </a:moveTo>
+                    <a:lnTo>
+                      <a:pt x="66" y="1"/>
+                    </a:lnTo>
+                    <a:lnTo>
+                      <a:pt x="75" y="5"/>
+                    </a:lnTo>
+                    <a:lnTo>
+                      <a:pt x="84" y="9"/>
+                    </a:lnTo>
+                    <a:lnTo>
+                      <a:pt x="93" y="16"/>
+                    </a:lnTo>
+                    <a:lnTo>
+                      <a:pt x="100" y="24"/>
+                    </a:lnTo>
+                    <a:lnTo>
+                      <a:pt x="105" y="34"/>
+                    </a:lnTo>
+                    <a:lnTo>
+                      <a:pt x="108" y="44"/>
+                    </a:lnTo>
+                    <a:lnTo>
+                      <a:pt x="109" y="55"/>
+                    </a:lnTo>
+                    <a:lnTo>
+                      <a:pt x="108" y="66"/>
+                    </a:lnTo>
+                    <a:lnTo>
+                      <a:pt x="105" y="77"/>
+                    </a:lnTo>
+                    <a:lnTo>
+                      <a:pt x="100" y="86"/>
+                    </a:lnTo>
+                    <a:lnTo>
+                      <a:pt x="93" y="94"/>
+                    </a:lnTo>
+                    <a:lnTo>
+                      <a:pt x="84" y="100"/>
+                    </a:lnTo>
+                    <a:lnTo>
+                      <a:pt x="75" y="106"/>
+                    </a:lnTo>
+                    <a:lnTo>
+                      <a:pt x="66" y="109"/>
+                    </a:lnTo>
+                    <a:lnTo>
+                      <a:pt x="54" y="109"/>
+                    </a:lnTo>
+                    <a:lnTo>
+                      <a:pt x="43" y="109"/>
+                    </a:lnTo>
+                    <a:lnTo>
+                      <a:pt x="33" y="106"/>
+                    </a:lnTo>
+                    <a:lnTo>
+                      <a:pt x="24" y="100"/>
+                    </a:lnTo>
+                    <a:lnTo>
+                      <a:pt x="16" y="94"/>
+                    </a:lnTo>
+                    <a:lnTo>
+                      <a:pt x="9" y="86"/>
+                    </a:lnTo>
+                    <a:lnTo>
+                      <a:pt x="3" y="77"/>
+                    </a:lnTo>
+                    <a:lnTo>
+                      <a:pt x="1" y="66"/>
+                    </a:lnTo>
+                    <a:lnTo>
+                      <a:pt x="0" y="55"/>
+                    </a:lnTo>
+                    <a:lnTo>
+                      <a:pt x="1" y="44"/>
+                    </a:lnTo>
+                    <a:lnTo>
+                      <a:pt x="3" y="34"/>
+                    </a:lnTo>
+                    <a:lnTo>
+                      <a:pt x="9" y="24"/>
+                    </a:lnTo>
+                    <a:lnTo>
+                      <a:pt x="16" y="16"/>
+                    </a:lnTo>
+                    <a:lnTo>
+                      <a:pt x="24" y="9"/>
+                    </a:lnTo>
+                    <a:lnTo>
+                      <a:pt x="33" y="5"/>
+                    </a:lnTo>
+                    <a:lnTo>
+                      <a:pt x="43" y="1"/>
+                    </a:lnTo>
+                    <a:lnTo>
+                      <a:pt x="54" y="0"/>
+                    </a:lnTo>
+                    <a:close/>
+                  </a:path>
+                </a:pathLst>
+              </a:custGeom>
+              <a:gradFill rotWithShape="0">
+                <a:gsLst>
+                  <a:gs pos="11000">
+                    <a:srgbClr val="003366"/>
+                  </a:gs>
+                  <a:gs pos="55000">
+                    <a:srgbClr val="3FADFF"/>
+                  </a:gs>
+                  <a:gs pos="92000">
+                    <a:srgbClr val="003366"/>
+                  </a:gs>
+                </a:gsLst>
+                <a:lin ang="16200000"/>
+              </a:gradFill>
+              <a:ln>
+                <a:noFill/>
+              </a:ln>
+            </p:spPr>
+            <p:style>
+              <a:lnRef idx="0">
+                <a:scrgbClr r="0" g="0" b="0"/>
+              </a:lnRef>
+              <a:fillRef idx="0">
+                <a:scrgbClr r="0" g="0" b="0"/>
+              </a:fillRef>
+              <a:effectRef idx="0">
+                <a:scrgbClr r="0" g="0" b="0"/>
+              </a:effectRef>
+              <a:fontRef idx="minor"/>
+            </p:style>
+          </p:sp>
+          <p:sp>
+            <p:nvSpPr>
+              <p:cNvPr id="1295" name="CustomShape 15"/>
+              <p:cNvSpPr/>
+              <p:nvPr/>
+            </p:nvSpPr>
+            <p:spPr>
+              <a:xfrm>
+                <a:off x="3686040" y="5123880"/>
+                <a:ext cx="110520" cy="110520"/>
+              </a:xfrm>
+              <a:custGeom>
+                <a:avLst/>
+                <a:gdLst/>
+                <a:ahLst/>
+                <a:cxnLst/>
+                <a:rect l="l" t="t" r="r" b="b"/>
+                <a:pathLst>
+                  <a:path w="91" h="91">
+                    <a:moveTo>
+                      <a:pt x="45" y="0"/>
+                    </a:moveTo>
+                    <a:lnTo>
+                      <a:pt x="55" y="2"/>
+                    </a:lnTo>
+                    <a:lnTo>
+                      <a:pt x="63" y="4"/>
+                    </a:lnTo>
+                    <a:lnTo>
+                      <a:pt x="71" y="8"/>
+                    </a:lnTo>
+                    <a:lnTo>
+                      <a:pt x="78" y="14"/>
+                    </a:lnTo>
+                    <a:lnTo>
+                      <a:pt x="82" y="20"/>
+                    </a:lnTo>
+                    <a:lnTo>
+                      <a:pt x="87" y="28"/>
+                    </a:lnTo>
+                    <a:lnTo>
+                      <a:pt x="89" y="36"/>
+                    </a:lnTo>
+                    <a:lnTo>
+                      <a:pt x="91" y="46"/>
+                    </a:lnTo>
+                    <a:lnTo>
+                      <a:pt x="89" y="55"/>
+                    </a:lnTo>
+                    <a:lnTo>
+                      <a:pt x="87" y="63"/>
+                    </a:lnTo>
+                    <a:lnTo>
+                      <a:pt x="82" y="71"/>
+                    </a:lnTo>
+                    <a:lnTo>
+                      <a:pt x="78" y="78"/>
+                    </a:lnTo>
+                    <a:lnTo>
+                      <a:pt x="71" y="84"/>
+                    </a:lnTo>
+                    <a:lnTo>
+                      <a:pt x="63" y="87"/>
+                    </a:lnTo>
+                    <a:lnTo>
+                      <a:pt x="55" y="90"/>
+                    </a:lnTo>
+                    <a:lnTo>
+                      <a:pt x="45" y="91"/>
+                    </a:lnTo>
+                    <a:lnTo>
+                      <a:pt x="36" y="90"/>
+                    </a:lnTo>
+                    <a:lnTo>
+                      <a:pt x="28" y="87"/>
+                    </a:lnTo>
+                    <a:lnTo>
+                      <a:pt x="20" y="84"/>
+                    </a:lnTo>
+                    <a:lnTo>
+                      <a:pt x="13" y="78"/>
+                    </a:lnTo>
+                    <a:lnTo>
+                      <a:pt x="8" y="71"/>
+                    </a:lnTo>
+                    <a:lnTo>
+                      <a:pt x="4" y="63"/>
+                    </a:lnTo>
+                    <a:lnTo>
+                      <a:pt x="1" y="55"/>
+                    </a:lnTo>
+                    <a:lnTo>
+                      <a:pt x="0" y="46"/>
+                    </a:lnTo>
+                    <a:lnTo>
+                      <a:pt x="1" y="36"/>
+                    </a:lnTo>
+                    <a:lnTo>
+                      <a:pt x="4" y="28"/>
+                    </a:lnTo>
+                    <a:lnTo>
+                      <a:pt x="8" y="20"/>
+                    </a:lnTo>
+                    <a:lnTo>
+                      <a:pt x="13" y="14"/>
+                    </a:lnTo>
+                    <a:lnTo>
+                      <a:pt x="20" y="8"/>
+                    </a:lnTo>
+                    <a:lnTo>
+                      <a:pt x="28" y="4"/>
+                    </a:lnTo>
+                    <a:lnTo>
+                      <a:pt x="36" y="2"/>
+                    </a:lnTo>
+                    <a:lnTo>
+                      <a:pt x="45" y="0"/>
+                    </a:lnTo>
+                    <a:close/>
+                  </a:path>
+                </a:pathLst>
+              </a:custGeom>
+              <a:solidFill>
+                <a:schemeClr val="tx1"/>
+              </a:solidFill>
+              <a:ln>
+                <a:noFill/>
+              </a:ln>
+            </p:spPr>
+            <p:style>
+              <a:lnRef idx="0">
+                <a:scrgbClr r="0" g="0" b="0"/>
+              </a:lnRef>
+              <a:fillRef idx="0">
+                <a:scrgbClr r="0" g="0" b="0"/>
+              </a:fillRef>
+              <a:effectRef idx="0">
+                <a:scrgbClr r="0" g="0" b="0"/>
+              </a:effectRef>
+              <a:fontRef idx="minor"/>
+            </p:style>
+          </p:sp>
+          <p:sp>
+            <p:nvSpPr>
+              <p:cNvPr id="1296" name="CustomShape 16"/>
+              <p:cNvSpPr/>
+              <p:nvPr/>
+            </p:nvSpPr>
+            <p:spPr>
+              <a:xfrm>
+                <a:off x="2441160" y="5222520"/>
+                <a:ext cx="504000" cy="82440"/>
+              </a:xfrm>
+              <a:prstGeom prst="rect">
+                <a:avLst/>
+              </a:prstGeom>
+              <a:gradFill rotWithShape="0">
+                <a:gsLst>
+                  <a:gs pos="0">
+                    <a:schemeClr val="bg1">
+                      <a:lumMod val="65000"/>
+                    </a:schemeClr>
+                  </a:gs>
+                  <a:gs pos="55000">
+                    <a:schemeClr val="bg1">
+                      <a:lumMod val="85000"/>
+                    </a:schemeClr>
+                  </a:gs>
+                  <a:gs pos="100000">
+                    <a:schemeClr val="bg1">
+                      <a:lumMod val="65000"/>
+                    </a:schemeClr>
+                  </a:gs>
+                </a:gsLst>
+                <a:lin ang="0"/>
+              </a:gradFill>
+              <a:ln>
+                <a:noFill/>
+              </a:ln>
+            </p:spPr>
+            <p:style>
+              <a:lnRef idx="0">
+                <a:scrgbClr r="0" g="0" b="0"/>
+              </a:lnRef>
+              <a:fillRef idx="0">
+                <a:scrgbClr r="0" g="0" b="0"/>
+              </a:fillRef>
+              <a:effectRef idx="0">
+                <a:scrgbClr r="0" g="0" b="0"/>
+              </a:effectRef>
+              <a:fontRef idx="minor"/>
+            </p:style>
+          </p:sp>
+          <p:sp>
+            <p:nvSpPr>
+              <p:cNvPr id="1297" name="CustomShape 17"/>
+              <p:cNvSpPr/>
+              <p:nvPr/>
+            </p:nvSpPr>
+            <p:spPr>
+              <a:xfrm>
+                <a:off x="4590000" y="5222520"/>
+                <a:ext cx="497160" cy="82440"/>
+              </a:xfrm>
+              <a:prstGeom prst="rect">
+                <a:avLst/>
+              </a:prstGeom>
+              <a:gradFill rotWithShape="0">
+                <a:gsLst>
+                  <a:gs pos="0">
+                    <a:schemeClr val="bg1">
+                      <a:lumMod val="65000"/>
+                    </a:schemeClr>
+                  </a:gs>
+                  <a:gs pos="55000">
+                    <a:schemeClr val="bg1">
+                      <a:lumMod val="85000"/>
+                    </a:schemeClr>
+                  </a:gs>
+                  <a:gs pos="100000">
+                    <a:schemeClr val="bg1">
+                      <a:lumMod val="65000"/>
+                    </a:schemeClr>
+                  </a:gs>
+                </a:gsLst>
+                <a:lin ang="0"/>
+              </a:gradFill>
+              <a:ln>
+                <a:noFill/>
+              </a:ln>
+            </p:spPr>
+            <p:style>
+              <a:lnRef idx="0">
+                <a:scrgbClr r="0" g="0" b="0"/>
+              </a:lnRef>
+              <a:fillRef idx="0">
+                <a:scrgbClr r="0" g="0" b="0"/>
+              </a:fillRef>
+              <a:effectRef idx="0">
+                <a:scrgbClr r="0" g="0" b="0"/>
+              </a:effectRef>
+              <a:fontRef idx="minor"/>
+            </p:style>
+          </p:sp>
+          <p:sp>
+            <p:nvSpPr>
+              <p:cNvPr id="1298" name="CustomShape 18"/>
+              <p:cNvSpPr/>
+              <p:nvPr/>
+            </p:nvSpPr>
+            <p:spPr>
+              <a:xfrm>
+                <a:off x="1397880" y="5388480"/>
+                <a:ext cx="4794480" cy="220680"/>
+              </a:xfrm>
+              <a:custGeom>
+                <a:avLst/>
+                <a:gdLst/>
+                <a:ahLst/>
+                <a:cxnLst/>
+                <a:rect l="l" t="t" r="r" b="b"/>
+                <a:pathLst>
+                  <a:path w="2778" h="128">
+                    <a:moveTo>
+                      <a:pt x="109" y="0"/>
+                    </a:moveTo>
+                    <a:lnTo>
+                      <a:pt x="2644" y="0"/>
+                    </a:lnTo>
+                    <a:lnTo>
+                      <a:pt x="2778" y="128"/>
+                    </a:lnTo>
+                    <a:lnTo>
+                      <a:pt x="0" y="128"/>
+                    </a:lnTo>
+                    <a:lnTo>
+                      <a:pt x="109" y="0"/>
+                    </a:lnTo>
+                    <a:close/>
+                  </a:path>
+                </a:pathLst>
+              </a:custGeom>
+              <a:gradFill rotWithShape="0">
+                <a:gsLst>
+                  <a:gs pos="0">
+                    <a:schemeClr val="tx1">
+                      <a:lumMod val="85000"/>
+                      <a:lumOff val="15000"/>
+                    </a:schemeClr>
+                  </a:gs>
+                  <a:gs pos="100000">
+                    <a:schemeClr val="tx1">
+                      <a:lumMod val="65000"/>
+                      <a:lumOff val="35000"/>
+                    </a:schemeClr>
+                  </a:gs>
+                </a:gsLst>
+                <a:lin ang="5400000"/>
+              </a:gradFill>
+              <a:ln>
+                <a:noFill/>
+              </a:ln>
+            </p:spPr>
+            <p:style>
+              <a:lnRef idx="0">
+                <a:scrgbClr r="0" g="0" b="0"/>
+              </a:lnRef>
+              <a:fillRef idx="0">
+                <a:scrgbClr r="0" g="0" b="0"/>
+              </a:fillRef>
+              <a:effectRef idx="0">
+                <a:scrgbClr r="0" g="0" b="0"/>
+              </a:effectRef>
+              <a:fontRef idx="minor"/>
+            </p:style>
+          </p:sp>
+          <p:sp>
+            <p:nvSpPr>
+              <p:cNvPr id="1299" name="CustomShape 19"/>
+              <p:cNvSpPr/>
+              <p:nvPr/>
+            </p:nvSpPr>
+            <p:spPr>
+              <a:xfrm>
+                <a:off x="838080" y="5775120"/>
+                <a:ext cx="5872320" cy="96480"/>
+              </a:xfrm>
+              <a:custGeom>
+                <a:avLst/>
+                <a:gdLst/>
+                <a:ahLst/>
+                <a:cxnLst/>
+                <a:rect l="l" t="t" r="r" b="b"/>
+                <a:pathLst>
+                  <a:path w="3402" h="58">
+                    <a:moveTo>
+                      <a:pt x="28" y="0"/>
+                    </a:moveTo>
+                    <a:lnTo>
+                      <a:pt x="3374" y="0"/>
+                    </a:lnTo>
+                    <a:lnTo>
+                      <a:pt x="3380" y="1"/>
+                    </a:lnTo>
+                    <a:lnTo>
+                      <a:pt x="3385" y="2"/>
+                    </a:lnTo>
+                    <a:lnTo>
+                      <a:pt x="3391" y="5"/>
+                    </a:lnTo>
+                    <a:lnTo>
+                      <a:pt x="3394" y="9"/>
+                    </a:lnTo>
+                    <a:lnTo>
+                      <a:pt x="3398" y="12"/>
+                    </a:lnTo>
+                    <a:lnTo>
+                      <a:pt x="3401" y="17"/>
+                    </a:lnTo>
+                    <a:lnTo>
+                      <a:pt x="3402" y="23"/>
+                    </a:lnTo>
+                    <a:lnTo>
+                      <a:pt x="3402" y="29"/>
+                    </a:lnTo>
+                    <a:lnTo>
+                      <a:pt x="3402" y="29"/>
+                    </a:lnTo>
+                    <a:lnTo>
+                      <a:pt x="3402" y="34"/>
+                    </a:lnTo>
+                    <a:lnTo>
+                      <a:pt x="3401" y="40"/>
+                    </a:lnTo>
+                    <a:lnTo>
+                      <a:pt x="3398" y="45"/>
+                    </a:lnTo>
+                    <a:lnTo>
+                      <a:pt x="3394" y="48"/>
+                    </a:lnTo>
+                    <a:lnTo>
+                      <a:pt x="3391" y="52"/>
+                    </a:lnTo>
+                    <a:lnTo>
+                      <a:pt x="3385" y="55"/>
+                    </a:lnTo>
+                    <a:lnTo>
+                      <a:pt x="3380" y="56"/>
+                    </a:lnTo>
+                    <a:lnTo>
+                      <a:pt x="3374" y="58"/>
+                    </a:lnTo>
+                    <a:lnTo>
+                      <a:pt x="28" y="58"/>
+                    </a:lnTo>
+                    <a:lnTo>
+                      <a:pt x="22" y="56"/>
+                    </a:lnTo>
+                    <a:lnTo>
+                      <a:pt x="17" y="55"/>
+                    </a:lnTo>
+                    <a:lnTo>
+                      <a:pt x="13" y="52"/>
+                    </a:lnTo>
+                    <a:lnTo>
+                      <a:pt x="8" y="48"/>
+                    </a:lnTo>
+                    <a:lnTo>
+                      <a:pt x="5" y="45"/>
+                    </a:lnTo>
+                    <a:lnTo>
+                      <a:pt x="2" y="40"/>
+                    </a:lnTo>
+                    <a:lnTo>
+                      <a:pt x="0" y="34"/>
+                    </a:lnTo>
+                    <a:lnTo>
+                      <a:pt x="0" y="29"/>
+                    </a:lnTo>
+                    <a:lnTo>
+                      <a:pt x="0" y="29"/>
+                    </a:lnTo>
+                    <a:lnTo>
+                      <a:pt x="0" y="23"/>
+                    </a:lnTo>
+                    <a:lnTo>
+                      <a:pt x="2" y="17"/>
+                    </a:lnTo>
+                    <a:lnTo>
+                      <a:pt x="5" y="12"/>
+                    </a:lnTo>
+                    <a:lnTo>
+                      <a:pt x="8" y="9"/>
+                    </a:lnTo>
+                    <a:lnTo>
+                      <a:pt x="13" y="5"/>
+                    </a:lnTo>
+                    <a:lnTo>
+                      <a:pt x="17" y="2"/>
+                    </a:lnTo>
+                    <a:lnTo>
+                      <a:pt x="22" y="1"/>
+                    </a:lnTo>
+                    <a:lnTo>
+                      <a:pt x="28" y="0"/>
+                    </a:lnTo>
+                    <a:close/>
+                  </a:path>
+                </a:pathLst>
+              </a:custGeom>
+              <a:solidFill>
+                <a:schemeClr val="bg1"/>
+              </a:solidFill>
+              <a:ln>
+                <a:noFill/>
+              </a:ln>
+            </p:spPr>
+            <p:style>
+              <a:lnRef idx="0">
+                <a:scrgbClr r="0" g="0" b="0"/>
+              </a:lnRef>
+              <a:fillRef idx="0">
+                <a:scrgbClr r="0" g="0" b="0"/>
+              </a:fillRef>
+              <a:effectRef idx="0">
+                <a:scrgbClr r="0" g="0" b="0"/>
+              </a:effectRef>
+              <a:fontRef idx="minor"/>
+            </p:style>
+          </p:sp>
+          <p:sp>
+            <p:nvSpPr>
+              <p:cNvPr id="1300" name="CustomShape 20"/>
+              <p:cNvSpPr/>
+              <p:nvPr/>
+            </p:nvSpPr>
+            <p:spPr>
+              <a:xfrm>
+                <a:off x="3145680" y="5647320"/>
+                <a:ext cx="1257120" cy="192960"/>
+              </a:xfrm>
+              <a:custGeom>
+                <a:avLst/>
+                <a:gdLst/>
+                <a:ahLst/>
+                <a:cxnLst/>
+                <a:rect l="l" t="t" r="r" b="b"/>
+                <a:pathLst>
+                  <a:path w="731" h="69">
+                    <a:moveTo>
+                      <a:pt x="9" y="0"/>
+                    </a:moveTo>
+                    <a:lnTo>
+                      <a:pt x="717" y="0"/>
+                    </a:lnTo>
+                    <a:lnTo>
+                      <a:pt x="731" y="69"/>
+                    </a:lnTo>
+                    <a:lnTo>
+                      <a:pt x="0" y="67"/>
+                    </a:lnTo>
+                    <a:lnTo>
+                      <a:pt x="9" y="0"/>
+                    </a:lnTo>
+                    <a:close/>
+                  </a:path>
+                </a:pathLst>
+              </a:custGeom>
+              <a:solidFill>
+                <a:schemeClr val="bg1">
+                  <a:lumMod val="75000"/>
+                </a:schemeClr>
+              </a:solidFill>
+              <a:ln>
+                <a:noFill/>
+              </a:ln>
+            </p:spPr>
+            <p:style>
+              <a:lnRef idx="0">
+                <a:scrgbClr r="0" g="0" b="0"/>
+              </a:lnRef>
+              <a:fillRef idx="0">
+                <a:scrgbClr r="0" g="0" b="0"/>
+              </a:fillRef>
+              <a:effectRef idx="0">
+                <a:scrgbClr r="0" g="0" b="0"/>
+              </a:effectRef>
+              <a:fontRef idx="minor"/>
+            </p:style>
+          </p:sp>
+        </p:grpSp>
+        <p:sp>
+          <p:nvSpPr>
+            <p:cNvPr id="1301" name="CustomShape 21"/>
+            <p:cNvSpPr/>
+            <p:nvPr/>
+          </p:nvSpPr>
+          <p:spPr>
+            <a:xfrm>
+              <a:off x="3863520" y="1843920"/>
+              <a:ext cx="2344320" cy="2886840"/>
+            </a:xfrm>
+            <a:custGeom>
+              <a:avLst/>
+              <a:gdLst/>
+              <a:ahLst/>
+              <a:cxnLst/>
+              <a:rect l="l" t="t" r="r" b="b"/>
+              <a:pathLst>
+                <a:path w="1997203" h="2758884">
+                  <a:moveTo>
+                    <a:pt x="1147198" y="1170"/>
+                  </a:moveTo>
+                  <a:lnTo>
+                    <a:pt x="1836097" y="1170"/>
+                  </a:lnTo>
+                  <a:cubicBezTo>
+                    <a:pt x="1935898" y="-10973"/>
+                    <a:pt x="1997203" y="73300"/>
+                    <a:pt x="1997203" y="162276"/>
+                  </a:cubicBezTo>
+                  <a:lnTo>
+                    <a:pt x="1997203" y="2758884"/>
+                  </a:lnTo>
+                  <a:lnTo>
+                    <a:pt x="1997203" y="2758884"/>
+                  </a:lnTo>
+                  <a:lnTo>
+                    <a:pt x="0" y="2733484"/>
+                  </a:lnTo>
+                  <a:lnTo>
+                    <a:pt x="1147198" y="1170"/>
+                  </a:lnTo>
+                  <a:close/>
+                </a:path>
+              </a:pathLst>
+            </a:custGeom>
+            <a:gradFill rotWithShape="0">
+              <a:gsLst>
+                <a:gs pos="21000">
+                  <a:schemeClr val="bg1">
+                    <a:alpha val="1000"/>
+                  </a:schemeClr>
+                </a:gs>
+                <a:gs pos="100000">
+                  <a:schemeClr val="bg1">
+                    <a:alpha val="30000"/>
+                  </a:schemeClr>
+                </a:gs>
+              </a:gsLst>
+              <a:lin ang="16200000"/>
+            </a:gradFill>
+            <a:ln>
+              <a:noFill/>
+            </a:ln>
+          </p:spPr>
+          <p:style>
+            <a:lnRef idx="2">
+              <a:schemeClr val="accent1">
+                <a:shade val="50000"/>
+              </a:schemeClr>
+            </a:lnRef>
+            <a:fillRef idx="1">
+              <a:schemeClr val="accent1"/>
+            </a:fillRef>
+            <a:effectRef idx="0">
+              <a:schemeClr val="accent1"/>
+            </a:effectRef>
+            <a:fontRef idx="minor"/>
+          </p:style>
+        </p:sp>
+      </p:grpSp>
+      <p:sp>
+        <p:nvSpPr>
+          <p:cNvPr id="1320" name="CustomShape 40"/>
+          <p:cNvSpPr/>
+          <p:nvPr/>
+        </p:nvSpPr>
+        <p:spPr>
+          <a:xfrm>
+            <a:off x="6477480" y="2943720"/>
+            <a:ext cx="4831200" cy="153888"/>
+          </a:xfrm>
+          <a:prstGeom prst="rect">
+            <a:avLst/>
+          </a:prstGeom>
+          <a:noFill/>
+          <a:ln w="6480">
+            <a:noFill/>
+          </a:ln>
+        </p:spPr>
+        <p:style>
+          <a:lnRef idx="0">
+            <a:scrgbClr r="0" g="0" b="0"/>
+          </a:lnRef>
+          <a:fillRef idx="0">
+            <a:scrgbClr r="0" g="0" b="0"/>
+          </a:fillRef>
+          <a:effectRef idx="0">
+            <a:scrgbClr r="0" g="0" b="0"/>
+          </a:effectRef>
+          <a:fontRef idx="minor"/>
+        </p:style>
+        <p:txBody>
+          <a:bodyPr lIns="0" tIns="0" rIns="0" bIns="0">
+            <a:spAutoFit/>
+          </a:bodyPr>
+          <a:lstStyle/>
+          <a:p>
+            <a:pPr>
+              <a:lnSpc>
+                <a:spcPct val="100000"/>
+              </a:lnSpc>
+            </a:pPr>
+            <a:r>
+              <a:rPr lang="en-GB" sz="1000" b="0" strike="noStrike" spc="-1" dirty="0" smtClean="0">
+                <a:solidFill>
+                  <a:srgbClr val="000000"/>
+                </a:solidFill>
+                <a:latin typeface="Calibri Light"/>
+              </a:rPr>
+              <a:t>.</a:t>
+            </a:r>
+            <a:endParaRPr lang="en-GB" sz="1000" b="0" strike="noStrike" spc="-1" dirty="0">
+              <a:latin typeface="Arial"/>
+            </a:endParaRPr>
+          </a:p>
+        </p:txBody>
+      </p:sp>
+      <p:sp>
+        <p:nvSpPr>
+          <p:cNvPr id="112" name="CustomShape 2"/>
+          <p:cNvSpPr/>
+          <p:nvPr/>
+        </p:nvSpPr>
+        <p:spPr>
+          <a:xfrm>
+            <a:off x="0" y="6775560"/>
+            <a:ext cx="2659680" cy="82080"/>
+          </a:xfrm>
+          <a:prstGeom prst="rect">
+            <a:avLst/>
+          </a:prstGeom>
+          <a:solidFill>
+            <a:srgbClr val="FFBE00"/>
+          </a:solidFill>
+          <a:ln>
+            <a:noFill/>
+          </a:ln>
+        </p:spPr>
+        <p:style>
+          <a:lnRef idx="2">
+            <a:schemeClr val="accent1">
+              <a:shade val="50000"/>
+            </a:schemeClr>
+          </a:lnRef>
+          <a:fillRef idx="1">
+            <a:schemeClr val="accent1"/>
+          </a:fillRef>
+          <a:effectRef idx="0">
+            <a:schemeClr val="accent1"/>
+          </a:effectRef>
+          <a:fontRef idx="minor"/>
+        </p:style>
+      </p:sp>
+      <p:sp>
+        <p:nvSpPr>
+          <p:cNvPr id="113" name="CustomShape 3"/>
+          <p:cNvSpPr/>
+          <p:nvPr/>
+        </p:nvSpPr>
+        <p:spPr>
+          <a:xfrm>
+            <a:off x="2802060" y="6762119"/>
+            <a:ext cx="6587640" cy="108360"/>
+          </a:xfrm>
+          <a:prstGeom prst="rect">
+            <a:avLst/>
+          </a:prstGeom>
+          <a:solidFill>
+            <a:srgbClr val="1C819E"/>
+          </a:solidFill>
+          <a:ln>
+            <a:noFill/>
+          </a:ln>
+        </p:spPr>
+        <p:style>
+          <a:lnRef idx="2">
+            <a:schemeClr val="accent1">
+              <a:shade val="50000"/>
+            </a:schemeClr>
+          </a:lnRef>
+          <a:fillRef idx="1">
+            <a:schemeClr val="accent1"/>
+          </a:fillRef>
+          <a:effectRef idx="0">
+            <a:schemeClr val="accent1"/>
+          </a:effectRef>
+          <a:fontRef idx="minor"/>
+        </p:style>
+      </p:sp>
+      <p:sp>
+        <p:nvSpPr>
+          <p:cNvPr id="114" name="CustomShape 4"/>
+          <p:cNvSpPr/>
+          <p:nvPr/>
+        </p:nvSpPr>
+        <p:spPr>
+          <a:xfrm>
+            <a:off x="9532080" y="6775560"/>
+            <a:ext cx="2659680" cy="82080"/>
+          </a:xfrm>
+          <a:prstGeom prst="rect">
+            <a:avLst/>
+          </a:prstGeom>
+          <a:solidFill>
+            <a:srgbClr val="FFBE00"/>
+          </a:solidFill>
+          <a:ln>
+            <a:noFill/>
+          </a:ln>
+        </p:spPr>
+        <p:style>
+          <a:lnRef idx="2">
+            <a:schemeClr val="accent1">
+              <a:shade val="50000"/>
+            </a:schemeClr>
+          </a:lnRef>
+          <a:fillRef idx="1">
+            <a:schemeClr val="accent1"/>
+          </a:fillRef>
+          <a:effectRef idx="0">
+            <a:schemeClr val="accent1"/>
+          </a:effectRef>
+          <a:fontRef idx="minor"/>
+        </p:style>
+      </p:sp>
+      <p:sp>
+        <p:nvSpPr>
+          <p:cNvPr id="115" name="TextShape 58"/>
+          <p:cNvSpPr txBox="1"/>
+          <p:nvPr/>
+        </p:nvSpPr>
+        <p:spPr>
+          <a:xfrm>
+            <a:off x="838080" y="6356520"/>
+            <a:ext cx="2742840" cy="364680"/>
+          </a:xfrm>
+          <a:prstGeom prst="rect">
+            <a:avLst/>
+          </a:prstGeom>
+          <a:noFill/>
+          <a:ln>
+            <a:noFill/>
+          </a:ln>
+        </p:spPr>
+        <p:txBody>
+          <a:bodyPr anchor="ctr">
+            <a:noAutofit/>
+          </a:bodyPr>
+          <a:lstStyle/>
+          <a:p>
+            <a:pPr>
+              <a:lnSpc>
+                <a:spcPct val="100000"/>
+              </a:lnSpc>
+            </a:pPr>
+            <a:fld id="{DFF7870E-DFBF-4CB7-A3F6-DA1E038144F0}" type="datetime1">
+              <a:rPr lang="en-GB" sz="1200" b="0" strike="noStrike" spc="-1">
+                <a:solidFill>
+                  <a:srgbClr val="8B8B8B"/>
+                </a:solidFill>
+                <a:latin typeface="Segoe UI"/>
+              </a:rPr>
+              <a:t>30/04/2019</a:t>
+            </a:fld>
+            <a:endParaRPr lang="en-GB" sz="1200" b="0" strike="noStrike" spc="-1">
+              <a:latin typeface="Times New Roman"/>
+            </a:endParaRPr>
+          </a:p>
+        </p:txBody>
+      </p:sp>
+      <p:sp>
+        <p:nvSpPr>
+          <p:cNvPr id="116" name="TextShape 59"/>
+          <p:cNvSpPr txBox="1"/>
+          <p:nvPr/>
+        </p:nvSpPr>
+        <p:spPr>
+          <a:xfrm>
+            <a:off x="8610480" y="6356520"/>
+            <a:ext cx="2742840" cy="364680"/>
+          </a:xfrm>
+          <a:prstGeom prst="rect">
+            <a:avLst/>
+          </a:prstGeom>
+          <a:noFill/>
+          <a:ln>
+            <a:noFill/>
+          </a:ln>
+        </p:spPr>
+        <p:txBody>
+          <a:bodyPr anchor="ctr">
+            <a:noAutofit/>
+          </a:bodyPr>
+          <a:lstStyle/>
+          <a:p>
+            <a:pPr algn="r">
+              <a:lnSpc>
+                <a:spcPct val="100000"/>
+              </a:lnSpc>
+            </a:pPr>
+            <a:fld id="{C6C43D75-D78C-4E45-AD84-28E61FB19D78}" type="slidenum">
+              <a:rPr lang="en-GB" sz="1200" b="0" strike="noStrike" spc="-1">
+                <a:solidFill>
+                  <a:srgbClr val="8B8B8B"/>
+                </a:solidFill>
+                <a:latin typeface="Segoe UI"/>
+              </a:rPr>
+              <a:t>17</a:t>
+            </a:fld>
+            <a:endParaRPr lang="en-GB" sz="1200" b="0" strike="noStrike" spc="-1" dirty="0">
+              <a:latin typeface="Times New Roman"/>
+            </a:endParaRPr>
+          </a:p>
+        </p:txBody>
+      </p:sp>
+      <p:sp>
+        <p:nvSpPr>
+          <p:cNvPr id="122" name="CustomShape 4"/>
+          <p:cNvSpPr/>
+          <p:nvPr/>
+        </p:nvSpPr>
+        <p:spPr>
+          <a:xfrm>
+            <a:off x="558720" y="514800"/>
+            <a:ext cx="11073960" cy="549000"/>
+          </a:xfrm>
+          <a:prstGeom prst="rect">
+            <a:avLst/>
+          </a:prstGeom>
+          <a:noFill/>
+          <a:ln>
+            <a:noFill/>
+          </a:ln>
+        </p:spPr>
+        <p:style>
+          <a:lnRef idx="0">
+            <a:scrgbClr r="0" g="0" b="0"/>
+          </a:lnRef>
+          <a:fillRef idx="0">
+            <a:scrgbClr r="0" g="0" b="0"/>
+          </a:fillRef>
+          <a:effectRef idx="0">
+            <a:scrgbClr r="0" g="0" b="0"/>
+          </a:effectRef>
+          <a:fontRef idx="minor"/>
+        </p:style>
+        <p:txBody>
+          <a:bodyPr lIns="0" tIns="0" rIns="0" bIns="0">
+            <a:spAutoFit/>
+          </a:bodyPr>
+          <a:lstStyle/>
+          <a:p>
+            <a:pPr algn="ctr">
+              <a:lnSpc>
+                <a:spcPct val="100000"/>
+              </a:lnSpc>
+            </a:pPr>
+            <a:r>
+              <a:rPr lang="en-GB" sz="3600" b="1" spc="-1" dirty="0" smtClean="0">
+                <a:solidFill>
+                  <a:srgbClr val="FFC000"/>
+                </a:solidFill>
+                <a:latin typeface="Century Gothic"/>
+                <a:ea typeface="Segoe UI Black"/>
+              </a:rPr>
+              <a:t>SITE WEB  </a:t>
+            </a:r>
+            <a:endParaRPr lang="en-GB" sz="3600" b="0" strike="noStrike" spc="-1" dirty="0">
+              <a:solidFill>
+                <a:srgbClr val="FFC000"/>
+              </a:solidFill>
+              <a:latin typeface="Arial"/>
+            </a:endParaRPr>
+          </a:p>
+        </p:txBody>
+      </p:sp>
+      <p:pic>
+        <p:nvPicPr>
+          <p:cNvPr id="2" name="Image 1"/>
+          <p:cNvPicPr>
+            <a:picLocks noChangeAspect="1"/>
+          </p:cNvPicPr>
+          <p:nvPr/>
+        </p:nvPicPr>
+        <p:blipFill>
+          <a:blip r:embed="rId3" cstate="print">
+            <a:extLst>
+              <a:ext uri="{28A0092B-C50C-407E-A947-70E740481C1C}">
+                <a14:useLocalDpi xmlns:a14="http://schemas.microsoft.com/office/drawing/2010/main" val="0"/>
+              </a:ext>
+            </a:extLst>
+          </a:blip>
+          <a:stretch>
+            <a:fillRect/>
+          </a:stretch>
+        </p:blipFill>
+        <p:spPr>
+          <a:xfrm>
+            <a:off x="1433880" y="1963440"/>
+            <a:ext cx="4655160" cy="3113280"/>
+          </a:xfrm>
+          <a:prstGeom prst="rect">
+            <a:avLst/>
+          </a:prstGeom>
+          <a:ln>
+            <a:noFill/>
+          </a:ln>
+          <a:effectLst>
+            <a:outerShdw blurRad="292100" dist="139700" dir="2700000" algn="tl" rotWithShape="0">
+              <a:srgbClr val="333333">
+                <a:alpha val="65000"/>
+              </a:srgbClr>
+            </a:outerShdw>
+          </a:effectLst>
+        </p:spPr>
+      </p:pic>
+      <p:sp>
+        <p:nvSpPr>
+          <p:cNvPr id="91" name="CustomShape 26"/>
+          <p:cNvSpPr/>
+          <p:nvPr/>
+        </p:nvSpPr>
+        <p:spPr>
+          <a:xfrm>
+            <a:off x="6757111" y="3150372"/>
+            <a:ext cx="2966221" cy="553998"/>
+          </a:xfrm>
+          <a:prstGeom prst="rect">
+            <a:avLst/>
+          </a:prstGeom>
+          <a:noFill/>
+          <a:ln>
+            <a:noFill/>
+          </a:ln>
+        </p:spPr>
+        <p:style>
+          <a:lnRef idx="0">
+            <a:scrgbClr r="0" g="0" b="0"/>
+          </a:lnRef>
+          <a:fillRef idx="0">
+            <a:scrgbClr r="0" g="0" b="0"/>
+          </a:fillRef>
+          <a:effectRef idx="0">
+            <a:scrgbClr r="0" g="0" b="0"/>
+          </a:effectRef>
+          <a:fontRef idx="minor"/>
+        </p:style>
+        <p:txBody>
+          <a:bodyPr wrap="square" lIns="0" tIns="0" rIns="0" bIns="0" anchor="ctr">
+            <a:spAutoFit/>
+          </a:bodyPr>
+          <a:lstStyle/>
+          <a:p>
+            <a:pPr>
+              <a:lnSpc>
+                <a:spcPct val="100000"/>
+              </a:lnSpc>
+            </a:pPr>
+            <a:r>
+              <a:rPr lang="en-GB" sz="3600" b="1" spc="-1" dirty="0" smtClean="0">
+                <a:solidFill>
+                  <a:srgbClr val="404040"/>
+                </a:solidFill>
+                <a:latin typeface="Century Gothic" panose="020B0502020202020204" pitchFamily="34" charset="0"/>
+                <a:ea typeface="Segoe UI Black"/>
+              </a:rPr>
+              <a:t>LIVE DEMO </a:t>
+            </a:r>
+            <a:endParaRPr lang="en-GB" sz="3600" b="0" strike="noStrike" spc="-1" dirty="0">
+              <a:latin typeface="Century Gothic" panose="020B0502020202020204" pitchFamily="34" charset="0"/>
+            </a:endParaRPr>
+          </a:p>
+        </p:txBody>
+      </p:sp>
+    </p:spTree>
+    <p:extLst>
+      <p:ext uri="{BB962C8B-B14F-4D97-AF65-F5344CB8AC3E}">
+        <p14:creationId xmlns:p14="http://schemas.microsoft.com/office/powerpoint/2010/main" val="3836972120"/>
+      </p:ext>
+    </p:extLst>
+  </p:cSld>
+  <p:clrMapOvr>
+    <a:masterClrMapping/>
+  </p:clrMapOvr>
+  <mc:AlternateContent xmlns:mc="http://schemas.openxmlformats.org/markup-compatibility/2006" xmlns:p14="http://schemas.microsoft.com/office/powerpoint/2010/main">
+    <mc:Choice Requires="p14">
+      <p:transition spd="slow" p14:dur="2000"/>
+    </mc:Choice>
+    <mc:Fallback xmlns="" xmlns:p15="http://schemas.microsoft.com/office/powerpoint/2012/main">
+      <p:transition spd="slow"/>
+    </mc:Fallback>
+  </mc:AlternateContent>
+  <p:timing>
+    <p:tnLst>
+      <p:par>
+        <p:cTn id="1" dur="indefinite" restart="never" nodeType="tmRoot">
+          <p:childTnLst>
+            <p:seq>
+              <p:cTn id="2" dur="indefinite" nodeType="mainSeq"/>
+              <p:prevCondLst>
+                <p:cond evt="onPrev" delay="0">
+                  <p:tgtEl>
+                    <p:sldTgt/>
+                  </p:tgtEl>
+                </p:cond>
+              </p:prevCondLst>
+              <p:nextCondLst>
+                <p:cond evt="onNext" delay="0">
+                  <p:tgtEl>
+                    <p:sldTgt/>
+                  </p:tgtEl>
+                </p:cond>
+              </p:nextCondLst>
+            </p:seq>
+          </p:childTnLst>
+        </p:cTn>
+      </p:par>
+    </p:tnLst>
+  </p:timing>
+</p:sld>
+</file>
+
+<file path=ppt/slides/slide18.xml><?xml version="1.0" encoding="utf-8"?>
 <p:sld xmlns:a="http://schemas.openxmlformats.org/drawingml/2006/main" xmlns:r="http://schemas.openxmlformats.org/officeDocument/2006/relationships" xmlns:p="http://schemas.openxmlformats.org/presentationml/2006/main">
   <p:cSld>
     <p:spTree>
@@ -18791,7 +20522,7 @@
                 </a:solidFill>
                 <a:latin typeface="Segoe UI"/>
               </a:rPr>
-              <a:t>29/04/2019</a:t>
+              <a:t>30/04/2019</a:t>
             </a:fld>
             <a:endParaRPr lang="en-GB" sz="1200" b="0" strike="noStrike" spc="-1">
               <a:latin typeface="Times New Roman"/>
@@ -18836,7 +20567,7 @@
                 </a:solidFill>
                 <a:latin typeface="Segoe UI"/>
               </a:rPr>
-              <a:t>17</a:t>
+              <a:t>18</a:t>
             </a:fld>
             <a:endParaRPr lang="en-GB" sz="1200" b="0" strike="noStrike" spc="-1" dirty="0">
               <a:latin typeface="Times New Roman"/>
@@ -18946,1738 +20677,7 @@
     <mc:Choice Requires="p14">
       <p:transition spd="slow" p14:dur="2000"/>
     </mc:Choice>
-    <mc:Fallback xmlns:p15="http://schemas.microsoft.com/office/powerpoint/2012/main" xmlns="">
-      <p:transition spd="slow"/>
-    </mc:Fallback>
-  </mc:AlternateContent>
-  <p:timing>
-    <p:tnLst>
-      <p:par>
-        <p:cTn id="1" dur="indefinite" restart="never" nodeType="tmRoot">
-          <p:childTnLst>
-            <p:seq>
-              <p:cTn id="2" dur="indefinite" nodeType="mainSeq"/>
-              <p:prevCondLst>
-                <p:cond evt="onPrev" delay="0">
-                  <p:tgtEl>
-                    <p:sldTgt/>
-                  </p:tgtEl>
-                </p:cond>
-              </p:prevCondLst>
-              <p:nextCondLst>
-                <p:cond evt="onNext" delay="0">
-                  <p:tgtEl>
-                    <p:sldTgt/>
-                  </p:tgtEl>
-                </p:cond>
-              </p:nextCondLst>
-            </p:seq>
-          </p:childTnLst>
-        </p:cTn>
-      </p:par>
-    </p:tnLst>
-  </p:timing>
-</p:sld>
-</file>
-
-<file path=ppt/slides/slide18.xml><?xml version="1.0" encoding="utf-8"?>
-<p:sld xmlns:a="http://schemas.openxmlformats.org/drawingml/2006/main" xmlns:r="http://schemas.openxmlformats.org/officeDocument/2006/relationships" xmlns:p="http://schemas.openxmlformats.org/presentationml/2006/main">
-  <p:cSld>
-    <p:spTree>
-      <p:nvGrpSpPr>
-        <p:cNvPr id="1" name=""/>
-        <p:cNvGrpSpPr/>
-        <p:nvPr/>
-      </p:nvGrpSpPr>
-      <p:grpSpPr>
-        <a:xfrm>
-          <a:off x="0" y="0"/>
-          <a:ext cx="0" cy="0"/>
-          <a:chOff x="0" y="0"/>
-          <a:chExt cx="0" cy="0"/>
-        </a:xfrm>
-      </p:grpSpPr>
-      <p:grpSp>
-        <p:nvGrpSpPr>
-          <p:cNvPr id="1287" name="Group 7"/>
-          <p:cNvGrpSpPr/>
-          <p:nvPr/>
-        </p:nvGrpSpPr>
-        <p:grpSpPr>
-          <a:xfrm>
-            <a:off x="838080" y="1843920"/>
-            <a:ext cx="5872320" cy="4096800"/>
-            <a:chOff x="838080" y="1843920"/>
-            <a:chExt cx="5872320" cy="4096800"/>
-          </a:xfrm>
-        </p:grpSpPr>
-        <p:sp>
-          <p:nvSpPr>
-            <p:cNvPr id="1288" name="CustomShape 8"/>
-            <p:cNvSpPr/>
-            <p:nvPr/>
-          </p:nvSpPr>
-          <p:spPr>
-            <a:xfrm>
-              <a:off x="1301040" y="1843920"/>
-              <a:ext cx="4922640" cy="3765240"/>
-            </a:xfrm>
-            <a:prstGeom prst="roundRect">
-              <a:avLst>
-                <a:gd name="adj" fmla="val 4185"/>
-              </a:avLst>
-            </a:prstGeom>
-            <a:gradFill rotWithShape="0">
-              <a:gsLst>
-                <a:gs pos="0">
-                  <a:schemeClr val="tx1">
-                    <a:lumMod val="65000"/>
-                    <a:lumOff val="35000"/>
-                  </a:schemeClr>
-                </a:gs>
-                <a:gs pos="66000">
-                  <a:schemeClr val="bg1"/>
-                </a:gs>
-                <a:gs pos="100000">
-                  <a:schemeClr val="bg1">
-                    <a:lumMod val="85000"/>
-                  </a:schemeClr>
-                </a:gs>
-              </a:gsLst>
-              <a:lin ang="16200000"/>
-            </a:gradFill>
-            <a:ln>
-              <a:noFill/>
-            </a:ln>
-          </p:spPr>
-          <p:style>
-            <a:lnRef idx="2">
-              <a:schemeClr val="accent1">
-                <a:shade val="50000"/>
-              </a:schemeClr>
-            </a:lnRef>
-            <a:fillRef idx="1">
-              <a:schemeClr val="accent1"/>
-            </a:fillRef>
-            <a:effectRef idx="0">
-              <a:schemeClr val="accent1"/>
-            </a:effectRef>
-            <a:fontRef idx="minor"/>
-          </p:style>
-        </p:sp>
-        <p:sp>
-          <p:nvSpPr>
-            <p:cNvPr id="1289" name="CustomShape 9"/>
-            <p:cNvSpPr/>
-            <p:nvPr/>
-          </p:nvSpPr>
-          <p:spPr>
-            <a:xfrm>
-              <a:off x="1325520" y="1867320"/>
-              <a:ext cx="4881600" cy="3562920"/>
-            </a:xfrm>
-            <a:prstGeom prst="roundRect">
-              <a:avLst>
-                <a:gd name="adj" fmla="val 4031"/>
-              </a:avLst>
-            </a:prstGeom>
-            <a:gradFill rotWithShape="0">
-              <a:gsLst>
-                <a:gs pos="0">
-                  <a:schemeClr val="tx1"/>
-                </a:gs>
-                <a:gs pos="100000">
-                  <a:schemeClr val="tx1">
-                    <a:lumMod val="50000"/>
-                    <a:lumOff val="50000"/>
-                  </a:schemeClr>
-                </a:gs>
-              </a:gsLst>
-              <a:lin ang="16200000"/>
-            </a:gradFill>
-            <a:ln>
-              <a:noFill/>
-            </a:ln>
-          </p:spPr>
-          <p:style>
-            <a:lnRef idx="2">
-              <a:schemeClr val="accent1">
-                <a:shade val="50000"/>
-              </a:schemeClr>
-            </a:lnRef>
-            <a:fillRef idx="1">
-              <a:schemeClr val="accent1"/>
-            </a:fillRef>
-            <a:effectRef idx="0">
-              <a:schemeClr val="accent1"/>
-            </a:effectRef>
-            <a:fontRef idx="minor"/>
-          </p:style>
-        </p:sp>
-        <p:sp>
-          <p:nvSpPr>
-            <p:cNvPr id="1290" name="CustomShape 10"/>
-            <p:cNvSpPr/>
-            <p:nvPr/>
-          </p:nvSpPr>
-          <p:spPr>
-            <a:xfrm>
-              <a:off x="1433880" y="1963440"/>
-              <a:ext cx="4655160" cy="3089880"/>
-            </a:xfrm>
-            <a:prstGeom prst="roundRect">
-              <a:avLst>
-                <a:gd name="adj" fmla="val 2787"/>
-              </a:avLst>
-            </a:prstGeom>
-            <a:solidFill>
-              <a:schemeClr val="bg1">
-                <a:lumMod val="95000"/>
-              </a:schemeClr>
-            </a:solidFill>
-            <a:ln>
-              <a:noFill/>
-            </a:ln>
-          </p:spPr>
-          <p:style>
-            <a:lnRef idx="2">
-              <a:schemeClr val="accent1">
-                <a:shade val="50000"/>
-              </a:schemeClr>
-            </a:lnRef>
-            <a:fillRef idx="1">
-              <a:schemeClr val="accent1"/>
-            </a:fillRef>
-            <a:effectRef idx="0">
-              <a:schemeClr val="accent1"/>
-            </a:effectRef>
-            <a:fontRef idx="minor"/>
-          </p:style>
-        </p:sp>
-        <p:grpSp>
-          <p:nvGrpSpPr>
-            <p:cNvPr id="1291" name="Group 11"/>
-            <p:cNvGrpSpPr/>
-            <p:nvPr/>
-          </p:nvGrpSpPr>
-          <p:grpSpPr>
-            <a:xfrm>
-              <a:off x="838080" y="5096160"/>
-              <a:ext cx="5872320" cy="844560"/>
-              <a:chOff x="838080" y="5096160"/>
-              <a:chExt cx="5872320" cy="844560"/>
-            </a:xfrm>
-          </p:grpSpPr>
-          <p:sp>
-            <p:nvSpPr>
-              <p:cNvPr id="1292" name="CustomShape 12"/>
-              <p:cNvSpPr/>
-              <p:nvPr/>
-            </p:nvSpPr>
-            <p:spPr>
-              <a:xfrm>
-                <a:off x="852120" y="5298480"/>
-                <a:ext cx="5846040" cy="538560"/>
-              </a:xfrm>
-              <a:custGeom>
-                <a:avLst/>
-                <a:gdLst/>
-                <a:ahLst/>
-                <a:cxnLst/>
-                <a:rect l="l" t="t" r="r" b="b"/>
-                <a:pathLst>
-                  <a:path w="10038" h="10000">
-                    <a:moveTo>
-                      <a:pt x="15" y="10000"/>
-                    </a:moveTo>
-                    <a:lnTo>
-                      <a:pt x="9929" y="10000"/>
-                    </a:lnTo>
-                    <a:cubicBezTo>
-                      <a:pt x="9965" y="9704"/>
-                      <a:pt x="10002" y="9409"/>
-                      <a:pt x="10038" y="9113"/>
-                    </a:cubicBezTo>
-                    <a:cubicBezTo>
-                      <a:pt x="9765" y="6075"/>
-                      <a:pt x="9493" y="3038"/>
-                      <a:pt x="9220" y="0"/>
-                    </a:cubicBezTo>
-                    <a:lnTo>
-                      <a:pt x="765" y="0"/>
-                    </a:lnTo>
-                    <a:lnTo>
-                      <a:pt x="0" y="9196"/>
-                    </a:lnTo>
-                    <a:lnTo>
-                      <a:pt x="15" y="10000"/>
-                    </a:lnTo>
-                    <a:close/>
-                  </a:path>
-                </a:pathLst>
-              </a:custGeom>
-              <a:gradFill rotWithShape="0">
-                <a:gsLst>
-                  <a:gs pos="0">
-                    <a:schemeClr val="bg1">
-                      <a:lumMod val="50000"/>
-                    </a:schemeClr>
-                  </a:gs>
-                  <a:gs pos="34000">
-                    <a:schemeClr val="bg1">
-                      <a:lumMod val="75000"/>
-                    </a:schemeClr>
-                  </a:gs>
-                  <a:gs pos="70000">
-                    <a:schemeClr val="bg1"/>
-                  </a:gs>
-                  <a:gs pos="100000">
-                    <a:schemeClr val="bg1"/>
-                  </a:gs>
-                </a:gsLst>
-                <a:lin ang="5400000"/>
-              </a:gradFill>
-              <a:ln>
-                <a:noFill/>
-              </a:ln>
-            </p:spPr>
-            <p:style>
-              <a:lnRef idx="0">
-                <a:scrgbClr r="0" g="0" b="0"/>
-              </a:lnRef>
-              <a:fillRef idx="0">
-                <a:scrgbClr r="0" g="0" b="0"/>
-              </a:fillRef>
-              <a:effectRef idx="0">
-                <a:scrgbClr r="0" g="0" b="0"/>
-              </a:effectRef>
-              <a:fontRef idx="minor"/>
-            </p:style>
-          </p:sp>
-          <p:sp>
-            <p:nvSpPr>
-              <p:cNvPr id="1293" name="CustomShape 13"/>
-              <p:cNvSpPr/>
-              <p:nvPr/>
-            </p:nvSpPr>
-            <p:spPr>
-              <a:xfrm>
-                <a:off x="838080" y="5832360"/>
-                <a:ext cx="5872320" cy="108360"/>
-              </a:xfrm>
-              <a:custGeom>
-                <a:avLst/>
-                <a:gdLst/>
-                <a:ahLst/>
-                <a:cxnLst/>
-                <a:rect l="l" t="t" r="r" b="b"/>
-                <a:pathLst>
-                  <a:path w="10000" h="10000">
-                    <a:moveTo>
-                      <a:pt x="0" y="0"/>
-                    </a:moveTo>
-                    <a:lnTo>
-                      <a:pt x="10000" y="492"/>
-                    </a:lnTo>
-                    <a:cubicBezTo>
-                      <a:pt x="9998" y="710"/>
-                      <a:pt x="9996" y="929"/>
-                      <a:pt x="9994" y="1147"/>
-                    </a:cubicBezTo>
-                    <a:cubicBezTo>
-                      <a:pt x="9985" y="1639"/>
-                      <a:pt x="9959" y="2896"/>
-                      <a:pt x="9944" y="3442"/>
-                    </a:cubicBezTo>
-                    <a:cubicBezTo>
-                      <a:pt x="9931" y="3771"/>
-                      <a:pt x="9919" y="4098"/>
-                      <a:pt x="9906" y="4426"/>
-                    </a:cubicBezTo>
-                    <a:cubicBezTo>
-                      <a:pt x="9892" y="4755"/>
-                      <a:pt x="9879" y="5082"/>
-                      <a:pt x="9865" y="5410"/>
-                    </a:cubicBezTo>
-                    <a:cubicBezTo>
-                      <a:pt x="9849" y="5684"/>
-                      <a:pt x="9834" y="5956"/>
-                      <a:pt x="9818" y="6229"/>
-                    </a:cubicBezTo>
-                    <a:cubicBezTo>
-                      <a:pt x="9799" y="6448"/>
-                      <a:pt x="9781" y="6666"/>
-                      <a:pt x="9762" y="6885"/>
-                    </a:cubicBezTo>
-                    <a:cubicBezTo>
-                      <a:pt x="9741" y="7103"/>
-                      <a:pt x="9721" y="7323"/>
-                      <a:pt x="9700" y="7541"/>
-                    </a:cubicBezTo>
-                    <a:lnTo>
-                      <a:pt x="9574" y="8524"/>
-                    </a:lnTo>
-                    <a:cubicBezTo>
-                      <a:pt x="9529" y="8743"/>
-                      <a:pt x="9483" y="8962"/>
-                      <a:pt x="9438" y="9181"/>
-                    </a:cubicBezTo>
-                    <a:lnTo>
-                      <a:pt x="9303" y="9508"/>
-                    </a:lnTo>
-                    <a:lnTo>
-                      <a:pt x="9165" y="10000"/>
-                    </a:lnTo>
-                    <a:lnTo>
-                      <a:pt x="8645" y="10000"/>
-                    </a:lnTo>
-                    <a:lnTo>
-                      <a:pt x="8117" y="10000"/>
-                    </a:lnTo>
-                    <a:lnTo>
-                      <a:pt x="7597" y="10000"/>
-                    </a:lnTo>
-                    <a:lnTo>
-                      <a:pt x="7071" y="10000"/>
-                    </a:lnTo>
-                    <a:lnTo>
-                      <a:pt x="6547" y="10000"/>
-                    </a:lnTo>
-                    <a:lnTo>
-                      <a:pt x="6024" y="10000"/>
-                    </a:lnTo>
-                    <a:lnTo>
-                      <a:pt x="5497" y="10000"/>
-                    </a:lnTo>
-                    <a:lnTo>
-                      <a:pt x="4976" y="10000"/>
-                    </a:lnTo>
-                    <a:lnTo>
-                      <a:pt x="4450" y="10000"/>
-                    </a:lnTo>
-                    <a:lnTo>
-                      <a:pt x="3929" y="10000"/>
-                    </a:lnTo>
-                    <a:lnTo>
-                      <a:pt x="3403" y="10000"/>
-                    </a:lnTo>
-                    <a:lnTo>
-                      <a:pt x="2880" y="10000"/>
-                    </a:lnTo>
-                    <a:lnTo>
-                      <a:pt x="2356" y="10000"/>
-                    </a:lnTo>
-                    <a:lnTo>
-                      <a:pt x="1830" y="10000"/>
-                    </a:lnTo>
-                    <a:lnTo>
-                      <a:pt x="1308" y="10000"/>
-                    </a:lnTo>
-                    <a:lnTo>
-                      <a:pt x="782" y="10000"/>
-                    </a:lnTo>
-                    <a:lnTo>
-                      <a:pt x="650" y="9508"/>
-                    </a:lnTo>
-                    <a:cubicBezTo>
-                      <a:pt x="607" y="9399"/>
-                      <a:pt x="563" y="9290"/>
-                      <a:pt x="520" y="9181"/>
-                    </a:cubicBezTo>
-                    <a:lnTo>
-                      <a:pt x="400" y="8689"/>
-                    </a:lnTo>
-                    <a:cubicBezTo>
-                      <a:pt x="363" y="8361"/>
-                      <a:pt x="325" y="8033"/>
-                      <a:pt x="288" y="7705"/>
-                    </a:cubicBezTo>
-                    <a:cubicBezTo>
-                      <a:pt x="270" y="7487"/>
-                      <a:pt x="253" y="7268"/>
-                      <a:pt x="235" y="7049"/>
-                    </a:cubicBezTo>
-                    <a:cubicBezTo>
-                      <a:pt x="220" y="6831"/>
-                      <a:pt x="206" y="6612"/>
-                      <a:pt x="191" y="6394"/>
-                    </a:cubicBezTo>
-                    <a:cubicBezTo>
-                      <a:pt x="176" y="6121"/>
-                      <a:pt x="162" y="5847"/>
-                      <a:pt x="147" y="5574"/>
-                    </a:cubicBezTo>
-                    <a:cubicBezTo>
-                      <a:pt x="133" y="5300"/>
-                      <a:pt x="120" y="5028"/>
-                      <a:pt x="106" y="4755"/>
-                    </a:cubicBezTo>
-                    <a:cubicBezTo>
-                      <a:pt x="95" y="4426"/>
-                      <a:pt x="85" y="4099"/>
-                      <a:pt x="74" y="3771"/>
-                    </a:cubicBezTo>
-                    <a:cubicBezTo>
-                      <a:pt x="64" y="3389"/>
-                      <a:pt x="54" y="3005"/>
-                      <a:pt x="44" y="2623"/>
-                    </a:cubicBezTo>
-                    <a:cubicBezTo>
-                      <a:pt x="36" y="2241"/>
-                      <a:pt x="29" y="1858"/>
-                      <a:pt x="21" y="1476"/>
-                    </a:cubicBezTo>
-                    <a:lnTo>
-                      <a:pt x="0" y="0"/>
-                    </a:lnTo>
-                    <a:close/>
-                  </a:path>
-                </a:pathLst>
-              </a:custGeom>
-              <a:gradFill rotWithShape="0">
-                <a:gsLst>
-                  <a:gs pos="0">
-                    <a:schemeClr val="bg1">
-                      <a:lumMod val="65000"/>
-                      <a:shade val="30000"/>
-                      <a:satMod val="115000"/>
-                    </a:schemeClr>
-                  </a:gs>
-                  <a:gs pos="27000">
-                    <a:schemeClr val="bg1">
-                      <a:lumMod val="75000"/>
-                    </a:schemeClr>
-                  </a:gs>
-                  <a:gs pos="48758">
-                    <a:schemeClr val="tx1">
-                      <a:lumMod val="50000"/>
-                      <a:lumOff val="50000"/>
-                    </a:schemeClr>
-                  </a:gs>
-                  <a:gs pos="73000">
-                    <a:schemeClr val="bg1">
-                      <a:lumMod val="75000"/>
-                    </a:schemeClr>
-                  </a:gs>
-                  <a:gs pos="100000">
-                    <a:schemeClr val="bg1">
-                      <a:lumMod val="50000"/>
-                    </a:schemeClr>
-                  </a:gs>
-                </a:gsLst>
-                <a:lin ang="0"/>
-              </a:gradFill>
-              <a:ln>
-                <a:noFill/>
-              </a:ln>
-            </p:spPr>
-            <p:style>
-              <a:lnRef idx="0">
-                <a:scrgbClr r="0" g="0" b="0"/>
-              </a:lnRef>
-              <a:fillRef idx="0">
-                <a:scrgbClr r="0" g="0" b="0"/>
-              </a:fillRef>
-              <a:effectRef idx="0">
-                <a:scrgbClr r="0" g="0" b="0"/>
-              </a:effectRef>
-              <a:fontRef idx="minor"/>
-            </p:style>
-          </p:sp>
-          <p:sp>
-            <p:nvSpPr>
-              <p:cNvPr id="1294" name="CustomShape 14"/>
-              <p:cNvSpPr/>
-              <p:nvPr/>
-            </p:nvSpPr>
-            <p:spPr>
-              <a:xfrm>
-                <a:off x="3658320" y="5096160"/>
-                <a:ext cx="165960" cy="165960"/>
-              </a:xfrm>
-              <a:custGeom>
-                <a:avLst/>
-                <a:gdLst/>
-                <a:ahLst/>
-                <a:cxnLst/>
-                <a:rect l="l" t="t" r="r" b="b"/>
-                <a:pathLst>
-                  <a:path w="109" h="109">
-                    <a:moveTo>
-                      <a:pt x="54" y="0"/>
-                    </a:moveTo>
-                    <a:lnTo>
-                      <a:pt x="66" y="1"/>
-                    </a:lnTo>
-                    <a:lnTo>
-                      <a:pt x="75" y="5"/>
-                    </a:lnTo>
-                    <a:lnTo>
-                      <a:pt x="84" y="9"/>
-                    </a:lnTo>
-                    <a:lnTo>
-                      <a:pt x="93" y="16"/>
-                    </a:lnTo>
-                    <a:lnTo>
-                      <a:pt x="100" y="24"/>
-                    </a:lnTo>
-                    <a:lnTo>
-                      <a:pt x="105" y="34"/>
-                    </a:lnTo>
-                    <a:lnTo>
-                      <a:pt x="108" y="44"/>
-                    </a:lnTo>
-                    <a:lnTo>
-                      <a:pt x="109" y="55"/>
-                    </a:lnTo>
-                    <a:lnTo>
-                      <a:pt x="108" y="66"/>
-                    </a:lnTo>
-                    <a:lnTo>
-                      <a:pt x="105" y="77"/>
-                    </a:lnTo>
-                    <a:lnTo>
-                      <a:pt x="100" y="86"/>
-                    </a:lnTo>
-                    <a:lnTo>
-                      <a:pt x="93" y="94"/>
-                    </a:lnTo>
-                    <a:lnTo>
-                      <a:pt x="84" y="100"/>
-                    </a:lnTo>
-                    <a:lnTo>
-                      <a:pt x="75" y="106"/>
-                    </a:lnTo>
-                    <a:lnTo>
-                      <a:pt x="66" y="109"/>
-                    </a:lnTo>
-                    <a:lnTo>
-                      <a:pt x="54" y="109"/>
-                    </a:lnTo>
-                    <a:lnTo>
-                      <a:pt x="43" y="109"/>
-                    </a:lnTo>
-                    <a:lnTo>
-                      <a:pt x="33" y="106"/>
-                    </a:lnTo>
-                    <a:lnTo>
-                      <a:pt x="24" y="100"/>
-                    </a:lnTo>
-                    <a:lnTo>
-                      <a:pt x="16" y="94"/>
-                    </a:lnTo>
-                    <a:lnTo>
-                      <a:pt x="9" y="86"/>
-                    </a:lnTo>
-                    <a:lnTo>
-                      <a:pt x="3" y="77"/>
-                    </a:lnTo>
-                    <a:lnTo>
-                      <a:pt x="1" y="66"/>
-                    </a:lnTo>
-                    <a:lnTo>
-                      <a:pt x="0" y="55"/>
-                    </a:lnTo>
-                    <a:lnTo>
-                      <a:pt x="1" y="44"/>
-                    </a:lnTo>
-                    <a:lnTo>
-                      <a:pt x="3" y="34"/>
-                    </a:lnTo>
-                    <a:lnTo>
-                      <a:pt x="9" y="24"/>
-                    </a:lnTo>
-                    <a:lnTo>
-                      <a:pt x="16" y="16"/>
-                    </a:lnTo>
-                    <a:lnTo>
-                      <a:pt x="24" y="9"/>
-                    </a:lnTo>
-                    <a:lnTo>
-                      <a:pt x="33" y="5"/>
-                    </a:lnTo>
-                    <a:lnTo>
-                      <a:pt x="43" y="1"/>
-                    </a:lnTo>
-                    <a:lnTo>
-                      <a:pt x="54" y="0"/>
-                    </a:lnTo>
-                    <a:close/>
-                  </a:path>
-                </a:pathLst>
-              </a:custGeom>
-              <a:gradFill rotWithShape="0">
-                <a:gsLst>
-                  <a:gs pos="11000">
-                    <a:srgbClr val="003366"/>
-                  </a:gs>
-                  <a:gs pos="55000">
-                    <a:srgbClr val="3FADFF"/>
-                  </a:gs>
-                  <a:gs pos="92000">
-                    <a:srgbClr val="003366"/>
-                  </a:gs>
-                </a:gsLst>
-                <a:lin ang="16200000"/>
-              </a:gradFill>
-              <a:ln>
-                <a:noFill/>
-              </a:ln>
-            </p:spPr>
-            <p:style>
-              <a:lnRef idx="0">
-                <a:scrgbClr r="0" g="0" b="0"/>
-              </a:lnRef>
-              <a:fillRef idx="0">
-                <a:scrgbClr r="0" g="0" b="0"/>
-              </a:fillRef>
-              <a:effectRef idx="0">
-                <a:scrgbClr r="0" g="0" b="0"/>
-              </a:effectRef>
-              <a:fontRef idx="minor"/>
-            </p:style>
-          </p:sp>
-          <p:sp>
-            <p:nvSpPr>
-              <p:cNvPr id="1295" name="CustomShape 15"/>
-              <p:cNvSpPr/>
-              <p:nvPr/>
-            </p:nvSpPr>
-            <p:spPr>
-              <a:xfrm>
-                <a:off x="3686040" y="5123880"/>
-                <a:ext cx="110520" cy="110520"/>
-              </a:xfrm>
-              <a:custGeom>
-                <a:avLst/>
-                <a:gdLst/>
-                <a:ahLst/>
-                <a:cxnLst/>
-                <a:rect l="l" t="t" r="r" b="b"/>
-                <a:pathLst>
-                  <a:path w="91" h="91">
-                    <a:moveTo>
-                      <a:pt x="45" y="0"/>
-                    </a:moveTo>
-                    <a:lnTo>
-                      <a:pt x="55" y="2"/>
-                    </a:lnTo>
-                    <a:lnTo>
-                      <a:pt x="63" y="4"/>
-                    </a:lnTo>
-                    <a:lnTo>
-                      <a:pt x="71" y="8"/>
-                    </a:lnTo>
-                    <a:lnTo>
-                      <a:pt x="78" y="14"/>
-                    </a:lnTo>
-                    <a:lnTo>
-                      <a:pt x="82" y="20"/>
-                    </a:lnTo>
-                    <a:lnTo>
-                      <a:pt x="87" y="28"/>
-                    </a:lnTo>
-                    <a:lnTo>
-                      <a:pt x="89" y="36"/>
-                    </a:lnTo>
-                    <a:lnTo>
-                      <a:pt x="91" y="46"/>
-                    </a:lnTo>
-                    <a:lnTo>
-                      <a:pt x="89" y="55"/>
-                    </a:lnTo>
-                    <a:lnTo>
-                      <a:pt x="87" y="63"/>
-                    </a:lnTo>
-                    <a:lnTo>
-                      <a:pt x="82" y="71"/>
-                    </a:lnTo>
-                    <a:lnTo>
-                      <a:pt x="78" y="78"/>
-                    </a:lnTo>
-                    <a:lnTo>
-                      <a:pt x="71" y="84"/>
-                    </a:lnTo>
-                    <a:lnTo>
-                      <a:pt x="63" y="87"/>
-                    </a:lnTo>
-                    <a:lnTo>
-                      <a:pt x="55" y="90"/>
-                    </a:lnTo>
-                    <a:lnTo>
-                      <a:pt x="45" y="91"/>
-                    </a:lnTo>
-                    <a:lnTo>
-                      <a:pt x="36" y="90"/>
-                    </a:lnTo>
-                    <a:lnTo>
-                      <a:pt x="28" y="87"/>
-                    </a:lnTo>
-                    <a:lnTo>
-                      <a:pt x="20" y="84"/>
-                    </a:lnTo>
-                    <a:lnTo>
-                      <a:pt x="13" y="78"/>
-                    </a:lnTo>
-                    <a:lnTo>
-                      <a:pt x="8" y="71"/>
-                    </a:lnTo>
-                    <a:lnTo>
-                      <a:pt x="4" y="63"/>
-                    </a:lnTo>
-                    <a:lnTo>
-                      <a:pt x="1" y="55"/>
-                    </a:lnTo>
-                    <a:lnTo>
-                      <a:pt x="0" y="46"/>
-                    </a:lnTo>
-                    <a:lnTo>
-                      <a:pt x="1" y="36"/>
-                    </a:lnTo>
-                    <a:lnTo>
-                      <a:pt x="4" y="28"/>
-                    </a:lnTo>
-                    <a:lnTo>
-                      <a:pt x="8" y="20"/>
-                    </a:lnTo>
-                    <a:lnTo>
-                      <a:pt x="13" y="14"/>
-                    </a:lnTo>
-                    <a:lnTo>
-                      <a:pt x="20" y="8"/>
-                    </a:lnTo>
-                    <a:lnTo>
-                      <a:pt x="28" y="4"/>
-                    </a:lnTo>
-                    <a:lnTo>
-                      <a:pt x="36" y="2"/>
-                    </a:lnTo>
-                    <a:lnTo>
-                      <a:pt x="45" y="0"/>
-                    </a:lnTo>
-                    <a:close/>
-                  </a:path>
-                </a:pathLst>
-              </a:custGeom>
-              <a:solidFill>
-                <a:schemeClr val="tx1"/>
-              </a:solidFill>
-              <a:ln>
-                <a:noFill/>
-              </a:ln>
-            </p:spPr>
-            <p:style>
-              <a:lnRef idx="0">
-                <a:scrgbClr r="0" g="0" b="0"/>
-              </a:lnRef>
-              <a:fillRef idx="0">
-                <a:scrgbClr r="0" g="0" b="0"/>
-              </a:fillRef>
-              <a:effectRef idx="0">
-                <a:scrgbClr r="0" g="0" b="0"/>
-              </a:effectRef>
-              <a:fontRef idx="minor"/>
-            </p:style>
-          </p:sp>
-          <p:sp>
-            <p:nvSpPr>
-              <p:cNvPr id="1296" name="CustomShape 16"/>
-              <p:cNvSpPr/>
-              <p:nvPr/>
-            </p:nvSpPr>
-            <p:spPr>
-              <a:xfrm>
-                <a:off x="2441160" y="5222520"/>
-                <a:ext cx="504000" cy="82440"/>
-              </a:xfrm>
-              <a:prstGeom prst="rect">
-                <a:avLst/>
-              </a:prstGeom>
-              <a:gradFill rotWithShape="0">
-                <a:gsLst>
-                  <a:gs pos="0">
-                    <a:schemeClr val="bg1">
-                      <a:lumMod val="65000"/>
-                    </a:schemeClr>
-                  </a:gs>
-                  <a:gs pos="55000">
-                    <a:schemeClr val="bg1">
-                      <a:lumMod val="85000"/>
-                    </a:schemeClr>
-                  </a:gs>
-                  <a:gs pos="100000">
-                    <a:schemeClr val="bg1">
-                      <a:lumMod val="65000"/>
-                    </a:schemeClr>
-                  </a:gs>
-                </a:gsLst>
-                <a:lin ang="0"/>
-              </a:gradFill>
-              <a:ln>
-                <a:noFill/>
-              </a:ln>
-            </p:spPr>
-            <p:style>
-              <a:lnRef idx="0">
-                <a:scrgbClr r="0" g="0" b="0"/>
-              </a:lnRef>
-              <a:fillRef idx="0">
-                <a:scrgbClr r="0" g="0" b="0"/>
-              </a:fillRef>
-              <a:effectRef idx="0">
-                <a:scrgbClr r="0" g="0" b="0"/>
-              </a:effectRef>
-              <a:fontRef idx="minor"/>
-            </p:style>
-          </p:sp>
-          <p:sp>
-            <p:nvSpPr>
-              <p:cNvPr id="1297" name="CustomShape 17"/>
-              <p:cNvSpPr/>
-              <p:nvPr/>
-            </p:nvSpPr>
-            <p:spPr>
-              <a:xfrm>
-                <a:off x="4590000" y="5222520"/>
-                <a:ext cx="497160" cy="82440"/>
-              </a:xfrm>
-              <a:prstGeom prst="rect">
-                <a:avLst/>
-              </a:prstGeom>
-              <a:gradFill rotWithShape="0">
-                <a:gsLst>
-                  <a:gs pos="0">
-                    <a:schemeClr val="bg1">
-                      <a:lumMod val="65000"/>
-                    </a:schemeClr>
-                  </a:gs>
-                  <a:gs pos="55000">
-                    <a:schemeClr val="bg1">
-                      <a:lumMod val="85000"/>
-                    </a:schemeClr>
-                  </a:gs>
-                  <a:gs pos="100000">
-                    <a:schemeClr val="bg1">
-                      <a:lumMod val="65000"/>
-                    </a:schemeClr>
-                  </a:gs>
-                </a:gsLst>
-                <a:lin ang="0"/>
-              </a:gradFill>
-              <a:ln>
-                <a:noFill/>
-              </a:ln>
-            </p:spPr>
-            <p:style>
-              <a:lnRef idx="0">
-                <a:scrgbClr r="0" g="0" b="0"/>
-              </a:lnRef>
-              <a:fillRef idx="0">
-                <a:scrgbClr r="0" g="0" b="0"/>
-              </a:fillRef>
-              <a:effectRef idx="0">
-                <a:scrgbClr r="0" g="0" b="0"/>
-              </a:effectRef>
-              <a:fontRef idx="minor"/>
-            </p:style>
-          </p:sp>
-          <p:sp>
-            <p:nvSpPr>
-              <p:cNvPr id="1298" name="CustomShape 18"/>
-              <p:cNvSpPr/>
-              <p:nvPr/>
-            </p:nvSpPr>
-            <p:spPr>
-              <a:xfrm>
-                <a:off x="1397880" y="5388480"/>
-                <a:ext cx="4794480" cy="220680"/>
-              </a:xfrm>
-              <a:custGeom>
-                <a:avLst/>
-                <a:gdLst/>
-                <a:ahLst/>
-                <a:cxnLst/>
-                <a:rect l="l" t="t" r="r" b="b"/>
-                <a:pathLst>
-                  <a:path w="2778" h="128">
-                    <a:moveTo>
-                      <a:pt x="109" y="0"/>
-                    </a:moveTo>
-                    <a:lnTo>
-                      <a:pt x="2644" y="0"/>
-                    </a:lnTo>
-                    <a:lnTo>
-                      <a:pt x="2778" y="128"/>
-                    </a:lnTo>
-                    <a:lnTo>
-                      <a:pt x="0" y="128"/>
-                    </a:lnTo>
-                    <a:lnTo>
-                      <a:pt x="109" y="0"/>
-                    </a:lnTo>
-                    <a:close/>
-                  </a:path>
-                </a:pathLst>
-              </a:custGeom>
-              <a:gradFill rotWithShape="0">
-                <a:gsLst>
-                  <a:gs pos="0">
-                    <a:schemeClr val="tx1">
-                      <a:lumMod val="85000"/>
-                      <a:lumOff val="15000"/>
-                    </a:schemeClr>
-                  </a:gs>
-                  <a:gs pos="100000">
-                    <a:schemeClr val="tx1">
-                      <a:lumMod val="65000"/>
-                      <a:lumOff val="35000"/>
-                    </a:schemeClr>
-                  </a:gs>
-                </a:gsLst>
-                <a:lin ang="5400000"/>
-              </a:gradFill>
-              <a:ln>
-                <a:noFill/>
-              </a:ln>
-            </p:spPr>
-            <p:style>
-              <a:lnRef idx="0">
-                <a:scrgbClr r="0" g="0" b="0"/>
-              </a:lnRef>
-              <a:fillRef idx="0">
-                <a:scrgbClr r="0" g="0" b="0"/>
-              </a:fillRef>
-              <a:effectRef idx="0">
-                <a:scrgbClr r="0" g="0" b="0"/>
-              </a:effectRef>
-              <a:fontRef idx="minor"/>
-            </p:style>
-          </p:sp>
-          <p:sp>
-            <p:nvSpPr>
-              <p:cNvPr id="1299" name="CustomShape 19"/>
-              <p:cNvSpPr/>
-              <p:nvPr/>
-            </p:nvSpPr>
-            <p:spPr>
-              <a:xfrm>
-                <a:off x="838080" y="5775120"/>
-                <a:ext cx="5872320" cy="96480"/>
-              </a:xfrm>
-              <a:custGeom>
-                <a:avLst/>
-                <a:gdLst/>
-                <a:ahLst/>
-                <a:cxnLst/>
-                <a:rect l="l" t="t" r="r" b="b"/>
-                <a:pathLst>
-                  <a:path w="3402" h="58">
-                    <a:moveTo>
-                      <a:pt x="28" y="0"/>
-                    </a:moveTo>
-                    <a:lnTo>
-                      <a:pt x="3374" y="0"/>
-                    </a:lnTo>
-                    <a:lnTo>
-                      <a:pt x="3380" y="1"/>
-                    </a:lnTo>
-                    <a:lnTo>
-                      <a:pt x="3385" y="2"/>
-                    </a:lnTo>
-                    <a:lnTo>
-                      <a:pt x="3391" y="5"/>
-                    </a:lnTo>
-                    <a:lnTo>
-                      <a:pt x="3394" y="9"/>
-                    </a:lnTo>
-                    <a:lnTo>
-                      <a:pt x="3398" y="12"/>
-                    </a:lnTo>
-                    <a:lnTo>
-                      <a:pt x="3401" y="17"/>
-                    </a:lnTo>
-                    <a:lnTo>
-                      <a:pt x="3402" y="23"/>
-                    </a:lnTo>
-                    <a:lnTo>
-                      <a:pt x="3402" y="29"/>
-                    </a:lnTo>
-                    <a:lnTo>
-                      <a:pt x="3402" y="29"/>
-                    </a:lnTo>
-                    <a:lnTo>
-                      <a:pt x="3402" y="34"/>
-                    </a:lnTo>
-                    <a:lnTo>
-                      <a:pt x="3401" y="40"/>
-                    </a:lnTo>
-                    <a:lnTo>
-                      <a:pt x="3398" y="45"/>
-                    </a:lnTo>
-                    <a:lnTo>
-                      <a:pt x="3394" y="48"/>
-                    </a:lnTo>
-                    <a:lnTo>
-                      <a:pt x="3391" y="52"/>
-                    </a:lnTo>
-                    <a:lnTo>
-                      <a:pt x="3385" y="55"/>
-                    </a:lnTo>
-                    <a:lnTo>
-                      <a:pt x="3380" y="56"/>
-                    </a:lnTo>
-                    <a:lnTo>
-                      <a:pt x="3374" y="58"/>
-                    </a:lnTo>
-                    <a:lnTo>
-                      <a:pt x="28" y="58"/>
-                    </a:lnTo>
-                    <a:lnTo>
-                      <a:pt x="22" y="56"/>
-                    </a:lnTo>
-                    <a:lnTo>
-                      <a:pt x="17" y="55"/>
-                    </a:lnTo>
-                    <a:lnTo>
-                      <a:pt x="13" y="52"/>
-                    </a:lnTo>
-                    <a:lnTo>
-                      <a:pt x="8" y="48"/>
-                    </a:lnTo>
-                    <a:lnTo>
-                      <a:pt x="5" y="45"/>
-                    </a:lnTo>
-                    <a:lnTo>
-                      <a:pt x="2" y="40"/>
-                    </a:lnTo>
-                    <a:lnTo>
-                      <a:pt x="0" y="34"/>
-                    </a:lnTo>
-                    <a:lnTo>
-                      <a:pt x="0" y="29"/>
-                    </a:lnTo>
-                    <a:lnTo>
-                      <a:pt x="0" y="29"/>
-                    </a:lnTo>
-                    <a:lnTo>
-                      <a:pt x="0" y="23"/>
-                    </a:lnTo>
-                    <a:lnTo>
-                      <a:pt x="2" y="17"/>
-                    </a:lnTo>
-                    <a:lnTo>
-                      <a:pt x="5" y="12"/>
-                    </a:lnTo>
-                    <a:lnTo>
-                      <a:pt x="8" y="9"/>
-                    </a:lnTo>
-                    <a:lnTo>
-                      <a:pt x="13" y="5"/>
-                    </a:lnTo>
-                    <a:lnTo>
-                      <a:pt x="17" y="2"/>
-                    </a:lnTo>
-                    <a:lnTo>
-                      <a:pt x="22" y="1"/>
-                    </a:lnTo>
-                    <a:lnTo>
-                      <a:pt x="28" y="0"/>
-                    </a:lnTo>
-                    <a:close/>
-                  </a:path>
-                </a:pathLst>
-              </a:custGeom>
-              <a:solidFill>
-                <a:schemeClr val="bg1"/>
-              </a:solidFill>
-              <a:ln>
-                <a:noFill/>
-              </a:ln>
-            </p:spPr>
-            <p:style>
-              <a:lnRef idx="0">
-                <a:scrgbClr r="0" g="0" b="0"/>
-              </a:lnRef>
-              <a:fillRef idx="0">
-                <a:scrgbClr r="0" g="0" b="0"/>
-              </a:fillRef>
-              <a:effectRef idx="0">
-                <a:scrgbClr r="0" g="0" b="0"/>
-              </a:effectRef>
-              <a:fontRef idx="minor"/>
-            </p:style>
-          </p:sp>
-          <p:sp>
-            <p:nvSpPr>
-              <p:cNvPr id="1300" name="CustomShape 20"/>
-              <p:cNvSpPr/>
-              <p:nvPr/>
-            </p:nvSpPr>
-            <p:spPr>
-              <a:xfrm>
-                <a:off x="3145680" y="5647320"/>
-                <a:ext cx="1257120" cy="192960"/>
-              </a:xfrm>
-              <a:custGeom>
-                <a:avLst/>
-                <a:gdLst/>
-                <a:ahLst/>
-                <a:cxnLst/>
-                <a:rect l="l" t="t" r="r" b="b"/>
-                <a:pathLst>
-                  <a:path w="731" h="69">
-                    <a:moveTo>
-                      <a:pt x="9" y="0"/>
-                    </a:moveTo>
-                    <a:lnTo>
-                      <a:pt x="717" y="0"/>
-                    </a:lnTo>
-                    <a:lnTo>
-                      <a:pt x="731" y="69"/>
-                    </a:lnTo>
-                    <a:lnTo>
-                      <a:pt x="0" y="67"/>
-                    </a:lnTo>
-                    <a:lnTo>
-                      <a:pt x="9" y="0"/>
-                    </a:lnTo>
-                    <a:close/>
-                  </a:path>
-                </a:pathLst>
-              </a:custGeom>
-              <a:solidFill>
-                <a:schemeClr val="bg1">
-                  <a:lumMod val="75000"/>
-                </a:schemeClr>
-              </a:solidFill>
-              <a:ln>
-                <a:noFill/>
-              </a:ln>
-            </p:spPr>
-            <p:style>
-              <a:lnRef idx="0">
-                <a:scrgbClr r="0" g="0" b="0"/>
-              </a:lnRef>
-              <a:fillRef idx="0">
-                <a:scrgbClr r="0" g="0" b="0"/>
-              </a:fillRef>
-              <a:effectRef idx="0">
-                <a:scrgbClr r="0" g="0" b="0"/>
-              </a:effectRef>
-              <a:fontRef idx="minor"/>
-            </p:style>
-          </p:sp>
-        </p:grpSp>
-        <p:sp>
-          <p:nvSpPr>
-            <p:cNvPr id="1301" name="CustomShape 21"/>
-            <p:cNvSpPr/>
-            <p:nvPr/>
-          </p:nvSpPr>
-          <p:spPr>
-            <a:xfrm>
-              <a:off x="3863520" y="1843920"/>
-              <a:ext cx="2344320" cy="2886840"/>
-            </a:xfrm>
-            <a:custGeom>
-              <a:avLst/>
-              <a:gdLst/>
-              <a:ahLst/>
-              <a:cxnLst/>
-              <a:rect l="l" t="t" r="r" b="b"/>
-              <a:pathLst>
-                <a:path w="1997203" h="2758884">
-                  <a:moveTo>
-                    <a:pt x="1147198" y="1170"/>
-                  </a:moveTo>
-                  <a:lnTo>
-                    <a:pt x="1836097" y="1170"/>
-                  </a:lnTo>
-                  <a:cubicBezTo>
-                    <a:pt x="1935898" y="-10973"/>
-                    <a:pt x="1997203" y="73300"/>
-                    <a:pt x="1997203" y="162276"/>
-                  </a:cubicBezTo>
-                  <a:lnTo>
-                    <a:pt x="1997203" y="2758884"/>
-                  </a:lnTo>
-                  <a:lnTo>
-                    <a:pt x="1997203" y="2758884"/>
-                  </a:lnTo>
-                  <a:lnTo>
-                    <a:pt x="0" y="2733484"/>
-                  </a:lnTo>
-                  <a:lnTo>
-                    <a:pt x="1147198" y="1170"/>
-                  </a:lnTo>
-                  <a:close/>
-                </a:path>
-              </a:pathLst>
-            </a:custGeom>
-            <a:gradFill rotWithShape="0">
-              <a:gsLst>
-                <a:gs pos="21000">
-                  <a:schemeClr val="bg1">
-                    <a:alpha val="1000"/>
-                  </a:schemeClr>
-                </a:gs>
-                <a:gs pos="100000">
-                  <a:schemeClr val="bg1">
-                    <a:alpha val="30000"/>
-                  </a:schemeClr>
-                </a:gs>
-              </a:gsLst>
-              <a:lin ang="16200000"/>
-            </a:gradFill>
-            <a:ln>
-              <a:noFill/>
-            </a:ln>
-          </p:spPr>
-          <p:style>
-            <a:lnRef idx="2">
-              <a:schemeClr val="accent1">
-                <a:shade val="50000"/>
-              </a:schemeClr>
-            </a:lnRef>
-            <a:fillRef idx="1">
-              <a:schemeClr val="accent1"/>
-            </a:fillRef>
-            <a:effectRef idx="0">
-              <a:schemeClr val="accent1"/>
-            </a:effectRef>
-            <a:fontRef idx="minor"/>
-          </p:style>
-        </p:sp>
-      </p:grpSp>
-      <p:sp>
-        <p:nvSpPr>
-          <p:cNvPr id="1320" name="CustomShape 40"/>
-          <p:cNvSpPr/>
-          <p:nvPr/>
-        </p:nvSpPr>
-        <p:spPr>
-          <a:xfrm>
-            <a:off x="6477480" y="2943720"/>
-            <a:ext cx="4831200" cy="153888"/>
-          </a:xfrm>
-          <a:prstGeom prst="rect">
-            <a:avLst/>
-          </a:prstGeom>
-          <a:noFill/>
-          <a:ln w="6480">
-            <a:noFill/>
-          </a:ln>
-        </p:spPr>
-        <p:style>
-          <a:lnRef idx="0">
-            <a:scrgbClr r="0" g="0" b="0"/>
-          </a:lnRef>
-          <a:fillRef idx="0">
-            <a:scrgbClr r="0" g="0" b="0"/>
-          </a:fillRef>
-          <a:effectRef idx="0">
-            <a:scrgbClr r="0" g="0" b="0"/>
-          </a:effectRef>
-          <a:fontRef idx="minor"/>
-        </p:style>
-        <p:txBody>
-          <a:bodyPr lIns="0" tIns="0" rIns="0" bIns="0">
-            <a:spAutoFit/>
-          </a:bodyPr>
-          <a:lstStyle/>
-          <a:p>
-            <a:pPr>
-              <a:lnSpc>
-                <a:spcPct val="100000"/>
-              </a:lnSpc>
-            </a:pPr>
-            <a:r>
-              <a:rPr lang="en-GB" sz="1000" b="0" strike="noStrike" spc="-1" dirty="0" smtClean="0">
-                <a:solidFill>
-                  <a:srgbClr val="000000"/>
-                </a:solidFill>
-                <a:latin typeface="Calibri Light"/>
-              </a:rPr>
-              <a:t>.</a:t>
-            </a:r>
-            <a:endParaRPr lang="en-GB" sz="1000" b="0" strike="noStrike" spc="-1" dirty="0">
-              <a:latin typeface="Arial"/>
-            </a:endParaRPr>
-          </a:p>
-        </p:txBody>
-      </p:sp>
-      <p:sp>
-        <p:nvSpPr>
-          <p:cNvPr id="112" name="CustomShape 2"/>
-          <p:cNvSpPr/>
-          <p:nvPr/>
-        </p:nvSpPr>
-        <p:spPr>
-          <a:xfrm>
-            <a:off x="0" y="6775560"/>
-            <a:ext cx="2659680" cy="82080"/>
-          </a:xfrm>
-          <a:prstGeom prst="rect">
-            <a:avLst/>
-          </a:prstGeom>
-          <a:solidFill>
-            <a:srgbClr val="FFBE00"/>
-          </a:solidFill>
-          <a:ln>
-            <a:noFill/>
-          </a:ln>
-        </p:spPr>
-        <p:style>
-          <a:lnRef idx="2">
-            <a:schemeClr val="accent1">
-              <a:shade val="50000"/>
-            </a:schemeClr>
-          </a:lnRef>
-          <a:fillRef idx="1">
-            <a:schemeClr val="accent1"/>
-          </a:fillRef>
-          <a:effectRef idx="0">
-            <a:schemeClr val="accent1"/>
-          </a:effectRef>
-          <a:fontRef idx="minor"/>
-        </p:style>
-      </p:sp>
-      <p:sp>
-        <p:nvSpPr>
-          <p:cNvPr id="113" name="CustomShape 3"/>
-          <p:cNvSpPr/>
-          <p:nvPr/>
-        </p:nvSpPr>
-        <p:spPr>
-          <a:xfrm>
-            <a:off x="2802060" y="6762119"/>
-            <a:ext cx="6587640" cy="108360"/>
-          </a:xfrm>
-          <a:prstGeom prst="rect">
-            <a:avLst/>
-          </a:prstGeom>
-          <a:solidFill>
-            <a:srgbClr val="1C819E"/>
-          </a:solidFill>
-          <a:ln>
-            <a:noFill/>
-          </a:ln>
-        </p:spPr>
-        <p:style>
-          <a:lnRef idx="2">
-            <a:schemeClr val="accent1">
-              <a:shade val="50000"/>
-            </a:schemeClr>
-          </a:lnRef>
-          <a:fillRef idx="1">
-            <a:schemeClr val="accent1"/>
-          </a:fillRef>
-          <a:effectRef idx="0">
-            <a:schemeClr val="accent1"/>
-          </a:effectRef>
-          <a:fontRef idx="minor"/>
-        </p:style>
-      </p:sp>
-      <p:sp>
-        <p:nvSpPr>
-          <p:cNvPr id="114" name="CustomShape 4"/>
-          <p:cNvSpPr/>
-          <p:nvPr/>
-        </p:nvSpPr>
-        <p:spPr>
-          <a:xfrm>
-            <a:off x="9532080" y="6775560"/>
-            <a:ext cx="2659680" cy="82080"/>
-          </a:xfrm>
-          <a:prstGeom prst="rect">
-            <a:avLst/>
-          </a:prstGeom>
-          <a:solidFill>
-            <a:srgbClr val="FFBE00"/>
-          </a:solidFill>
-          <a:ln>
-            <a:noFill/>
-          </a:ln>
-        </p:spPr>
-        <p:style>
-          <a:lnRef idx="2">
-            <a:schemeClr val="accent1">
-              <a:shade val="50000"/>
-            </a:schemeClr>
-          </a:lnRef>
-          <a:fillRef idx="1">
-            <a:schemeClr val="accent1"/>
-          </a:fillRef>
-          <a:effectRef idx="0">
-            <a:schemeClr val="accent1"/>
-          </a:effectRef>
-          <a:fontRef idx="minor"/>
-        </p:style>
-      </p:sp>
-      <p:sp>
-        <p:nvSpPr>
-          <p:cNvPr id="115" name="TextShape 58"/>
-          <p:cNvSpPr txBox="1"/>
-          <p:nvPr/>
-        </p:nvSpPr>
-        <p:spPr>
-          <a:xfrm>
-            <a:off x="838080" y="6356520"/>
-            <a:ext cx="2742840" cy="364680"/>
-          </a:xfrm>
-          <a:prstGeom prst="rect">
-            <a:avLst/>
-          </a:prstGeom>
-          <a:noFill/>
-          <a:ln>
-            <a:noFill/>
-          </a:ln>
-        </p:spPr>
-        <p:txBody>
-          <a:bodyPr anchor="ctr">
-            <a:noAutofit/>
-          </a:bodyPr>
-          <a:lstStyle/>
-          <a:p>
-            <a:pPr>
-              <a:lnSpc>
-                <a:spcPct val="100000"/>
-              </a:lnSpc>
-            </a:pPr>
-            <a:fld id="{DFF7870E-DFBF-4CB7-A3F6-DA1E038144F0}" type="datetime1">
-              <a:rPr lang="en-GB" sz="1200" b="0" strike="noStrike" spc="-1">
-                <a:solidFill>
-                  <a:srgbClr val="8B8B8B"/>
-                </a:solidFill>
-                <a:latin typeface="Segoe UI"/>
-              </a:rPr>
-              <a:t>29/04/2019</a:t>
-            </a:fld>
-            <a:endParaRPr lang="en-GB" sz="1200" b="0" strike="noStrike" spc="-1">
-              <a:latin typeface="Times New Roman"/>
-            </a:endParaRPr>
-          </a:p>
-        </p:txBody>
-      </p:sp>
-      <p:sp>
-        <p:nvSpPr>
-          <p:cNvPr id="116" name="TextShape 59"/>
-          <p:cNvSpPr txBox="1"/>
-          <p:nvPr/>
-        </p:nvSpPr>
-        <p:spPr>
-          <a:xfrm>
-            <a:off x="8610480" y="6356520"/>
-            <a:ext cx="2742840" cy="364680"/>
-          </a:xfrm>
-          <a:prstGeom prst="rect">
-            <a:avLst/>
-          </a:prstGeom>
-          <a:noFill/>
-          <a:ln>
-            <a:noFill/>
-          </a:ln>
-        </p:spPr>
-        <p:txBody>
-          <a:bodyPr anchor="ctr">
-            <a:noAutofit/>
-          </a:bodyPr>
-          <a:lstStyle/>
-          <a:p>
-            <a:pPr algn="r">
-              <a:lnSpc>
-                <a:spcPct val="100000"/>
-              </a:lnSpc>
-            </a:pPr>
-            <a:fld id="{C6C43D75-D78C-4E45-AD84-28E61FB19D78}" type="slidenum">
-              <a:rPr lang="en-GB" sz="1200" b="0" strike="noStrike" spc="-1">
-                <a:solidFill>
-                  <a:srgbClr val="8B8B8B"/>
-                </a:solidFill>
-                <a:latin typeface="Segoe UI"/>
-              </a:rPr>
-              <a:t>18</a:t>
-            </a:fld>
-            <a:endParaRPr lang="en-GB" sz="1200" b="0" strike="noStrike" spc="-1" dirty="0">
-              <a:latin typeface="Times New Roman"/>
-            </a:endParaRPr>
-          </a:p>
-        </p:txBody>
-      </p:sp>
-      <p:sp>
-        <p:nvSpPr>
-          <p:cNvPr id="122" name="CustomShape 4"/>
-          <p:cNvSpPr/>
-          <p:nvPr/>
-        </p:nvSpPr>
-        <p:spPr>
-          <a:xfrm>
-            <a:off x="558720" y="514800"/>
-            <a:ext cx="11073960" cy="549000"/>
-          </a:xfrm>
-          <a:prstGeom prst="rect">
-            <a:avLst/>
-          </a:prstGeom>
-          <a:noFill/>
-          <a:ln>
-            <a:noFill/>
-          </a:ln>
-        </p:spPr>
-        <p:style>
-          <a:lnRef idx="0">
-            <a:scrgbClr r="0" g="0" b="0"/>
-          </a:lnRef>
-          <a:fillRef idx="0">
-            <a:scrgbClr r="0" g="0" b="0"/>
-          </a:fillRef>
-          <a:effectRef idx="0">
-            <a:scrgbClr r="0" g="0" b="0"/>
-          </a:effectRef>
-          <a:fontRef idx="minor"/>
-        </p:style>
-        <p:txBody>
-          <a:bodyPr lIns="0" tIns="0" rIns="0" bIns="0">
-            <a:spAutoFit/>
-          </a:bodyPr>
-          <a:lstStyle/>
-          <a:p>
-            <a:pPr algn="ctr">
-              <a:lnSpc>
-                <a:spcPct val="100000"/>
-              </a:lnSpc>
-            </a:pPr>
-            <a:r>
-              <a:rPr lang="en-GB" sz="3600" b="1" spc="-1" dirty="0" smtClean="0">
-                <a:solidFill>
-                  <a:srgbClr val="FFC000"/>
-                </a:solidFill>
-                <a:latin typeface="Century Gothic"/>
-                <a:ea typeface="Segoe UI Black"/>
-              </a:rPr>
-              <a:t>SITE WEB  </a:t>
-            </a:r>
-            <a:endParaRPr lang="en-GB" sz="3600" b="0" strike="noStrike" spc="-1" dirty="0">
-              <a:solidFill>
-                <a:srgbClr val="FFC000"/>
-              </a:solidFill>
-              <a:latin typeface="Arial"/>
-            </a:endParaRPr>
-          </a:p>
-        </p:txBody>
-      </p:sp>
-      <p:pic>
-        <p:nvPicPr>
-          <p:cNvPr id="2" name="Image 1"/>
-          <p:cNvPicPr>
-            <a:picLocks noChangeAspect="1"/>
-          </p:cNvPicPr>
-          <p:nvPr/>
-        </p:nvPicPr>
-        <p:blipFill>
-          <a:blip r:embed="rId3" cstate="print">
-            <a:extLst>
-              <a:ext uri="{28A0092B-C50C-407E-A947-70E740481C1C}">
-                <a14:useLocalDpi xmlns:a14="http://schemas.microsoft.com/office/drawing/2010/main" val="0"/>
-              </a:ext>
-            </a:extLst>
-          </a:blip>
-          <a:stretch>
-            <a:fillRect/>
-          </a:stretch>
-        </p:blipFill>
-        <p:spPr>
-          <a:xfrm>
-            <a:off x="1433880" y="1963440"/>
-            <a:ext cx="4655160" cy="3113280"/>
-          </a:xfrm>
-          <a:prstGeom prst="rect">
-            <a:avLst/>
-          </a:prstGeom>
-          <a:ln>
-            <a:noFill/>
-          </a:ln>
-          <a:effectLst>
-            <a:outerShdw blurRad="292100" dist="139700" dir="2700000" algn="tl" rotWithShape="0">
-              <a:srgbClr val="333333">
-                <a:alpha val="65000"/>
-              </a:srgbClr>
-            </a:outerShdw>
-          </a:effectLst>
-        </p:spPr>
-      </p:pic>
-      <p:sp>
-        <p:nvSpPr>
-          <p:cNvPr id="91" name="CustomShape 26"/>
-          <p:cNvSpPr/>
-          <p:nvPr/>
-        </p:nvSpPr>
-        <p:spPr>
-          <a:xfrm>
-            <a:off x="6757111" y="3150372"/>
-            <a:ext cx="2966221" cy="553998"/>
-          </a:xfrm>
-          <a:prstGeom prst="rect">
-            <a:avLst/>
-          </a:prstGeom>
-          <a:noFill/>
-          <a:ln>
-            <a:noFill/>
-          </a:ln>
-        </p:spPr>
-        <p:style>
-          <a:lnRef idx="0">
-            <a:scrgbClr r="0" g="0" b="0"/>
-          </a:lnRef>
-          <a:fillRef idx="0">
-            <a:scrgbClr r="0" g="0" b="0"/>
-          </a:fillRef>
-          <a:effectRef idx="0">
-            <a:scrgbClr r="0" g="0" b="0"/>
-          </a:effectRef>
-          <a:fontRef idx="minor"/>
-        </p:style>
-        <p:txBody>
-          <a:bodyPr wrap="square" lIns="0" tIns="0" rIns="0" bIns="0" anchor="ctr">
-            <a:spAutoFit/>
-          </a:bodyPr>
-          <a:lstStyle/>
-          <a:p>
-            <a:pPr>
-              <a:lnSpc>
-                <a:spcPct val="100000"/>
-              </a:lnSpc>
-            </a:pPr>
-            <a:r>
-              <a:rPr lang="en-GB" sz="3600" b="1" spc="-1" dirty="0" smtClean="0">
-                <a:solidFill>
-                  <a:srgbClr val="404040"/>
-                </a:solidFill>
-                <a:latin typeface="Century Gothic" panose="020B0502020202020204" pitchFamily="34" charset="0"/>
-                <a:ea typeface="Segoe UI Black"/>
-              </a:rPr>
-              <a:t>LIVE DEMO </a:t>
-            </a:r>
-            <a:endParaRPr lang="en-GB" sz="3600" b="0" strike="noStrike" spc="-1" dirty="0">
-              <a:latin typeface="Century Gothic" panose="020B0502020202020204" pitchFamily="34" charset="0"/>
-            </a:endParaRPr>
-          </a:p>
-        </p:txBody>
-      </p:sp>
-    </p:spTree>
-    <p:extLst>
-      <p:ext uri="{BB962C8B-B14F-4D97-AF65-F5344CB8AC3E}">
-        <p14:creationId xmlns:p14="http://schemas.microsoft.com/office/powerpoint/2010/main" val="3836972120"/>
-      </p:ext>
-    </p:extLst>
-  </p:cSld>
-  <p:clrMapOvr>
-    <a:masterClrMapping/>
-  </p:clrMapOvr>
-  <mc:AlternateContent xmlns:mc="http://schemas.openxmlformats.org/markup-compatibility/2006" xmlns:p14="http://schemas.microsoft.com/office/powerpoint/2010/main">
-    <mc:Choice Requires="p14">
-      <p:transition spd="slow" p14:dur="2000"/>
-    </mc:Choice>
-    <mc:Fallback xmlns:p15="http://schemas.microsoft.com/office/powerpoint/2012/main" xmlns="">
+    <mc:Fallback xmlns="" xmlns:p15="http://schemas.microsoft.com/office/powerpoint/2012/main">
       <p:transition spd="slow"/>
     </mc:Fallback>
   </mc:AlternateContent>
@@ -20884,7 +20884,7 @@
                 </a:solidFill>
                 <a:latin typeface="Segoe UI"/>
               </a:rPr>
-              <a:t>29/04/2019</a:t>
+              <a:t>30/04/2019</a:t>
             </a:fld>
             <a:endParaRPr lang="en-GB" sz="1200" b="0" strike="noStrike" spc="-1">
               <a:latin typeface="Times New Roman"/>
@@ -21022,7 +21022,7 @@
     <mc:Choice Requires="p14">
       <p:transition spd="slow" p14:dur="2000"/>
     </mc:Choice>
-    <mc:Fallback xmlns="" xmlns:p15="http://schemas.microsoft.com/office/powerpoint/2012/main">
+    <mc:Fallback xmlns:p15="http://schemas.microsoft.com/office/powerpoint/2012/main" xmlns="">
       <p:transition spd="slow"/>
     </mc:Fallback>
   </mc:AlternateContent>
@@ -21285,7 +21285,7 @@
                 </a:solidFill>
                 <a:latin typeface="Century Gothic" panose="020B0502020202020204" pitchFamily="34" charset="0"/>
               </a:rPr>
-              <a:t>29/04/2019</a:t>
+              <a:t>30/04/2019</a:t>
             </a:fld>
             <a:endParaRPr lang="en-GB" sz="1200" b="0" strike="noStrike" spc="-1">
               <a:latin typeface="Century Gothic" panose="020B0502020202020204" pitchFamily="34" charset="0"/>
@@ -27543,7 +27543,7 @@
     <mc:Choice Requires="p14">
       <p:transition spd="slow" p14:dur="2000"/>
     </mc:Choice>
-    <mc:Fallback xmlns="" xmlns:p15="http://schemas.microsoft.com/office/powerpoint/2012/main">
+    <mc:Fallback xmlns:p15="http://schemas.microsoft.com/office/powerpoint/2012/main" xmlns="">
       <p:transition spd="slow"/>
     </mc:Fallback>
   </mc:AlternateContent>
@@ -31846,7 +31846,7 @@
     <mc:Choice Requires="p14">
       <p:transition spd="slow" p14:dur="2000"/>
     </mc:Choice>
-    <mc:Fallback xmlns="" xmlns:p15="http://schemas.microsoft.com/office/powerpoint/2012/main">
+    <mc:Fallback xmlns:p15="http://schemas.microsoft.com/office/powerpoint/2012/main" xmlns="">
       <p:transition spd="slow"/>
     </mc:Fallback>
   </mc:AlternateContent>
@@ -32053,7 +32053,7 @@
                 </a:solidFill>
                 <a:latin typeface="Segoe UI"/>
               </a:rPr>
-              <a:t>29/04/2019</a:t>
+              <a:t>30/04/2019</a:t>
             </a:fld>
             <a:endParaRPr lang="en-GB" sz="1200" b="0" strike="noStrike" spc="-1">
               <a:latin typeface="Times New Roman"/>
@@ -32191,7 +32191,7 @@
     <mc:Choice Requires="p14">
       <p:transition spd="slow" p14:dur="2000"/>
     </mc:Choice>
-    <mc:Fallback xmlns="" xmlns:p15="http://schemas.microsoft.com/office/powerpoint/2012/main">
+    <mc:Fallback xmlns:p15="http://schemas.microsoft.com/office/powerpoint/2012/main" xmlns="">
       <p:transition spd="slow"/>
     </mc:Fallback>
   </mc:AlternateContent>
@@ -32387,7 +32387,7 @@
                 </a:solidFill>
                 <a:latin typeface="Century Gothic" panose="020B0502020202020204" pitchFamily="34" charset="0"/>
               </a:rPr>
-              <a:t>29/04/2019</a:t>
+              <a:t>30/04/2019</a:t>
             </a:fld>
             <a:endParaRPr lang="en-GB" sz="1200" b="0" strike="noStrike" spc="-1">
               <a:latin typeface="Century Gothic" panose="020B0502020202020204" pitchFamily="34" charset="0"/>
@@ -35675,7 +35675,7 @@
     <mc:Choice Requires="p14">
       <p:transition spd="slow" p14:dur="2000"/>
     </mc:Choice>
-    <mc:Fallback xmlns:p15="http://schemas.microsoft.com/office/powerpoint/2012/main" xmlns="">
+    <mc:Fallback xmlns="" xmlns:p15="http://schemas.microsoft.com/office/powerpoint/2012/main">
       <p:transition spd="slow"/>
     </mc:Fallback>
   </mc:AlternateContent>
@@ -42724,7 +42724,7 @@
                 </a:solidFill>
                 <a:latin typeface="Century Gothic" panose="020B0502020202020204" pitchFamily="34" charset="0"/>
               </a:rPr>
-              <a:t>29/04/2019</a:t>
+              <a:t>30/04/2019</a:t>
             </a:fld>
             <a:endParaRPr lang="en-GB" sz="1200" b="0" strike="noStrike" spc="-1">
               <a:latin typeface="Century Gothic" panose="020B0502020202020204" pitchFamily="34" charset="0"/>
@@ -42852,7 +42852,7 @@
     <mc:Choice Requires="p14">
       <p:transition spd="slow" p14:dur="2000"/>
     </mc:Choice>
-    <mc:Fallback xmlns:p15="http://schemas.microsoft.com/office/powerpoint/2012/main" xmlns="">
+    <mc:Fallback xmlns="" xmlns:p15="http://schemas.microsoft.com/office/powerpoint/2012/main">
       <p:transition spd="slow"/>
     </mc:Fallback>
   </mc:AlternateContent>
@@ -43059,7 +43059,7 @@
                 </a:solidFill>
                 <a:latin typeface="Segoe UI"/>
               </a:rPr>
-              <a:t>29/04/2019</a:t>
+              <a:t>30/04/2019</a:t>
             </a:fld>
             <a:endParaRPr lang="en-GB" sz="1200" b="0" strike="noStrike" spc="-1">
               <a:latin typeface="Times New Roman"/>
@@ -43197,7 +43197,7 @@
     <mc:Choice Requires="p14">
       <p:transition spd="slow" p14:dur="2000"/>
     </mc:Choice>
-    <mc:Fallback xmlns="" xmlns:p15="http://schemas.microsoft.com/office/powerpoint/2012/main">
+    <mc:Fallback xmlns:p15="http://schemas.microsoft.com/office/powerpoint/2012/main" xmlns="">
       <p:transition spd="slow"/>
     </mc:Fallback>
   </mc:AlternateContent>
@@ -43473,7 +43473,7 @@
                 </a:solidFill>
                 <a:latin typeface="Century Gothic" panose="020B0502020202020204" pitchFamily="34" charset="0"/>
               </a:rPr>
-              <a:t>29/04/2019</a:t>
+              <a:t>30/04/2019</a:t>
             </a:fld>
             <a:endParaRPr lang="en-GB" sz="1200" b="0" strike="noStrike" spc="-1">
               <a:latin typeface="Century Gothic" panose="020B0502020202020204" pitchFamily="34" charset="0"/>
@@ -47126,7 +47126,7 @@
     <mc:Choice Requires="p14">
       <p:transition spd="slow" p14:dur="2000"/>
     </mc:Choice>
-    <mc:Fallback xmlns="" xmlns:p15="http://schemas.microsoft.com/office/powerpoint/2012/main">
+    <mc:Fallback xmlns:p15="http://schemas.microsoft.com/office/powerpoint/2012/main" xmlns="">
       <p:transition spd="slow"/>
     </mc:Fallback>
   </mc:AlternateContent>
@@ -47333,7 +47333,7 @@
                 </a:solidFill>
                 <a:latin typeface="Century Gothic" panose="020B0502020202020204" pitchFamily="34" charset="0"/>
               </a:rPr>
-              <a:t>29/04/2019</a:t>
+              <a:t>30/04/2019</a:t>
             </a:fld>
             <a:endParaRPr lang="en-GB" sz="1200" b="0" strike="noStrike" spc="-1">
               <a:latin typeface="Century Gothic" panose="020B0502020202020204" pitchFamily="34" charset="0"/>
@@ -48299,17 +48299,7 @@
                 <a:latin typeface="Century Gothic" panose="020B0502020202020204" pitchFamily="34" charset="0"/>
                 <a:cs typeface="Segoe UI" panose="020B0502040204020203" pitchFamily="34" charset="0"/>
               </a:rPr>
-              <a:t>Régulation </a:t>
-            </a:r>
-            <a:r>
-              <a:rPr lang="fr-FR" b="1" dirty="0" smtClean="0">
-                <a:solidFill>
-                  <a:srgbClr val="404040"/>
-                </a:solidFill>
-                <a:latin typeface="Century Gothic" panose="020B0502020202020204" pitchFamily="34" charset="0"/>
-                <a:cs typeface="Segoe UI" panose="020B0502040204020203" pitchFamily="34" charset="0"/>
-              </a:rPr>
-              <a:t>de </a:t>
+              <a:t>Régulation de </a:t>
             </a:r>
             <a:r>
               <a:rPr lang="fr-FR" b="1" dirty="0">
@@ -48452,25 +48442,7 @@
                 </a:solidFill>
                 <a:latin typeface="Century Gothic" panose="020B0502020202020204" pitchFamily="34" charset="0"/>
               </a:rPr>
-              <a:t>Système de sécurité performant </a:t>
-            </a:r>
-            <a:r>
-              <a:rPr lang="fr-FR" b="1" dirty="0" smtClean="0">
-                <a:solidFill>
-                  <a:srgbClr val="404040"/>
-                </a:solidFill>
-                <a:latin typeface="Century Gothic" panose="020B0502020202020204" pitchFamily="34" charset="0"/>
-              </a:rPr>
-              <a:t>et </a:t>
-            </a:r>
-            <a:r>
-              <a:rPr lang="fr-FR" b="1" dirty="0" smtClean="0">
-                <a:solidFill>
-                  <a:srgbClr val="404040"/>
-                </a:solidFill>
-                <a:latin typeface="Century Gothic" panose="020B0502020202020204" pitchFamily="34" charset="0"/>
-              </a:rPr>
-              <a:t>Commande à distance </a:t>
+              <a:t>Système de sécurité performant et Commande à distance </a:t>
             </a:r>
             <a:endParaRPr lang="fr-FR" b="1" dirty="0">
               <a:solidFill>
@@ -52773,7 +52745,7 @@
     <mc:Choice Requires="p14">
       <p:transition spd="slow" p14:dur="2000"/>
     </mc:Choice>
-    <mc:Fallback xmlns="" xmlns:p15="http://schemas.microsoft.com/office/powerpoint/2012/main">
+    <mc:Fallback xmlns:p15="http://schemas.microsoft.com/office/powerpoint/2012/main" xmlns="">
       <p:transition spd="slow"/>
     </mc:Fallback>
   </mc:AlternateContent>
@@ -52980,7 +52952,7 @@
                 </a:solidFill>
                 <a:latin typeface="Segoe UI"/>
               </a:rPr>
-              <a:t>29/04/2019</a:t>
+              <a:t>30/04/2019</a:t>
             </a:fld>
             <a:endParaRPr lang="en-GB" sz="1200" b="0" strike="noStrike" spc="-1">
               <a:latin typeface="Times New Roman"/>
@@ -53118,7 +53090,7 @@
     <mc:Choice Requires="p14">
       <p:transition spd="slow" p14:dur="2000"/>
     </mc:Choice>
-    <mc:Fallback xmlns="" xmlns:p15="http://schemas.microsoft.com/office/powerpoint/2012/main">
+    <mc:Fallback xmlns:p15="http://schemas.microsoft.com/office/powerpoint/2012/main" xmlns="">
       <p:transition spd="slow"/>
     </mc:Fallback>
   </mc:AlternateContent>
